--- a/Lecture06_Matching/Lecture06_Matching.pptx
+++ b/Lecture06_Matching/Lecture06_Matching.pptx
@@ -487,7 +487,7 @@
           <a:p>
             <a:fld id="{EF911157-0FC2-4F06-8D61-FD647FE4E19D}" type="datetimeFigureOut">
               <a:rPr lang="en-US" smtClean="0"/>
-              <a:t>10/25/2024</a:t>
+              <a:t>10/16/2025</a:t>
             </a:fld>
             <a:endParaRPr lang="en-US"/>
           </a:p>
@@ -819,7 +819,7 @@
             </a:pPr>
             <a:r>
               <a:rPr lang="en-US" dirty="0"/>
-              <a:t>Case studies</a:t>
+              <a:t>Format for Assignment 3</a:t>
             </a:r>
           </a:p>
           <a:p>
@@ -829,7 +829,7 @@
             </a:pPr>
             <a:r>
               <a:rPr lang="en-US" dirty="0"/>
-              <a:t>Format for Assignment 2</a:t>
+              <a:t>Updating lecture schedule – DD coming soon (are we willing to move up due date for Assignment 4 correspondingly?)</a:t>
             </a:r>
           </a:p>
           <a:p>
@@ -839,7 +839,7 @@
             </a:pPr>
             <a:r>
               <a:rPr lang="en-US" dirty="0"/>
-              <a:t>Upcoming seminar series (job talks)</a:t>
+              <a:t>Talk about research projects! </a:t>
             </a:r>
           </a:p>
           <a:p>
@@ -849,27 +849,7 @@
             </a:pPr>
             <a:r>
               <a:rPr lang="en-US" dirty="0"/>
-              <a:t>Final paper/referee reports questions + timelines</a:t>
-            </a:r>
-          </a:p>
-          <a:p>
-            <a:pPr marL="171450" indent="-171450">
-              <a:buFont typeface="Arial" panose="020B0604020202020204" pitchFamily="34" charset="0"/>
-              <a:buChar char="•"/>
-            </a:pPr>
-            <a:r>
-              <a:rPr lang="en-US" dirty="0"/>
-              <a:t>Marking and Notes on Assignment 1: default grade for everything is an A (not an A+, which I rarely give out). In general, your grade will be an A- or an A unless you do really well or really poorly – think about what you want from graduate marks and how that might get in the way of your learning. </a:t>
-            </a:r>
-          </a:p>
-          <a:p>
-            <a:pPr marL="628650" lvl="1" indent="-171450">
-              <a:buFont typeface="Arial" panose="020B0604020202020204" pitchFamily="34" charset="0"/>
-              <a:buChar char="•"/>
-            </a:pPr>
-            <a:r>
-              <a:rPr lang="en-US" dirty="0"/>
-              <a:t>With interaction term, make sure you include the levels and the transformation if appropriate. Highlight #9 in particular, talk about colliders in the DAGs maybe? Are people working together? Cite your teams if so – and also do work together! Some code cross-pollination is a good thing</a:t>
+              <a:t>Marking and Notes on Assignment 1: In general, median grade will be an B+/A-. Talk about balancing grades across Sharmistha. </a:t>
             </a:r>
           </a:p>
         </p:txBody>
@@ -1215,7 +1195,10 @@
           <a:bodyPr/>
           <a:lstStyle/>
           <a:p>
-            <a:endParaRPr lang="en-US" dirty="0"/>
+            <a:r>
+              <a:rPr lang="en-US" dirty="0"/>
+              <a:t>Not an economics paper! And using the CCHS! You’re welcome</a:t>
+            </a:r>
           </a:p>
         </p:txBody>
       </p:sp>
@@ -7470,7 +7453,7 @@
             <a:fld id="{0972D05C-DCFB-4BB6-B49C-AC126BF3ED2C}" type="datetimeFigureOut">
               <a:rPr lang="en-US" smtClean="0"/>
               <a:pPr/>
-              <a:t>10/25/2024</a:t>
+              <a:t>10/16/2025</a:t>
             </a:fld>
             <a:endParaRPr lang="en-US"/>
           </a:p>
@@ -7576,6 +7559,13 @@
             <a:schemeClr val="lt1"/>
           </a:fontRef>
         </p:style>
+        <p:txBody>
+          <a:bodyPr/>
+          <a:lstStyle/>
+          <a:p>
+            <a:endParaRPr lang="en-US"/>
+          </a:p>
+        </p:txBody>
       </p:sp>
     </p:spTree>
     <p:extLst>
@@ -7700,7 +7690,7 @@
             <a:fld id="{0972D05C-DCFB-4BB6-B49C-AC126BF3ED2C}" type="datetimeFigureOut">
               <a:rPr lang="en-US" smtClean="0"/>
               <a:pPr/>
-              <a:t>10/25/2024</a:t>
+              <a:t>10/16/2025</a:t>
             </a:fld>
             <a:endParaRPr lang="en-US"/>
           </a:p>
@@ -7882,7 +7872,7 @@
             <a:fld id="{0972D05C-DCFB-4BB6-B49C-AC126BF3ED2C}" type="datetimeFigureOut">
               <a:rPr lang="en-US" smtClean="0"/>
               <a:pPr/>
-              <a:t>10/25/2024</a:t>
+              <a:t>10/16/2025</a:t>
             </a:fld>
             <a:endParaRPr lang="en-US"/>
           </a:p>
@@ -8054,7 +8044,7 @@
             <a:fld id="{0972D05C-DCFB-4BB6-B49C-AC126BF3ED2C}" type="datetimeFigureOut">
               <a:rPr lang="en-US" smtClean="0"/>
               <a:pPr/>
-              <a:t>10/25/2024</a:t>
+              <a:t>10/16/2025</a:t>
             </a:fld>
             <a:endParaRPr lang="en-US"/>
           </a:p>
@@ -8310,7 +8300,7 @@
             <a:fld id="{0972D05C-DCFB-4BB6-B49C-AC126BF3ED2C}" type="datetimeFigureOut">
               <a:rPr lang="en-US" smtClean="0"/>
               <a:pPr/>
-              <a:t>10/25/2024</a:t>
+              <a:t>10/16/2025</a:t>
             </a:fld>
             <a:endParaRPr lang="en-US"/>
           </a:p>
@@ -8638,7 +8628,7 @@
             <a:fld id="{0972D05C-DCFB-4BB6-B49C-AC126BF3ED2C}" type="datetimeFigureOut">
               <a:rPr lang="en-US" smtClean="0"/>
               <a:pPr/>
-              <a:t>10/25/2024</a:t>
+              <a:t>10/16/2025</a:t>
             </a:fld>
             <a:endParaRPr lang="en-US"/>
           </a:p>
@@ -9091,7 +9081,7 @@
             <a:fld id="{0972D05C-DCFB-4BB6-B49C-AC126BF3ED2C}" type="datetimeFigureOut">
               <a:rPr lang="en-US" smtClean="0"/>
               <a:pPr/>
-              <a:t>10/25/2024</a:t>
+              <a:t>10/16/2025</a:t>
             </a:fld>
             <a:endParaRPr lang="en-US"/>
           </a:p>
@@ -9211,7 +9201,7 @@
             <a:fld id="{0972D05C-DCFB-4BB6-B49C-AC126BF3ED2C}" type="datetimeFigureOut">
               <a:rPr lang="en-US" smtClean="0"/>
               <a:pPr/>
-              <a:t>10/25/2024</a:t>
+              <a:t>10/16/2025</a:t>
             </a:fld>
             <a:endParaRPr lang="en-US"/>
           </a:p>
@@ -9308,7 +9298,7 @@
             <a:fld id="{0972D05C-DCFB-4BB6-B49C-AC126BF3ED2C}" type="datetimeFigureOut">
               <a:rPr lang="en-US" smtClean="0"/>
               <a:pPr/>
-              <a:t>10/25/2024</a:t>
+              <a:t>10/16/2025</a:t>
             </a:fld>
             <a:endParaRPr lang="en-US"/>
           </a:p>
@@ -9597,7 +9587,7 @@
             <a:fld id="{0972D05C-DCFB-4BB6-B49C-AC126BF3ED2C}" type="datetimeFigureOut">
               <a:rPr lang="en-US" smtClean="0"/>
               <a:pPr/>
-              <a:t>10/25/2024</a:t>
+              <a:t>10/16/2025</a:t>
             </a:fld>
             <a:endParaRPr lang="en-US"/>
           </a:p>
@@ -9921,7 +9911,7 @@
             <a:fld id="{0972D05C-DCFB-4BB6-B49C-AC126BF3ED2C}" type="datetimeFigureOut">
               <a:rPr lang="en-US" smtClean="0"/>
               <a:pPr/>
-              <a:t>10/25/2024</a:t>
+              <a:t>10/16/2025</a:t>
             </a:fld>
             <a:endParaRPr lang="en-US"/>
           </a:p>
@@ -10044,6 +10034,13 @@
             <a:schemeClr val="lt1"/>
           </a:fontRef>
         </p:style>
+        <p:txBody>
+          <a:bodyPr/>
+          <a:lstStyle/>
+          <a:p>
+            <a:endParaRPr lang="en-US"/>
+          </a:p>
+        </p:txBody>
       </p:sp>
       <p:sp>
         <p:nvSpPr>
@@ -10176,7 +10173,7 @@
             <a:fld id="{0972D05C-DCFB-4BB6-B49C-AC126BF3ED2C}" type="datetimeFigureOut">
               <a:rPr lang="en-US" smtClean="0"/>
               <a:pPr/>
-              <a:t>10/25/2024</a:t>
+              <a:t>10/16/2025</a:t>
             </a:fld>
             <a:endParaRPr lang="en-US" dirty="0"/>
           </a:p>
@@ -10691,8 +10688,13 @@
           <a:p>
             <a:r>
               <a:rPr lang="en-US" dirty="0"/>
-              <a:t>Health Econometrics I </a:t>
-            </a:r>
+              <a:t>Quant Methods </a:t>
+            </a:r>
+            <a:r>
+              <a:rPr lang="en-US"/>
+              <a:t>in HSR I </a:t>
+            </a:r>
+            <a:endParaRPr lang="en-US" dirty="0"/>
           </a:p>
         </p:txBody>
       </p:sp>
@@ -10726,7 +10728,7 @@
           <a:p>
             <a:r>
               <a:rPr lang="en-US" sz="2400" dirty="0"/>
-              <a:t>October 25, 2024</a:t>
+              <a:t>October 20, 2025</a:t>
             </a:r>
           </a:p>
           <a:p>
@@ -25638,7 +25640,7 @@
               <a:rPr lang="en-US" sz="2400" dirty="0">
                 <a:cs typeface="Times New Roman" panose="02020603050405020304" pitchFamily="18" charset="0"/>
               </a:rPr>
-              <a:t>Economists tend to be </a:t>
+              <a:t>Some fields (economists) tend to be </a:t>
             </a:r>
             <a:r>
               <a:rPr lang="en-US" sz="2400" b="1" u="sng" dirty="0">
@@ -26357,7 +26359,7 @@
 </file>
 
 <file path=ppt/slides/slide68.xml><?xml version="1.0" encoding="utf-8"?>
-<p:sld xmlns:a="http://schemas.openxmlformats.org/drawingml/2006/main" xmlns:r="http://schemas.openxmlformats.org/officeDocument/2006/relationships" xmlns:p="http://schemas.openxmlformats.org/presentationml/2006/main">
+<p:sld xmlns:a="http://schemas.openxmlformats.org/drawingml/2006/main" xmlns:r="http://schemas.openxmlformats.org/officeDocument/2006/relationships" xmlns:p="http://schemas.openxmlformats.org/presentationml/2006/main" show="0">
   <p:cSld>
     <p:spTree>
       <p:nvGrpSpPr>
@@ -26496,7 +26498,7 @@
 </file>
 
 <file path=ppt/slides/slide69.xml><?xml version="1.0" encoding="utf-8"?>
-<p:sld xmlns:a="http://schemas.openxmlformats.org/drawingml/2006/main" xmlns:r="http://schemas.openxmlformats.org/officeDocument/2006/relationships" xmlns:p="http://schemas.openxmlformats.org/presentationml/2006/main">
+<p:sld xmlns:a="http://schemas.openxmlformats.org/drawingml/2006/main" xmlns:r="http://schemas.openxmlformats.org/officeDocument/2006/relationships" xmlns:p="http://schemas.openxmlformats.org/presentationml/2006/main" show="0">
   <p:cSld>
     <p:spTree>
       <p:nvGrpSpPr>

--- a/Lecture06_Matching/Lecture06_Matching.pptx
+++ b/Lecture06_Matching/Lecture06_Matching.pptx
@@ -5,7 +5,7 @@
     <p:sldMasterId id="2147483738" r:id="rId1"/>
   </p:sldMasterIdLst>
   <p:notesMasterIdLst>
-    <p:notesMasterId r:id="rId79"/>
+    <p:notesMasterId r:id="rId81"/>
   </p:notesMasterIdLst>
   <p:sldIdLst>
     <p:sldId id="256" r:id="rId2"/>
@@ -35,56 +35,58 @@
     <p:sldId id="422" r:id="rId26"/>
     <p:sldId id="443" r:id="rId27"/>
     <p:sldId id="462" r:id="rId28"/>
-    <p:sldId id="424" r:id="rId29"/>
-    <p:sldId id="429" r:id="rId30"/>
-    <p:sldId id="460" r:id="rId31"/>
-    <p:sldId id="430" r:id="rId32"/>
-    <p:sldId id="431" r:id="rId33"/>
-    <p:sldId id="432" r:id="rId34"/>
-    <p:sldId id="425" r:id="rId35"/>
-    <p:sldId id="433" r:id="rId36"/>
-    <p:sldId id="434" r:id="rId37"/>
-    <p:sldId id="435" r:id="rId38"/>
-    <p:sldId id="436" r:id="rId39"/>
-    <p:sldId id="437" r:id="rId40"/>
-    <p:sldId id="446" r:id="rId41"/>
-    <p:sldId id="447" r:id="rId42"/>
-    <p:sldId id="438" r:id="rId43"/>
-    <p:sldId id="449" r:id="rId44"/>
-    <p:sldId id="451" r:id="rId45"/>
-    <p:sldId id="452" r:id="rId46"/>
-    <p:sldId id="453" r:id="rId47"/>
-    <p:sldId id="534" r:id="rId48"/>
-    <p:sldId id="549" r:id="rId49"/>
-    <p:sldId id="551" r:id="rId50"/>
-    <p:sldId id="475" r:id="rId51"/>
-    <p:sldId id="484" r:id="rId52"/>
-    <p:sldId id="455" r:id="rId53"/>
-    <p:sldId id="539" r:id="rId54"/>
-    <p:sldId id="555" r:id="rId55"/>
-    <p:sldId id="526" r:id="rId56"/>
-    <p:sldId id="557" r:id="rId57"/>
-    <p:sldId id="556" r:id="rId58"/>
-    <p:sldId id="553" r:id="rId59"/>
-    <p:sldId id="550" r:id="rId60"/>
-    <p:sldId id="544" r:id="rId61"/>
-    <p:sldId id="552" r:id="rId62"/>
-    <p:sldId id="441" r:id="rId63"/>
-    <p:sldId id="463" r:id="rId64"/>
-    <p:sldId id="464" r:id="rId65"/>
-    <p:sldId id="444" r:id="rId66"/>
-    <p:sldId id="479" r:id="rId67"/>
-    <p:sldId id="481" r:id="rId68"/>
-    <p:sldId id="478" r:id="rId69"/>
-    <p:sldId id="477" r:id="rId70"/>
-    <p:sldId id="476" r:id="rId71"/>
-    <p:sldId id="485" r:id="rId72"/>
-    <p:sldId id="487" r:id="rId73"/>
-    <p:sldId id="486" r:id="rId74"/>
-    <p:sldId id="488" r:id="rId75"/>
-    <p:sldId id="456" r:id="rId76"/>
-    <p:sldId id="445" r:id="rId77"/>
-    <p:sldId id="465" r:id="rId78"/>
+    <p:sldId id="559" r:id="rId29"/>
+    <p:sldId id="560" r:id="rId30"/>
+    <p:sldId id="424" r:id="rId31"/>
+    <p:sldId id="429" r:id="rId32"/>
+    <p:sldId id="460" r:id="rId33"/>
+    <p:sldId id="430" r:id="rId34"/>
+    <p:sldId id="431" r:id="rId35"/>
+    <p:sldId id="432" r:id="rId36"/>
+    <p:sldId id="425" r:id="rId37"/>
+    <p:sldId id="433" r:id="rId38"/>
+    <p:sldId id="434" r:id="rId39"/>
+    <p:sldId id="435" r:id="rId40"/>
+    <p:sldId id="436" r:id="rId41"/>
+    <p:sldId id="437" r:id="rId42"/>
+    <p:sldId id="446" r:id="rId43"/>
+    <p:sldId id="447" r:id="rId44"/>
+    <p:sldId id="438" r:id="rId45"/>
+    <p:sldId id="449" r:id="rId46"/>
+    <p:sldId id="451" r:id="rId47"/>
+    <p:sldId id="452" r:id="rId48"/>
+    <p:sldId id="453" r:id="rId49"/>
+    <p:sldId id="534" r:id="rId50"/>
+    <p:sldId id="549" r:id="rId51"/>
+    <p:sldId id="551" r:id="rId52"/>
+    <p:sldId id="475" r:id="rId53"/>
+    <p:sldId id="484" r:id="rId54"/>
+    <p:sldId id="455" r:id="rId55"/>
+    <p:sldId id="539" r:id="rId56"/>
+    <p:sldId id="555" r:id="rId57"/>
+    <p:sldId id="526" r:id="rId58"/>
+    <p:sldId id="557" r:id="rId59"/>
+    <p:sldId id="556" r:id="rId60"/>
+    <p:sldId id="553" r:id="rId61"/>
+    <p:sldId id="550" r:id="rId62"/>
+    <p:sldId id="544" r:id="rId63"/>
+    <p:sldId id="552" r:id="rId64"/>
+    <p:sldId id="441" r:id="rId65"/>
+    <p:sldId id="463" r:id="rId66"/>
+    <p:sldId id="464" r:id="rId67"/>
+    <p:sldId id="444" r:id="rId68"/>
+    <p:sldId id="479" r:id="rId69"/>
+    <p:sldId id="481" r:id="rId70"/>
+    <p:sldId id="478" r:id="rId71"/>
+    <p:sldId id="477" r:id="rId72"/>
+    <p:sldId id="476" r:id="rId73"/>
+    <p:sldId id="485" r:id="rId74"/>
+    <p:sldId id="487" r:id="rId75"/>
+    <p:sldId id="486" r:id="rId76"/>
+    <p:sldId id="488" r:id="rId77"/>
+    <p:sldId id="456" r:id="rId78"/>
+    <p:sldId id="445" r:id="rId79"/>
+    <p:sldId id="465" r:id="rId80"/>
   </p:sldIdLst>
   <p:sldSz cx="12192000" cy="6858000"/>
   <p:notesSz cx="7010400" cy="9296400"/>
@@ -487,7 +489,7 @@
           <a:p>
             <a:fld id="{EF911157-0FC2-4F06-8D61-FD647FE4E19D}" type="datetimeFigureOut">
               <a:rPr lang="en-US" smtClean="0"/>
-              <a:t>10/16/2025</a:t>
+              <a:t>10/20/2025</a:t>
             </a:fld>
             <a:endParaRPr lang="en-US"/>
           </a:p>
@@ -2390,7 +2392,13 @@
   <p:cSld>
     <p:spTree>
       <p:nvGrpSpPr>
-        <p:cNvPr id="1" name=""/>
+        <p:cNvPr id="1" name="">
+          <a:extLst>
+            <a:ext uri="{FF2B5EF4-FFF2-40B4-BE49-F238E27FC236}">
+              <a16:creationId xmlns:a16="http://schemas.microsoft.com/office/drawing/2014/main" id="{229F3484-1E52-A3D3-5850-6E8873F4CC18}"/>
+            </a:ext>
+          </a:extLst>
+        </p:cNvPr>
         <p:cNvGrpSpPr/>
         <p:nvPr/>
       </p:nvGrpSpPr>
@@ -2404,7 +2412,13 @@
       </p:grpSpPr>
       <p:sp>
         <p:nvSpPr>
-          <p:cNvPr id="2" name="Slide Image Placeholder 1"/>
+          <p:cNvPr id="2" name="Slide Image Placeholder 1">
+            <a:extLst>
+              <a:ext uri="{FF2B5EF4-FFF2-40B4-BE49-F238E27FC236}">
+                <a16:creationId xmlns:a16="http://schemas.microsoft.com/office/drawing/2014/main" id="{242FE81E-8F7E-6857-6BEA-FC092E1E8559}"/>
+              </a:ext>
+            </a:extLst>
+          </p:cNvPr>
           <p:cNvSpPr>
             <a:spLocks noGrp="1" noRot="1" noChangeAspect="1"/>
           </p:cNvSpPr>
@@ -2416,7 +2430,13 @@
       </p:sp>
       <p:sp>
         <p:nvSpPr>
-          <p:cNvPr id="3" name="Notes Placeholder 2"/>
+          <p:cNvPr id="3" name="Notes Placeholder 2">
+            <a:extLst>
+              <a:ext uri="{FF2B5EF4-FFF2-40B4-BE49-F238E27FC236}">
+                <a16:creationId xmlns:a16="http://schemas.microsoft.com/office/drawing/2014/main" id="{8828DF91-DFED-69C9-71B9-D025929CFDE2}"/>
+              </a:ext>
+            </a:extLst>
+          </p:cNvPr>
           <p:cNvSpPr>
             <a:spLocks noGrp="1"/>
           </p:cNvSpPr>
@@ -2429,16 +2449,42 @@
           <a:bodyPr/>
           <a:lstStyle/>
           <a:p>
-            <a:r>
-              <a:rPr lang="en-CA" dirty="0"/>
-              <a:t>You want to go through this section quickly – just to build intuition. </a:t>
-            </a:r>
-          </a:p>
-        </p:txBody>
-      </p:sp>
-      <p:sp>
-        <p:nvSpPr>
-          <p:cNvPr id="4" name="Slide Number Placeholder 3"/>
+            <a:pPr marL="0" marR="0" lvl="0" indent="0" algn="l" defTabSz="914400" rtl="0" eaLnBrk="1" fontAlgn="auto" latinLnBrk="0" hangingPunct="1">
+              <a:lnSpc>
+                <a:spcPct val="100000"/>
+              </a:lnSpc>
+              <a:spcBef>
+                <a:spcPts val="0"/>
+              </a:spcBef>
+              <a:spcAft>
+                <a:spcPts val="0"/>
+              </a:spcAft>
+              <a:buClrTx/>
+              <a:buSzTx/>
+              <a:buFontTx/>
+              <a:buNone/>
+              <a:tabLst/>
+              <a:defRPr/>
+            </a:pPr>
+            <a:r>
+              <a:rPr lang="en-US" dirty="0"/>
+              <a:t>Had to update the slide here. </a:t>
+            </a:r>
+          </a:p>
+          <a:p>
+            <a:endParaRPr lang="en-US" dirty="0"/>
+          </a:p>
+        </p:txBody>
+      </p:sp>
+      <p:sp>
+        <p:nvSpPr>
+          <p:cNvPr id="4" name="Slide Number Placeholder 3">
+            <a:extLst>
+              <a:ext uri="{FF2B5EF4-FFF2-40B4-BE49-F238E27FC236}">
+                <a16:creationId xmlns:a16="http://schemas.microsoft.com/office/drawing/2014/main" id="{064B025C-6562-AF3F-3184-C7B01FA0E853}"/>
+              </a:ext>
+            </a:extLst>
+          </p:cNvPr>
           <p:cNvSpPr>
             <a:spLocks noGrp="1"/>
           </p:cNvSpPr>
@@ -2462,7 +2508,7 @@
     </p:spTree>
     <p:extLst>
       <p:ext uri="{BB962C8B-B14F-4D97-AF65-F5344CB8AC3E}">
-        <p14:creationId xmlns:p14="http://schemas.microsoft.com/office/powerpoint/2010/main" val="1701568236"/>
+        <p14:creationId xmlns:p14="http://schemas.microsoft.com/office/powerpoint/2010/main" val="919351843"/>
       </p:ext>
     </p:extLst>
   </p:cSld>
@@ -2477,7 +2523,13 @@
   <p:cSld>
     <p:spTree>
       <p:nvGrpSpPr>
-        <p:cNvPr id="1" name=""/>
+        <p:cNvPr id="1" name="">
+          <a:extLst>
+            <a:ext uri="{FF2B5EF4-FFF2-40B4-BE49-F238E27FC236}">
+              <a16:creationId xmlns:a16="http://schemas.microsoft.com/office/drawing/2014/main" id="{6CFC52F2-F665-A674-EC8A-4C2F4A057BD7}"/>
+            </a:ext>
+          </a:extLst>
+        </p:cNvPr>
         <p:cNvGrpSpPr/>
         <p:nvPr/>
       </p:nvGrpSpPr>
@@ -2491,7 +2543,13 @@
       </p:grpSpPr>
       <p:sp>
         <p:nvSpPr>
-          <p:cNvPr id="2" name="Slide Image Placeholder 1"/>
+          <p:cNvPr id="2" name="Slide Image Placeholder 1">
+            <a:extLst>
+              <a:ext uri="{FF2B5EF4-FFF2-40B4-BE49-F238E27FC236}">
+                <a16:creationId xmlns:a16="http://schemas.microsoft.com/office/drawing/2014/main" id="{96356935-2EB9-06D5-E1DC-9B2FDE42D22B}"/>
+              </a:ext>
+            </a:extLst>
+          </p:cNvPr>
           <p:cNvSpPr>
             <a:spLocks noGrp="1" noRot="1" noChangeAspect="1"/>
           </p:cNvSpPr>
@@ -2503,7 +2561,13 @@
       </p:sp>
       <p:sp>
         <p:nvSpPr>
-          <p:cNvPr id="3" name="Notes Placeholder 2"/>
+          <p:cNvPr id="3" name="Notes Placeholder 2">
+            <a:extLst>
+              <a:ext uri="{FF2B5EF4-FFF2-40B4-BE49-F238E27FC236}">
+                <a16:creationId xmlns:a16="http://schemas.microsoft.com/office/drawing/2014/main" id="{DA55D917-9F71-F031-0B84-FCD1387CDFC8}"/>
+              </a:ext>
+            </a:extLst>
+          </p:cNvPr>
           <p:cNvSpPr>
             <a:spLocks noGrp="1"/>
           </p:cNvSpPr>
@@ -2516,16 +2580,19 @@
           <a:bodyPr/>
           <a:lstStyle/>
           <a:p>
-            <a:r>
-              <a:rPr lang="en-US" dirty="0"/>
-              <a:t>Subclassification is a simplistic form of matching, used to give intuition here.</a:t>
-            </a:r>
-          </a:p>
-        </p:txBody>
-      </p:sp>
-      <p:sp>
-        <p:nvSpPr>
-          <p:cNvPr id="4" name="Slide Number Placeholder 3"/>
+            <a:endParaRPr lang="en-US" dirty="0"/>
+          </a:p>
+        </p:txBody>
+      </p:sp>
+      <p:sp>
+        <p:nvSpPr>
+          <p:cNvPr id="4" name="Slide Number Placeholder 3">
+            <a:extLst>
+              <a:ext uri="{FF2B5EF4-FFF2-40B4-BE49-F238E27FC236}">
+                <a16:creationId xmlns:a16="http://schemas.microsoft.com/office/drawing/2014/main" id="{458702B3-89B6-3CE5-4BEA-AD02AAD57F48}"/>
+              </a:ext>
+            </a:extLst>
+          </p:cNvPr>
           <p:cNvSpPr>
             <a:spLocks noGrp="1"/>
           </p:cNvSpPr>
@@ -2549,7 +2616,7 @@
     </p:spTree>
     <p:extLst>
       <p:ext uri="{BB962C8B-B14F-4D97-AF65-F5344CB8AC3E}">
-        <p14:creationId xmlns:p14="http://schemas.microsoft.com/office/powerpoint/2010/main" val="3042673188"/>
+        <p14:creationId xmlns:p14="http://schemas.microsoft.com/office/powerpoint/2010/main" val="3375290647"/>
       </p:ext>
     </p:extLst>
   </p:cSld>
@@ -2604,8 +2671,8 @@
           <a:lstStyle/>
           <a:p>
             <a:r>
-              <a:rPr lang="en-US" dirty="0"/>
-              <a:t>Weights are determined by the frequency of data – how likely is it that you see someone in a certain quantile of BMI</a:t>
+              <a:rPr lang="en-CA" dirty="0"/>
+              <a:t>You want to go through this section quickly – just to build intuition. </a:t>
             </a:r>
           </a:p>
         </p:txBody>
@@ -2636,7 +2703,7 @@
     </p:spTree>
     <p:extLst>
       <p:ext uri="{BB962C8B-B14F-4D97-AF65-F5344CB8AC3E}">
-        <p14:creationId xmlns:p14="http://schemas.microsoft.com/office/powerpoint/2010/main" val="3045847423"/>
+        <p14:creationId xmlns:p14="http://schemas.microsoft.com/office/powerpoint/2010/main" val="1701568236"/>
       </p:ext>
     </p:extLst>
   </p:cSld>
@@ -2692,35 +2759,7 @@
           <a:p>
             <a:r>
               <a:rPr lang="en-US" dirty="0"/>
-              <a:t>**update this to use MatchIt** Packages: good, but make sure you know what is happening under the hood! If you can code up your own estimator, do. Otherwise, cite your packages (show the citations in RMD, don’t go through code)</a:t>
-            </a:r>
-          </a:p>
-          <a:p>
-            <a:pPr marL="171450" indent="-171450">
-              <a:buFont typeface="Arial" panose="020B0604020202020204" pitchFamily="34" charset="0"/>
-              <a:buChar char="•"/>
-            </a:pPr>
-            <a:r>
-              <a:rPr lang="en-US" dirty="0"/>
-              <a:t>MatchIt method</a:t>
-            </a:r>
-          </a:p>
-          <a:p>
-            <a:pPr marL="171450" indent="-171450">
-              <a:buFont typeface="Arial" panose="020B0604020202020204" pitchFamily="34" charset="0"/>
-              <a:buChar char="•"/>
-            </a:pPr>
-            <a:r>
-              <a:rPr lang="en-US" dirty="0"/>
-              <a:t>Mention that Stata really is </a:t>
-            </a:r>
-            <a:r>
-              <a:rPr lang="en-US"/>
-              <a:t>better than R when </a:t>
-            </a:r>
-            <a:r>
-              <a:rPr lang="en-US" dirty="0"/>
-              <a:t>it comes to matching. </a:t>
+              <a:t>Subclassification is a simplistic form of matching, used to give intuition here.</a:t>
             </a:r>
           </a:p>
         </p:txBody>
@@ -2751,7 +2790,7 @@
     </p:spTree>
     <p:extLst>
       <p:ext uri="{BB962C8B-B14F-4D97-AF65-F5344CB8AC3E}">
-        <p14:creationId xmlns:p14="http://schemas.microsoft.com/office/powerpoint/2010/main" val="3276036988"/>
+        <p14:creationId xmlns:p14="http://schemas.microsoft.com/office/powerpoint/2010/main" val="3042673188"/>
       </p:ext>
     </p:extLst>
   </p:cSld>
@@ -2807,7 +2846,7 @@
           <a:p>
             <a:r>
               <a:rPr lang="en-US" dirty="0"/>
-              <a:t>What might some examples be here? What are some problems with subclassification? How many classifications? </a:t>
+              <a:t>Weights are determined by the frequency of data – how likely is it that you see someone in a certain quantile of BMI</a:t>
             </a:r>
           </a:p>
         </p:txBody>
@@ -2838,7 +2877,7 @@
     </p:spTree>
     <p:extLst>
       <p:ext uri="{BB962C8B-B14F-4D97-AF65-F5344CB8AC3E}">
-        <p14:creationId xmlns:p14="http://schemas.microsoft.com/office/powerpoint/2010/main" val="3306235369"/>
+        <p14:creationId xmlns:p14="http://schemas.microsoft.com/office/powerpoint/2010/main" val="3045847423"/>
       </p:ext>
     </p:extLst>
   </p:cSld>
@@ -2894,7 +2933,35 @@
           <a:p>
             <a:r>
               <a:rPr lang="en-US" dirty="0"/>
-              <a:t>We typically assume away sparsity problems (or use a different strategy if we have this problem – then matching doesn’t get rid of the selection (they’re still apples and oranges after matching))</a:t>
+              <a:t>**update this to use MatchIt** Packages: good, but make sure you know what is happening under the hood! If you can code up your own estimator, do. Otherwise, cite your packages (show the citations in RMD, don’t go through code)</a:t>
+            </a:r>
+          </a:p>
+          <a:p>
+            <a:pPr marL="171450" indent="-171450">
+              <a:buFont typeface="Arial" panose="020B0604020202020204" pitchFamily="34" charset="0"/>
+              <a:buChar char="•"/>
+            </a:pPr>
+            <a:r>
+              <a:rPr lang="en-US" dirty="0"/>
+              <a:t>MatchIt method</a:t>
+            </a:r>
+          </a:p>
+          <a:p>
+            <a:pPr marL="171450" indent="-171450">
+              <a:buFont typeface="Arial" panose="020B0604020202020204" pitchFamily="34" charset="0"/>
+              <a:buChar char="•"/>
+            </a:pPr>
+            <a:r>
+              <a:rPr lang="en-US" dirty="0"/>
+              <a:t>Mention that Stata really is </a:t>
+            </a:r>
+            <a:r>
+              <a:rPr lang="en-US"/>
+              <a:t>better than R when </a:t>
+            </a:r>
+            <a:r>
+              <a:rPr lang="en-US" dirty="0"/>
+              <a:t>it comes to matching. </a:t>
             </a:r>
           </a:p>
         </p:txBody>
@@ -2925,7 +2992,7 @@
     </p:spTree>
     <p:extLst>
       <p:ext uri="{BB962C8B-B14F-4D97-AF65-F5344CB8AC3E}">
-        <p14:creationId xmlns:p14="http://schemas.microsoft.com/office/powerpoint/2010/main" val="2789666599"/>
+        <p14:creationId xmlns:p14="http://schemas.microsoft.com/office/powerpoint/2010/main" val="3276036988"/>
       </p:ext>
     </p:extLst>
   </p:cSld>
@@ -3067,8 +3134,8 @@
           <a:lstStyle/>
           <a:p>
             <a:r>
-              <a:rPr lang="en-CA" dirty="0"/>
-              <a:t>Exact matching should be covered quickly, want to get to approximate matches</a:t>
+              <a:rPr lang="en-US" dirty="0"/>
+              <a:t>What might some examples be here? What are some problems with subclassification? How many classifications? </a:t>
             </a:r>
           </a:p>
         </p:txBody>
@@ -3099,7 +3166,7 @@
     </p:spTree>
     <p:extLst>
       <p:ext uri="{BB962C8B-B14F-4D97-AF65-F5344CB8AC3E}">
-        <p14:creationId xmlns:p14="http://schemas.microsoft.com/office/powerpoint/2010/main" val="3508860060"/>
+        <p14:creationId xmlns:p14="http://schemas.microsoft.com/office/powerpoint/2010/main" val="3306235369"/>
       </p:ext>
     </p:extLst>
   </p:cSld>
@@ -3153,7 +3220,10 @@
           <a:bodyPr/>
           <a:lstStyle/>
           <a:p>
-            <a:endParaRPr lang="en-US" dirty="0"/>
+            <a:r>
+              <a:rPr lang="en-US" dirty="0"/>
+              <a:t>We typically assume away sparsity problems (or use a different strategy if we have this problem – then matching doesn’t get rid of the selection (they’re still apples and oranges after matching))</a:t>
+            </a:r>
           </a:p>
         </p:txBody>
       </p:sp>
@@ -3174,7 +3244,7 @@
           <a:p>
             <a:fld id="{4AF79E1B-2C51-4B9B-8EA4-26DE9E345AFF}" type="slidenum">
               <a:rPr lang="en-US" smtClean="0"/>
-              <a:t>36</a:t>
+              <a:t>35</a:t>
             </a:fld>
             <a:endParaRPr lang="en-US"/>
           </a:p>
@@ -3183,7 +3253,7 @@
     </p:spTree>
     <p:extLst>
       <p:ext uri="{BB962C8B-B14F-4D97-AF65-F5344CB8AC3E}">
-        <p14:creationId xmlns:p14="http://schemas.microsoft.com/office/powerpoint/2010/main" val="2986673398"/>
+        <p14:creationId xmlns:p14="http://schemas.microsoft.com/office/powerpoint/2010/main" val="2789666599"/>
       </p:ext>
     </p:extLst>
   </p:cSld>
@@ -3238,8 +3308,8 @@
           <a:lstStyle/>
           <a:p>
             <a:r>
-              <a:rPr lang="en-US" dirty="0"/>
-              <a:t>Skip over the code for exact matching, don’t need it? </a:t>
+              <a:rPr lang="en-CA" dirty="0"/>
+              <a:t>Exact matching should be covered quickly, want to get to approximate matches</a:t>
             </a:r>
           </a:p>
         </p:txBody>
@@ -3261,7 +3331,7 @@
           <a:p>
             <a:fld id="{4AF79E1B-2C51-4B9B-8EA4-26DE9E345AFF}" type="slidenum">
               <a:rPr lang="en-US" smtClean="0"/>
-              <a:t>37</a:t>
+              <a:t>36</a:t>
             </a:fld>
             <a:endParaRPr lang="en-US"/>
           </a:p>
@@ -3270,7 +3340,7 @@
     </p:spTree>
     <p:extLst>
       <p:ext uri="{BB962C8B-B14F-4D97-AF65-F5344CB8AC3E}">
-        <p14:creationId xmlns:p14="http://schemas.microsoft.com/office/powerpoint/2010/main" val="3289897223"/>
+        <p14:creationId xmlns:p14="http://schemas.microsoft.com/office/powerpoint/2010/main" val="3508860060"/>
       </p:ext>
     </p:extLst>
   </p:cSld>
@@ -3324,10 +3394,7 @@
           <a:bodyPr/>
           <a:lstStyle/>
           <a:p>
-            <a:r>
-              <a:rPr lang="en-US" dirty="0"/>
-              <a:t>This is the way most matching actually happens these days!</a:t>
-            </a:r>
+            <a:endParaRPr lang="en-US" dirty="0"/>
           </a:p>
         </p:txBody>
       </p:sp>
@@ -3348,7 +3415,7 @@
           <a:p>
             <a:fld id="{4AF79E1B-2C51-4B9B-8EA4-26DE9E345AFF}" type="slidenum">
               <a:rPr lang="en-US" smtClean="0"/>
-              <a:t>39</a:t>
+              <a:t>38</a:t>
             </a:fld>
             <a:endParaRPr lang="en-US"/>
           </a:p>
@@ -3357,7 +3424,7 @@
     </p:spTree>
     <p:extLst>
       <p:ext uri="{BB962C8B-B14F-4D97-AF65-F5344CB8AC3E}">
-        <p14:creationId xmlns:p14="http://schemas.microsoft.com/office/powerpoint/2010/main" val="1810726846"/>
+        <p14:creationId xmlns:p14="http://schemas.microsoft.com/office/powerpoint/2010/main" val="2986673398"/>
       </p:ext>
     </p:extLst>
   </p:cSld>
@@ -3413,15 +3480,7 @@
           <a:p>
             <a:r>
               <a:rPr lang="en-US" dirty="0"/>
-              <a:t>Subscript notes: I and j are people, n is covariate (age, sex, </a:t>
-            </a:r>
-            <a:r>
-              <a:rPr lang="en-US" dirty="0" err="1"/>
-              <a:t>bmi</a:t>
-            </a:r>
-            <a:r>
-              <a:rPr lang="en-US" dirty="0"/>
-              <a:t>, married, etc.)</a:t>
+              <a:t>Skip over the code for exact matching, don’t need it? </a:t>
             </a:r>
           </a:p>
         </p:txBody>
@@ -3443,7 +3502,7 @@
           <a:p>
             <a:fld id="{4AF79E1B-2C51-4B9B-8EA4-26DE9E345AFF}" type="slidenum">
               <a:rPr lang="en-US" smtClean="0"/>
-              <a:t>40</a:t>
+              <a:t>39</a:t>
             </a:fld>
             <a:endParaRPr lang="en-US"/>
           </a:p>
@@ -3452,7 +3511,7 @@
     </p:spTree>
     <p:extLst>
       <p:ext uri="{BB962C8B-B14F-4D97-AF65-F5344CB8AC3E}">
-        <p14:creationId xmlns:p14="http://schemas.microsoft.com/office/powerpoint/2010/main" val="2702435886"/>
+        <p14:creationId xmlns:p14="http://schemas.microsoft.com/office/powerpoint/2010/main" val="3289897223"/>
       </p:ext>
     </p:extLst>
   </p:cSld>
@@ -3508,7 +3567,7 @@
           <a:p>
             <a:r>
               <a:rPr lang="en-US" dirty="0"/>
-              <a:t>You have to choose k</a:t>
+              <a:t>This is the way most matching actually happens these days!</a:t>
             </a:r>
           </a:p>
         </p:txBody>
@@ -3539,7 +3598,7 @@
     </p:spTree>
     <p:extLst>
       <p:ext uri="{BB962C8B-B14F-4D97-AF65-F5344CB8AC3E}">
-        <p14:creationId xmlns:p14="http://schemas.microsoft.com/office/powerpoint/2010/main" val="1551035533"/>
+        <p14:creationId xmlns:p14="http://schemas.microsoft.com/office/powerpoint/2010/main" val="1810726846"/>
       </p:ext>
     </p:extLst>
   </p:cSld>
@@ -3595,7 +3654,15 @@
           <a:p>
             <a:r>
               <a:rPr lang="en-US" dirty="0"/>
-              <a:t>So what are the neighbors of this guy? </a:t>
+              <a:t>Subscript notes: I and j are people, n is covariate (age, sex, </a:t>
+            </a:r>
+            <a:r>
+              <a:rPr lang="en-US" dirty="0" err="1"/>
+              <a:t>bmi</a:t>
+            </a:r>
+            <a:r>
+              <a:rPr lang="en-US" dirty="0"/>
+              <a:t>, married, etc.)</a:t>
             </a:r>
           </a:p>
         </p:txBody>
@@ -3617,7 +3684,7 @@
           <a:p>
             <a:fld id="{4AF79E1B-2C51-4B9B-8EA4-26DE9E345AFF}" type="slidenum">
               <a:rPr lang="en-US" smtClean="0"/>
-              <a:t>43</a:t>
+              <a:t>42</a:t>
             </a:fld>
             <a:endParaRPr lang="en-US"/>
           </a:p>
@@ -3626,7 +3693,7 @@
     </p:spTree>
     <p:extLst>
       <p:ext uri="{BB962C8B-B14F-4D97-AF65-F5344CB8AC3E}">
-        <p14:creationId xmlns:p14="http://schemas.microsoft.com/office/powerpoint/2010/main" val="448131795"/>
+        <p14:creationId xmlns:p14="http://schemas.microsoft.com/office/powerpoint/2010/main" val="2702435886"/>
       </p:ext>
     </p:extLst>
   </p:cSld>
@@ -3682,7 +3749,7 @@
           <a:p>
             <a:r>
               <a:rPr lang="en-US" dirty="0"/>
-              <a:t>How do we choose k? </a:t>
+              <a:t>You have to choose k</a:t>
             </a:r>
           </a:p>
         </p:txBody>
@@ -3704,7 +3771,7 @@
           <a:p>
             <a:fld id="{4AF79E1B-2C51-4B9B-8EA4-26DE9E345AFF}" type="slidenum">
               <a:rPr lang="en-US" smtClean="0"/>
-              <a:t>44</a:t>
+              <a:t>43</a:t>
             </a:fld>
             <a:endParaRPr lang="en-US"/>
           </a:p>
@@ -3713,7 +3780,7 @@
     </p:spTree>
     <p:extLst>
       <p:ext uri="{BB962C8B-B14F-4D97-AF65-F5344CB8AC3E}">
-        <p14:creationId xmlns:p14="http://schemas.microsoft.com/office/powerpoint/2010/main" val="4092278446"/>
+        <p14:creationId xmlns:p14="http://schemas.microsoft.com/office/powerpoint/2010/main" val="1551035533"/>
       </p:ext>
     </p:extLst>
   </p:cSld>
@@ -3767,7 +3834,10 @@
           <a:bodyPr/>
           <a:lstStyle/>
           <a:p>
-            <a:endParaRPr lang="en-CA" dirty="0"/>
+            <a:r>
+              <a:rPr lang="en-US" dirty="0"/>
+              <a:t>So what are the neighbors of this guy? </a:t>
+            </a:r>
           </a:p>
         </p:txBody>
       </p:sp>
@@ -3797,7 +3867,7 @@
     </p:spTree>
     <p:extLst>
       <p:ext uri="{BB962C8B-B14F-4D97-AF65-F5344CB8AC3E}">
-        <p14:creationId xmlns:p14="http://schemas.microsoft.com/office/powerpoint/2010/main" val="25111178"/>
+        <p14:creationId xmlns:p14="http://schemas.microsoft.com/office/powerpoint/2010/main" val="448131795"/>
       </p:ext>
     </p:extLst>
   </p:cSld>
@@ -3852,8 +3922,8 @@
           <a:lstStyle/>
           <a:p>
             <a:r>
-              <a:rPr lang="en-CA" dirty="0"/>
-              <a:t>Is there a better way to solve these problems? Can we beat the curse of dimensionality? Is there an optimal bandwidth? </a:t>
+              <a:rPr lang="en-US" dirty="0"/>
+              <a:t>How do we choose k? </a:t>
             </a:r>
           </a:p>
         </p:txBody>
@@ -3884,7 +3954,7 @@
     </p:spTree>
     <p:extLst>
       <p:ext uri="{BB962C8B-B14F-4D97-AF65-F5344CB8AC3E}">
-        <p14:creationId xmlns:p14="http://schemas.microsoft.com/office/powerpoint/2010/main" val="1824373681"/>
+        <p14:creationId xmlns:p14="http://schemas.microsoft.com/office/powerpoint/2010/main" val="4092278446"/>
       </p:ext>
     </p:extLst>
   </p:cSld>
@@ -4025,42 +4095,6 @@
           <a:bodyPr/>
           <a:lstStyle/>
           <a:p>
-            <a:r>
-              <a:rPr lang="en-CA" dirty="0"/>
-              <a:t>Section 2.4 in the case study. What goes in X? </a:t>
-            </a:r>
-            <a:r>
-              <a:rPr lang="en-US" dirty="0"/>
-              <a:t>age(years), sex (male versus female), marital status (couple, single, or widowed/divorced), whether there are children living in the household, self-reported race/ethnicity (white, black, Aboriginal, Asian, or multiple/other), immigrant status (non-immigrant, immigrant less than 15years, or immigrant 15 years or more), geographical region (Atlantic, Central, or Western), urbanicity (urban versus rural), education (less than secondary, secondary degree, some post-secondary, post-secondary degree), home ownership (owner versus renter), and survey  year.</a:t>
-            </a:r>
-          </a:p>
-          <a:p>
-            <a:pPr marL="171450" indent="-171450">
-              <a:buFont typeface="Arial" panose="020B0604020202020204" pitchFamily="34" charset="0"/>
-              <a:buChar char="•"/>
-            </a:pPr>
-            <a:r>
-              <a:rPr lang="en-US" dirty="0"/>
-              <a:t>Note: should we really be controlling for home ownership? Why or why not? </a:t>
-            </a:r>
-          </a:p>
-          <a:p>
-            <a:pPr marL="171450" indent="-171450">
-              <a:buFont typeface="Arial" panose="020B0604020202020204" pitchFamily="34" charset="0"/>
-              <a:buChar char="•"/>
-            </a:pPr>
-            <a:r>
-              <a:rPr lang="en-US" dirty="0"/>
-              <a:t>What are we missing? </a:t>
-            </a:r>
-            <a:r>
-              <a:rPr lang="en-US" b="1" dirty="0"/>
-              <a:t>Income! </a:t>
-            </a:r>
-            <a:r>
-              <a:rPr lang="en-US" b="0" dirty="0"/>
-              <a:t>Why do they exclude it?</a:t>
-            </a:r>
             <a:endParaRPr lang="en-CA" dirty="0"/>
           </a:p>
         </p:txBody>
@@ -4091,7 +4125,7 @@
     </p:spTree>
     <p:extLst>
       <p:ext uri="{BB962C8B-B14F-4D97-AF65-F5344CB8AC3E}">
-        <p14:creationId xmlns:p14="http://schemas.microsoft.com/office/powerpoint/2010/main" val="621437806"/>
+        <p14:creationId xmlns:p14="http://schemas.microsoft.com/office/powerpoint/2010/main" val="25111178"/>
       </p:ext>
     </p:extLst>
   </p:cSld>
@@ -4146,10 +4180,9 @@
           <a:lstStyle/>
           <a:p>
             <a:r>
-              <a:rPr lang="en-US" dirty="0"/>
-              <a:t>Someone turn this into plain English – what are we doing here? </a:t>
-            </a:r>
-            <a:endParaRPr lang="en-CA" dirty="0"/>
+              <a:rPr lang="en-CA" dirty="0"/>
+              <a:t>Is there a better way to solve these problems? Can we beat the curse of dimensionality? Is there an optimal bandwidth? </a:t>
+            </a:r>
           </a:p>
         </p:txBody>
       </p:sp>
@@ -4179,7 +4212,7 @@
     </p:spTree>
     <p:extLst>
       <p:ext uri="{BB962C8B-B14F-4D97-AF65-F5344CB8AC3E}">
-        <p14:creationId xmlns:p14="http://schemas.microsoft.com/office/powerpoint/2010/main" val="1568255184"/>
+        <p14:creationId xmlns:p14="http://schemas.microsoft.com/office/powerpoint/2010/main" val="1824373681"/>
       </p:ext>
     </p:extLst>
   </p:cSld>
@@ -4234,8 +4267,40 @@
           <a:lstStyle/>
           <a:p>
             <a:r>
+              <a:rPr lang="en-CA" dirty="0"/>
+              <a:t>Section 2.4 in the case study. What goes in X? </a:t>
+            </a:r>
+            <a:r>
               <a:rPr lang="en-US" dirty="0"/>
-              <a:t>Someone turn this into plain English – what are we doing here? </a:t>
+              <a:t>age(years), sex (male versus female), marital status (couple, single, or widowed/divorced), whether there are children living in the household, self-reported race/ethnicity (white, black, Aboriginal, Asian, or multiple/other), immigrant status (non-immigrant, immigrant less than 15years, or immigrant 15 years or more), geographical region (Atlantic, Central, or Western), urbanicity (urban versus rural), education (less than secondary, secondary degree, some post-secondary, post-secondary degree), home ownership (owner versus renter), and survey  year.</a:t>
+            </a:r>
+          </a:p>
+          <a:p>
+            <a:pPr marL="171450" indent="-171450">
+              <a:buFont typeface="Arial" panose="020B0604020202020204" pitchFamily="34" charset="0"/>
+              <a:buChar char="•"/>
+            </a:pPr>
+            <a:r>
+              <a:rPr lang="en-US" dirty="0"/>
+              <a:t>Note: should we really be controlling for home ownership? Why or why not? </a:t>
+            </a:r>
+          </a:p>
+          <a:p>
+            <a:pPr marL="171450" indent="-171450">
+              <a:buFont typeface="Arial" panose="020B0604020202020204" pitchFamily="34" charset="0"/>
+              <a:buChar char="•"/>
+            </a:pPr>
+            <a:r>
+              <a:rPr lang="en-US" dirty="0"/>
+              <a:t>What are we missing? </a:t>
+            </a:r>
+            <a:r>
+              <a:rPr lang="en-US" b="1" dirty="0"/>
+              <a:t>Income! </a:t>
+            </a:r>
+            <a:r>
+              <a:rPr lang="en-US" b="0" dirty="0"/>
+              <a:t>Why do they exclude it?</a:t>
             </a:r>
             <a:endParaRPr lang="en-CA" dirty="0"/>
           </a:p>
@@ -4267,7 +4332,7 @@
     </p:spTree>
     <p:extLst>
       <p:ext uri="{BB962C8B-B14F-4D97-AF65-F5344CB8AC3E}">
-        <p14:creationId xmlns:p14="http://schemas.microsoft.com/office/powerpoint/2010/main" val="1029284478"/>
+        <p14:creationId xmlns:p14="http://schemas.microsoft.com/office/powerpoint/2010/main" val="621437806"/>
       </p:ext>
     </p:extLst>
   </p:cSld>
@@ -4322,17 +4387,10 @@
           <a:lstStyle/>
           <a:p>
             <a:r>
-              <a:rPr lang="en-CA" dirty="0"/>
-              <a:t>We haven’t covered logit or </a:t>
-            </a:r>
-            <a:r>
-              <a:rPr lang="en-CA" dirty="0" err="1"/>
-              <a:t>probit</a:t>
-            </a:r>
-            <a:r>
-              <a:rPr lang="en-CA" dirty="0"/>
-              <a:t> yet, will in future lectures. If I have two observations with similar propensities but only one is treated, then differences across those observations are more likely to be treatment related, right? But the true propensity score is (of course) unknown </a:t>
-            </a:r>
+              <a:rPr lang="en-US" dirty="0"/>
+              <a:t>Someone turn this into plain English – what are we doing here? </a:t>
+            </a:r>
+            <a:endParaRPr lang="en-CA" dirty="0"/>
           </a:p>
         </p:txBody>
       </p:sp>
@@ -4362,7 +4420,7 @@
     </p:spTree>
     <p:extLst>
       <p:ext uri="{BB962C8B-B14F-4D97-AF65-F5344CB8AC3E}">
-        <p14:creationId xmlns:p14="http://schemas.microsoft.com/office/powerpoint/2010/main" val="2231763867"/>
+        <p14:creationId xmlns:p14="http://schemas.microsoft.com/office/powerpoint/2010/main" val="1568255184"/>
       </p:ext>
     </p:extLst>
   </p:cSld>
@@ -4416,76 +4474,11 @@
           <a:bodyPr/>
           <a:lstStyle/>
           <a:p>
-            <a:pPr marL="0" marR="0" lvl="0" indent="0" algn="l" defTabSz="914400" rtl="0" eaLnBrk="1" fontAlgn="auto" latinLnBrk="0" hangingPunct="1">
-              <a:lnSpc>
-                <a:spcPct val="100000"/>
-              </a:lnSpc>
-              <a:spcBef>
-                <a:spcPts val="0"/>
-              </a:spcBef>
-              <a:spcAft>
-                <a:spcPts val="0"/>
-              </a:spcAft>
-              <a:buClrTx/>
-              <a:buSzTx/>
-              <a:buFontTx/>
-              <a:buNone/>
-              <a:tabLst/>
-              <a:defRPr/>
-            </a:pPr>
             <a:r>
               <a:rPr lang="en-US" dirty="0"/>
-              <a:t>In a true RCT, this is just the probability of the coin flip (e.g., 0.5) But in a non-RCT, there are lots of ways your treatment probabilities could change (e.g., remember that this is why we cluster?)</a:t>
-            </a:r>
-          </a:p>
-          <a:p>
-            <a:pPr marL="0" marR="0" lvl="0" indent="0" algn="l" defTabSz="914400" rtl="0" eaLnBrk="1" fontAlgn="auto" latinLnBrk="0" hangingPunct="1">
-              <a:lnSpc>
-                <a:spcPct val="100000"/>
-              </a:lnSpc>
-              <a:spcBef>
-                <a:spcPts val="0"/>
-              </a:spcBef>
-              <a:spcAft>
-                <a:spcPts val="0"/>
-              </a:spcAft>
-              <a:buClrTx/>
-              <a:buSzTx/>
-              <a:buFontTx/>
-              <a:buNone/>
-              <a:tabLst/>
-              <a:defRPr/>
-            </a:pPr>
-            <a:endParaRPr lang="en-US" dirty="0"/>
-          </a:p>
-          <a:p>
-            <a:pPr marL="0" marR="0" lvl="0" indent="0" algn="l" defTabSz="914400" rtl="0" eaLnBrk="1" fontAlgn="auto" latinLnBrk="0" hangingPunct="1">
-              <a:lnSpc>
-                <a:spcPct val="100000"/>
-              </a:lnSpc>
-              <a:spcBef>
-                <a:spcPts val="0"/>
-              </a:spcBef>
-              <a:spcAft>
-                <a:spcPts val="0"/>
-              </a:spcAft>
-              <a:buClrTx/>
-              <a:buSzTx/>
-              <a:buFontTx/>
-              <a:buNone/>
-              <a:tabLst/>
-              <a:defRPr/>
-            </a:pPr>
-            <a:r>
-              <a:rPr lang="en-US" dirty="0"/>
-              <a:t>What’s the logic for using this in matching? If you and I have the same probability of being treated, but only one of us is actually treated, then we’re pretty similar in the counterfactual worlds, right? </a:t>
-            </a:r>
-          </a:p>
-          <a:p>
-            <a:r>
-              <a:rPr lang="en-US" dirty="0"/>
-              <a:t> Plus this is pretty easy to implement!</a:t>
-            </a:r>
+              <a:t>Someone turn this into plain English – what are we doing here? </a:t>
+            </a:r>
+            <a:endParaRPr lang="en-CA" dirty="0"/>
           </a:p>
         </p:txBody>
       </p:sp>
@@ -4515,7 +4508,7 @@
     </p:spTree>
     <p:extLst>
       <p:ext uri="{BB962C8B-B14F-4D97-AF65-F5344CB8AC3E}">
-        <p14:creationId xmlns:p14="http://schemas.microsoft.com/office/powerpoint/2010/main" val="204094027"/>
+        <p14:creationId xmlns:p14="http://schemas.microsoft.com/office/powerpoint/2010/main" val="1029284478"/>
       </p:ext>
     </p:extLst>
   </p:cSld>
@@ -4571,7 +4564,15 @@
           <a:p>
             <a:r>
               <a:rPr lang="en-CA" dirty="0"/>
-              <a:t>Matching (and regression, and all design-based approaches) are approximating an RCT – what kind of RCT are you comfortable with? </a:t>
+              <a:t>We haven’t covered logit or </a:t>
+            </a:r>
+            <a:r>
+              <a:rPr lang="en-CA" dirty="0" err="1"/>
+              <a:t>probit</a:t>
+            </a:r>
+            <a:r>
+              <a:rPr lang="en-CA" dirty="0"/>
+              <a:t> yet, will in future lectures. If I have two observations with similar propensities but only one is treated, then differences across those observations are more likely to be treatment related, right? But the true propensity score is (of course) unknown </a:t>
             </a:r>
           </a:p>
         </p:txBody>
@@ -4602,7 +4603,7 @@
     </p:spTree>
     <p:extLst>
       <p:ext uri="{BB962C8B-B14F-4D97-AF65-F5344CB8AC3E}">
-        <p14:creationId xmlns:p14="http://schemas.microsoft.com/office/powerpoint/2010/main" val="2455635008"/>
+        <p14:creationId xmlns:p14="http://schemas.microsoft.com/office/powerpoint/2010/main" val="2231763867"/>
       </p:ext>
     </p:extLst>
   </p:cSld>
@@ -4656,19 +4657,75 @@
           <a:bodyPr/>
           <a:lstStyle/>
           <a:p>
+            <a:pPr marL="0" marR="0" lvl="0" indent="0" algn="l" defTabSz="914400" rtl="0" eaLnBrk="1" fontAlgn="auto" latinLnBrk="0" hangingPunct="1">
+              <a:lnSpc>
+                <a:spcPct val="100000"/>
+              </a:lnSpc>
+              <a:spcBef>
+                <a:spcPts val="0"/>
+              </a:spcBef>
+              <a:spcAft>
+                <a:spcPts val="0"/>
+              </a:spcAft>
+              <a:buClrTx/>
+              <a:buSzTx/>
+              <a:buFontTx/>
+              <a:buNone/>
+              <a:tabLst/>
+              <a:defRPr/>
+            </a:pPr>
             <a:r>
               <a:rPr lang="en-US" dirty="0"/>
-              <a:t>Balance tables! Can look at the full one here: https://www.sciencedirect.com/science/article/pii/S0277953619301200?casa_token=3sZ0ALXMOo8AAAAA:uB1kjnETLu-dhuvYmrUzTkvSr1DGtpUXDn1dtMb44fKQKt97v7Exe4HX0kEjveHIk4dsl2uftsw#appsec1. </a:t>
-            </a:r>
-          </a:p>
-          <a:p>
+              <a:t>In a true RCT, this is just the probability of the coin flip (e.g., 0.5) But in a non-RCT, there are lots of ways your treatment probabilities could change (e.g., remember that this is why we cluster?)</a:t>
+            </a:r>
+          </a:p>
+          <a:p>
+            <a:pPr marL="0" marR="0" lvl="0" indent="0" algn="l" defTabSz="914400" rtl="0" eaLnBrk="1" fontAlgn="auto" latinLnBrk="0" hangingPunct="1">
+              <a:lnSpc>
+                <a:spcPct val="100000"/>
+              </a:lnSpc>
+              <a:spcBef>
+                <a:spcPts val="0"/>
+              </a:spcBef>
+              <a:spcAft>
+                <a:spcPts val="0"/>
+              </a:spcAft>
+              <a:buClrTx/>
+              <a:buSzTx/>
+              <a:buFontTx/>
+              <a:buNone/>
+              <a:tabLst/>
+              <a:defRPr/>
+            </a:pPr>
+            <a:endParaRPr lang="en-US" dirty="0"/>
+          </a:p>
+          <a:p>
+            <a:pPr marL="0" marR="0" lvl="0" indent="0" algn="l" defTabSz="914400" rtl="0" eaLnBrk="1" fontAlgn="auto" latinLnBrk="0" hangingPunct="1">
+              <a:lnSpc>
+                <a:spcPct val="100000"/>
+              </a:lnSpc>
+              <a:spcBef>
+                <a:spcPts val="0"/>
+              </a:spcBef>
+              <a:spcAft>
+                <a:spcPts val="0"/>
+              </a:spcAft>
+              <a:buClrTx/>
+              <a:buSzTx/>
+              <a:buFontTx/>
+              <a:buNone/>
+              <a:tabLst/>
+              <a:defRPr/>
+            </a:pPr>
             <a:r>
               <a:rPr lang="en-US" dirty="0"/>
-              <a:t>How do we interpret these? </a:t>
-            </a:r>
-            <a:r>
-              <a:rPr lang="en-US" b="1" u="sng" dirty="0"/>
-              <a:t>How do we decide if the match is good enough? </a:t>
+              <a:t>What’s the logic for using this in matching? If you and I have the same probability of being treated, but only one of us is actually treated, then we’re pretty similar in the counterfactual worlds, right? </a:t>
+            </a:r>
+          </a:p>
+          <a:p>
+            <a:r>
+              <a:rPr lang="en-US" dirty="0"/>
+              <a:t> Plus this is pretty easy to implement!</a:t>
             </a:r>
           </a:p>
         </p:txBody>
@@ -4699,7 +4756,7 @@
     </p:spTree>
     <p:extLst>
       <p:ext uri="{BB962C8B-B14F-4D97-AF65-F5344CB8AC3E}">
-        <p14:creationId xmlns:p14="http://schemas.microsoft.com/office/powerpoint/2010/main" val="418948226"/>
+        <p14:creationId xmlns:p14="http://schemas.microsoft.com/office/powerpoint/2010/main" val="204094027"/>
       </p:ext>
     </p:extLst>
   </p:cSld>
@@ -4755,7 +4812,7 @@
           <a:p>
             <a:r>
               <a:rPr lang="en-CA" dirty="0"/>
-              <a:t>So then what? </a:t>
+              <a:t>Matching (and regression, and all design-based approaches) are approximating an RCT – what kind of RCT are you comfortable with? </a:t>
             </a:r>
           </a:p>
         </p:txBody>
@@ -4786,7 +4843,7 @@
     </p:spTree>
     <p:extLst>
       <p:ext uri="{BB962C8B-B14F-4D97-AF65-F5344CB8AC3E}">
-        <p14:creationId xmlns:p14="http://schemas.microsoft.com/office/powerpoint/2010/main" val="3116795009"/>
+        <p14:creationId xmlns:p14="http://schemas.microsoft.com/office/powerpoint/2010/main" val="2455635008"/>
       </p:ext>
     </p:extLst>
   </p:cSld>
@@ -4841,8 +4898,18 @@
           <a:lstStyle/>
           <a:p>
             <a:r>
-              <a:rPr lang="en-CA" dirty="0"/>
-              <a:t>So if you are analyzing data from an RCT, you really just have to look at differences in means (maybe adjusting the SE s or adjusting for multiple hypothesis testing). You don’t even need controls! (Why? No confounding) Our goal today: can we simulate an RCT in the real world? (You can add adjustment if you need to). </a:t>
+              <a:rPr lang="en-US" dirty="0"/>
+              <a:t>Balance tables! Can look at the full one here: https://www.sciencedirect.com/science/article/pii/S0277953619301200?casa_token=3sZ0ALXMOo8AAAAA:uB1kjnETLu-dhuvYmrUzTkvSr1DGtpUXDn1dtMb44fKQKt97v7Exe4HX0kEjveHIk4dsl2uftsw#appsec1. </a:t>
+            </a:r>
+          </a:p>
+          <a:p>
+            <a:r>
+              <a:rPr lang="en-US" dirty="0"/>
+              <a:t>How do we interpret these? </a:t>
+            </a:r>
+            <a:r>
+              <a:rPr lang="en-US" b="1" u="sng" dirty="0"/>
+              <a:t>How do we decide if the match is good enough? </a:t>
             </a:r>
           </a:p>
         </p:txBody>
@@ -4873,7 +4940,7 @@
     </p:spTree>
     <p:extLst>
       <p:ext uri="{BB962C8B-B14F-4D97-AF65-F5344CB8AC3E}">
-        <p14:creationId xmlns:p14="http://schemas.microsoft.com/office/powerpoint/2010/main" val="4067255298"/>
+        <p14:creationId xmlns:p14="http://schemas.microsoft.com/office/powerpoint/2010/main" val="418948226"/>
       </p:ext>
     </p:extLst>
   </p:cSld>
@@ -4928,8 +4995,8 @@
           <a:lstStyle/>
           <a:p>
             <a:r>
-              <a:rPr lang="en-US" dirty="0"/>
-              <a:t>Here, what is the regression? What is the main coefficient of interest? </a:t>
+              <a:rPr lang="en-CA" dirty="0"/>
+              <a:t>So then what? </a:t>
             </a:r>
           </a:p>
         </p:txBody>
@@ -4960,7 +5027,7 @@
     </p:spTree>
     <p:extLst>
       <p:ext uri="{BB962C8B-B14F-4D97-AF65-F5344CB8AC3E}">
-        <p14:creationId xmlns:p14="http://schemas.microsoft.com/office/powerpoint/2010/main" val="3657453220"/>
+        <p14:creationId xmlns:p14="http://schemas.microsoft.com/office/powerpoint/2010/main" val="3116795009"/>
       </p:ext>
     </p:extLst>
   </p:cSld>
@@ -5108,7 +5175,7 @@
           <a:p>
             <a:r>
               <a:rPr lang="en-CA" dirty="0"/>
-              <a:t>How do we interpret these results? </a:t>
+              <a:t>So if you are analyzing data from an RCT, you really just have to look at differences in means (maybe adjusting the SE s or adjusting for multiple hypothesis testing). You don’t even need controls! (Why? No confounding) Our goal today: can we simulate an RCT in the real world? (You can add adjustment if you need to). </a:t>
             </a:r>
           </a:p>
         </p:txBody>
@@ -5139,7 +5206,7 @@
     </p:spTree>
     <p:extLst>
       <p:ext uri="{BB962C8B-B14F-4D97-AF65-F5344CB8AC3E}">
-        <p14:creationId xmlns:p14="http://schemas.microsoft.com/office/powerpoint/2010/main" val="986814685"/>
+        <p14:creationId xmlns:p14="http://schemas.microsoft.com/office/powerpoint/2010/main" val="4067255298"/>
       </p:ext>
     </p:extLst>
   </p:cSld>
@@ -5193,10 +5260,10 @@
           <a:bodyPr/>
           <a:lstStyle/>
           <a:p>
-            <a:pPr marL="228600" indent="-228600">
-              <a:buAutoNum type="arabicPeriod"/>
-            </a:pPr>
-            <a:endParaRPr lang="en-CA" dirty="0"/>
+            <a:r>
+              <a:rPr lang="en-US" dirty="0"/>
+              <a:t>Here, what is the regression? What is the main coefficient of interest? </a:t>
+            </a:r>
           </a:p>
         </p:txBody>
       </p:sp>
@@ -5226,7 +5293,7 @@
     </p:spTree>
     <p:extLst>
       <p:ext uri="{BB962C8B-B14F-4D97-AF65-F5344CB8AC3E}">
-        <p14:creationId xmlns:p14="http://schemas.microsoft.com/office/powerpoint/2010/main" val="1822991965"/>
+        <p14:creationId xmlns:p14="http://schemas.microsoft.com/office/powerpoint/2010/main" val="3657453220"/>
       </p:ext>
     </p:extLst>
   </p:cSld>
@@ -5280,80 +5347,10 @@
           <a:bodyPr/>
           <a:lstStyle/>
           <a:p>
-            <a:pPr marL="228600" indent="-228600">
-              <a:buAutoNum type="arabicPeriod"/>
-            </a:pPr>
-            <a:r>
-              <a:rPr lang="en-US" dirty="0"/>
-              <a:t>The problem: income is the main way that you get the benefits, but its also the way benefits are meant to affect health. They (</a:t>
-            </a:r>
-            <a:r>
-              <a:rPr lang="en-US" dirty="0" err="1"/>
-              <a:t>i</a:t>
-            </a:r>
-            <a:r>
-              <a:rPr lang="en-US" dirty="0"/>
-              <a:t>) adjusted the measure of income and (ii) ran a second model where recipients and non-recipients were also matched on household income, in addition to the original set of covariates, to ascertain whether our results were sensitive to this analytic decision. However, to address the aforementioned challenge, we calculated a revised measure of household income in which the average annual EI benefit amount($8246) was subtracted from the reported income values of individuals in the recipient group. This mitigated some of the concern around including income in the model, since </a:t>
-            </a:r>
-            <a:r>
-              <a:rPr lang="en-US" b="1" dirty="0"/>
-              <a:t>after accounting for benefit receipt, income should be independent of treatment assignment. </a:t>
-            </a:r>
-            <a:r>
-              <a:rPr lang="en-US" dirty="0"/>
-              <a:t>To calculate the annual average benefit amount, we multiplied the average duration of EI benefits by the average weekly benefit level over the study period– 21.7 weeks and $380, respectively (Statistics Canada, 2015). We included a second model in which recipients and non-recipients were matched on this revised household income measure.</a:t>
-            </a:r>
-          </a:p>
-          <a:p>
-            <a:pPr marL="228600" indent="-228600">
-              <a:buAutoNum type="arabicPeriod"/>
-            </a:pPr>
-            <a:r>
-              <a:rPr lang="en-US" dirty="0"/>
-              <a:t>To address </a:t>
-            </a:r>
-            <a:r>
-              <a:rPr lang="en-US" dirty="0" err="1"/>
-              <a:t>thischallenge</a:t>
-            </a:r>
-            <a:r>
-              <a:rPr lang="en-US" dirty="0"/>
-              <a:t>, we treated chronic conditions as a proxy for labor </a:t>
-            </a:r>
-            <a:r>
-              <a:rPr lang="en-US" dirty="0" err="1"/>
-              <a:t>marketdisadvantage</a:t>
-            </a:r>
-            <a:r>
-              <a:rPr lang="en-US" dirty="0"/>
-              <a:t> – albeit a limited one – and ran a supplementary set </a:t>
-            </a:r>
-            <a:r>
-              <a:rPr lang="en-US" dirty="0" err="1"/>
-              <a:t>ofmodels</a:t>
-            </a:r>
-            <a:r>
-              <a:rPr lang="en-US" dirty="0"/>
-              <a:t> in which we restricted our analysis to the subset of </a:t>
-            </a:r>
-            <a:r>
-              <a:rPr lang="en-US" dirty="0" err="1"/>
-              <a:t>individualswho</a:t>
-            </a:r>
-            <a:r>
-              <a:rPr lang="en-US" dirty="0"/>
-              <a:t> reported having no chronic conditions.</a:t>
-            </a:r>
-          </a:p>
-          <a:p>
-            <a:pPr marL="228600" indent="-228600">
-              <a:buAutoNum type="arabicPeriod"/>
-            </a:pPr>
-            <a:r>
-              <a:rPr lang="en-US" dirty="0"/>
-              <a:t>Strongest in bottom five deciles (lol) – this is convincing though. </a:t>
-            </a:r>
-            <a:endParaRPr lang="en-CA" dirty="0"/>
+            <a:r>
+              <a:rPr lang="en-CA" dirty="0"/>
+              <a:t>How do we interpret these results? </a:t>
+            </a:r>
           </a:p>
         </p:txBody>
       </p:sp>
@@ -5383,7 +5380,7 @@
     </p:spTree>
     <p:extLst>
       <p:ext uri="{BB962C8B-B14F-4D97-AF65-F5344CB8AC3E}">
-        <p14:creationId xmlns:p14="http://schemas.microsoft.com/office/powerpoint/2010/main" val="1688812553"/>
+        <p14:creationId xmlns:p14="http://schemas.microsoft.com/office/powerpoint/2010/main" val="986814685"/>
       </p:ext>
     </p:extLst>
   </p:cSld>
@@ -5437,10 +5434,10 @@
           <a:bodyPr/>
           <a:lstStyle/>
           <a:p>
-            <a:r>
-              <a:rPr lang="en-US" dirty="0"/>
-              <a:t>I don’t think they did a super good job dealing with this. Their limitations are all “fake” limitations. </a:t>
-            </a:r>
+            <a:pPr marL="228600" indent="-228600">
+              <a:buAutoNum type="arabicPeriod"/>
+            </a:pPr>
+            <a:endParaRPr lang="en-CA" dirty="0"/>
           </a:p>
         </p:txBody>
       </p:sp>
@@ -5470,7 +5467,7 @@
     </p:spTree>
     <p:extLst>
       <p:ext uri="{BB962C8B-B14F-4D97-AF65-F5344CB8AC3E}">
-        <p14:creationId xmlns:p14="http://schemas.microsoft.com/office/powerpoint/2010/main" val="345144341"/>
+        <p14:creationId xmlns:p14="http://schemas.microsoft.com/office/powerpoint/2010/main" val="1822991965"/>
       </p:ext>
     </p:extLst>
   </p:cSld>
@@ -5524,10 +5521,80 @@
           <a:bodyPr/>
           <a:lstStyle/>
           <a:p>
-            <a:r>
-              <a:rPr lang="en-CA" dirty="0"/>
-              <a:t>Exact matching should be covered quickly, want to get to approximate matches</a:t>
-            </a:r>
+            <a:pPr marL="228600" indent="-228600">
+              <a:buAutoNum type="arabicPeriod"/>
+            </a:pPr>
+            <a:r>
+              <a:rPr lang="en-US" dirty="0"/>
+              <a:t>The problem: income is the main way that you get the benefits, but its also the way benefits are meant to affect health. They (</a:t>
+            </a:r>
+            <a:r>
+              <a:rPr lang="en-US" dirty="0" err="1"/>
+              <a:t>i</a:t>
+            </a:r>
+            <a:r>
+              <a:rPr lang="en-US" dirty="0"/>
+              <a:t>) adjusted the measure of income and (ii) ran a second model where recipients and non-recipients were also matched on household income, in addition to the original set of covariates, to ascertain whether our results were sensitive to this analytic decision. However, to address the aforementioned challenge, we calculated a revised measure of household income in which the average annual EI benefit amount($8246) was subtracted from the reported income values of individuals in the recipient group. This mitigated some of the concern around including income in the model, since </a:t>
+            </a:r>
+            <a:r>
+              <a:rPr lang="en-US" b="1" dirty="0"/>
+              <a:t>after accounting for benefit receipt, income should be independent of treatment assignment. </a:t>
+            </a:r>
+            <a:r>
+              <a:rPr lang="en-US" dirty="0"/>
+              <a:t>To calculate the annual average benefit amount, we multiplied the average duration of EI benefits by the average weekly benefit level over the study period– 21.7 weeks and $380, respectively (Statistics Canada, 2015). We included a second model in which recipients and non-recipients were matched on this revised household income measure.</a:t>
+            </a:r>
+          </a:p>
+          <a:p>
+            <a:pPr marL="228600" indent="-228600">
+              <a:buAutoNum type="arabicPeriod"/>
+            </a:pPr>
+            <a:r>
+              <a:rPr lang="en-US" dirty="0"/>
+              <a:t>To address </a:t>
+            </a:r>
+            <a:r>
+              <a:rPr lang="en-US" dirty="0" err="1"/>
+              <a:t>thischallenge</a:t>
+            </a:r>
+            <a:r>
+              <a:rPr lang="en-US" dirty="0"/>
+              <a:t>, we treated chronic conditions as a proxy for labor </a:t>
+            </a:r>
+            <a:r>
+              <a:rPr lang="en-US" dirty="0" err="1"/>
+              <a:t>marketdisadvantage</a:t>
+            </a:r>
+            <a:r>
+              <a:rPr lang="en-US" dirty="0"/>
+              <a:t> – albeit a limited one – and ran a supplementary set </a:t>
+            </a:r>
+            <a:r>
+              <a:rPr lang="en-US" dirty="0" err="1"/>
+              <a:t>ofmodels</a:t>
+            </a:r>
+            <a:r>
+              <a:rPr lang="en-US" dirty="0"/>
+              <a:t> in which we restricted our analysis to the subset of </a:t>
+            </a:r>
+            <a:r>
+              <a:rPr lang="en-US" dirty="0" err="1"/>
+              <a:t>individualswho</a:t>
+            </a:r>
+            <a:r>
+              <a:rPr lang="en-US" dirty="0"/>
+              <a:t> reported having no chronic conditions.</a:t>
+            </a:r>
+          </a:p>
+          <a:p>
+            <a:pPr marL="228600" indent="-228600">
+              <a:buAutoNum type="arabicPeriod"/>
+            </a:pPr>
+            <a:r>
+              <a:rPr lang="en-US" dirty="0"/>
+              <a:t>Strongest in bottom five deciles (lol) – this is convincing though. </a:t>
+            </a:r>
+            <a:endParaRPr lang="en-CA" dirty="0"/>
           </a:p>
         </p:txBody>
       </p:sp>
@@ -5557,7 +5624,7 @@
     </p:spTree>
     <p:extLst>
       <p:ext uri="{BB962C8B-B14F-4D97-AF65-F5344CB8AC3E}">
-        <p14:creationId xmlns:p14="http://schemas.microsoft.com/office/powerpoint/2010/main" val="2052596549"/>
+        <p14:creationId xmlns:p14="http://schemas.microsoft.com/office/powerpoint/2010/main" val="1688812553"/>
       </p:ext>
     </p:extLst>
   </p:cSld>
@@ -5612,14 +5679,8 @@
           <a:lstStyle/>
           <a:p>
             <a:r>
-              <a:rPr lang="en-CA" dirty="0"/>
-              <a:t>If you can’t match on, say, ability, your matching might be making things worse. </a:t>
-            </a:r>
-          </a:p>
-          <a:p>
-            <a:r>
-              <a:rPr lang="en-CA" dirty="0"/>
-              <a:t>PSM had its heyday, now we have problems with it.</a:t>
+              <a:rPr lang="en-US" dirty="0"/>
+              <a:t>I don’t think they did a super good job dealing with this. Their limitations are all “fake” limitations. </a:t>
             </a:r>
           </a:p>
         </p:txBody>
@@ -5641,7 +5702,7 @@
           <a:p>
             <a:fld id="{4AF79E1B-2C51-4B9B-8EA4-26DE9E345AFF}" type="slidenum">
               <a:rPr lang="en-US" smtClean="0"/>
-              <a:t>65</a:t>
+              <a:t>62</a:t>
             </a:fld>
             <a:endParaRPr lang="en-US"/>
           </a:p>
@@ -5650,7 +5711,7 @@
     </p:spTree>
     <p:extLst>
       <p:ext uri="{BB962C8B-B14F-4D97-AF65-F5344CB8AC3E}">
-        <p14:creationId xmlns:p14="http://schemas.microsoft.com/office/powerpoint/2010/main" val="3365413990"/>
+        <p14:creationId xmlns:p14="http://schemas.microsoft.com/office/powerpoint/2010/main" val="345144341"/>
       </p:ext>
     </p:extLst>
   </p:cSld>
@@ -5704,30 +5765,10 @@
           <a:bodyPr/>
           <a:lstStyle/>
           <a:p>
-            <a:pPr marL="0" marR="0" lvl="0" indent="0" algn="l" defTabSz="914400" rtl="0" eaLnBrk="1" fontAlgn="auto" latinLnBrk="0" hangingPunct="1">
-              <a:lnSpc>
-                <a:spcPct val="100000"/>
-              </a:lnSpc>
-              <a:spcBef>
-                <a:spcPts val="0"/>
-              </a:spcBef>
-              <a:spcAft>
-                <a:spcPts val="0"/>
-              </a:spcAft>
-              <a:buClrTx/>
-              <a:buSzTx/>
-              <a:buFontTx/>
-              <a:buNone/>
-              <a:tabLst/>
-              <a:defRPr/>
-            </a:pPr>
-            <a:r>
-              <a:rPr lang="en-US" dirty="0"/>
-              <a:t>Had to update the slide here. </a:t>
-            </a:r>
-          </a:p>
-          <a:p>
-            <a:endParaRPr lang="en-US" dirty="0"/>
+            <a:r>
+              <a:rPr lang="en-CA" dirty="0"/>
+              <a:t>Exact matching should be covered quickly, want to get to approximate matches</a:t>
+            </a:r>
           </a:p>
         </p:txBody>
       </p:sp>
@@ -5748,7 +5789,7 @@
           <a:p>
             <a:fld id="{4AF79E1B-2C51-4B9B-8EA4-26DE9E345AFF}" type="slidenum">
               <a:rPr lang="en-US" smtClean="0"/>
-              <a:t>66</a:t>
+              <a:t>63</a:t>
             </a:fld>
             <a:endParaRPr lang="en-US"/>
           </a:p>
@@ -5757,7 +5798,7 @@
     </p:spTree>
     <p:extLst>
       <p:ext uri="{BB962C8B-B14F-4D97-AF65-F5344CB8AC3E}">
-        <p14:creationId xmlns:p14="http://schemas.microsoft.com/office/powerpoint/2010/main" val="2926396704"/>
+        <p14:creationId xmlns:p14="http://schemas.microsoft.com/office/powerpoint/2010/main" val="2052596549"/>
       </p:ext>
     </p:extLst>
   </p:cSld>
@@ -5811,7 +5852,16 @@
           <a:bodyPr/>
           <a:lstStyle/>
           <a:p>
-            <a:endParaRPr lang="en-US" dirty="0"/>
+            <a:r>
+              <a:rPr lang="en-CA" dirty="0"/>
+              <a:t>If you can’t match on, say, ability, your matching might be making things worse. </a:t>
+            </a:r>
+          </a:p>
+          <a:p>
+            <a:r>
+              <a:rPr lang="en-CA" dirty="0"/>
+              <a:t>PSM had its heyday, now we have problems with it.</a:t>
+            </a:r>
           </a:p>
         </p:txBody>
       </p:sp>
@@ -5841,7 +5891,7 @@
     </p:spTree>
     <p:extLst>
       <p:ext uri="{BB962C8B-B14F-4D97-AF65-F5344CB8AC3E}">
-        <p14:creationId xmlns:p14="http://schemas.microsoft.com/office/powerpoint/2010/main" val="2014537183"/>
+        <p14:creationId xmlns:p14="http://schemas.microsoft.com/office/powerpoint/2010/main" val="3365413990"/>
       </p:ext>
     </p:extLst>
   </p:cSld>
@@ -5895,10 +5945,30 @@
           <a:bodyPr/>
           <a:lstStyle/>
           <a:p>
-            <a:r>
-              <a:rPr lang="en-CA" dirty="0"/>
-              <a:t>Results of a MC simulation with different treatment effects (no omitted covariates) – note the performance of regression and IPW against PSM</a:t>
-            </a:r>
+            <a:pPr marL="0" marR="0" lvl="0" indent="0" algn="l" defTabSz="914400" rtl="0" eaLnBrk="1" fontAlgn="auto" latinLnBrk="0" hangingPunct="1">
+              <a:lnSpc>
+                <a:spcPct val="100000"/>
+              </a:lnSpc>
+              <a:spcBef>
+                <a:spcPts val="0"/>
+              </a:spcBef>
+              <a:spcAft>
+                <a:spcPts val="0"/>
+              </a:spcAft>
+              <a:buClrTx/>
+              <a:buSzTx/>
+              <a:buFontTx/>
+              <a:buNone/>
+              <a:tabLst/>
+              <a:defRPr/>
+            </a:pPr>
+            <a:r>
+              <a:rPr lang="en-US" dirty="0"/>
+              <a:t>Had to update the slide here. </a:t>
+            </a:r>
+          </a:p>
+          <a:p>
+            <a:endParaRPr lang="en-US" dirty="0"/>
           </a:p>
         </p:txBody>
       </p:sp>
@@ -5928,7 +5998,7 @@
     </p:spTree>
     <p:extLst>
       <p:ext uri="{BB962C8B-B14F-4D97-AF65-F5344CB8AC3E}">
-        <p14:creationId xmlns:p14="http://schemas.microsoft.com/office/powerpoint/2010/main" val="3796857964"/>
+        <p14:creationId xmlns:p14="http://schemas.microsoft.com/office/powerpoint/2010/main" val="2926396704"/>
       </p:ext>
     </p:extLst>
   </p:cSld>
@@ -5982,10 +6052,7 @@
           <a:bodyPr/>
           <a:lstStyle/>
           <a:p>
-            <a:r>
-              <a:rPr lang="en-CA" dirty="0"/>
-              <a:t>If you leave out covariates, this gets worse (particularly for PSM – I trimmed out PSM with regression because there’s so much variation it’s impossible to see others)</a:t>
-            </a:r>
+            <a:endParaRPr lang="en-US" dirty="0"/>
           </a:p>
         </p:txBody>
       </p:sp>
@@ -6015,7 +6082,7 @@
     </p:spTree>
     <p:extLst>
       <p:ext uri="{BB962C8B-B14F-4D97-AF65-F5344CB8AC3E}">
-        <p14:creationId xmlns:p14="http://schemas.microsoft.com/office/powerpoint/2010/main" val="2036240908"/>
+        <p14:creationId xmlns:p14="http://schemas.microsoft.com/office/powerpoint/2010/main" val="2014537183"/>
       </p:ext>
     </p:extLst>
   </p:cSld>
@@ -6167,7 +6234,7 @@
           <a:p>
             <a:r>
               <a:rPr lang="en-CA" dirty="0"/>
-              <a:t>PSM isn’t a great matching technique, because it’s trying to randomize in the wrong way. PSM wants to fully randomize the experiment by collapsing all covariates into a single estimator – you’re better off doing a blocked experiment by matching on multiple variables without collapsing them. This takes us back to NN matching. </a:t>
+              <a:t>Results of a MC simulation with different treatment effects (no omitted covariates) – note the performance of regression and IPW against PSM</a:t>
             </a:r>
           </a:p>
         </p:txBody>
@@ -6198,7 +6265,7 @@
     </p:spTree>
     <p:extLst>
       <p:ext uri="{BB962C8B-B14F-4D97-AF65-F5344CB8AC3E}">
-        <p14:creationId xmlns:p14="http://schemas.microsoft.com/office/powerpoint/2010/main" val="396091186"/>
+        <p14:creationId xmlns:p14="http://schemas.microsoft.com/office/powerpoint/2010/main" val="3796857964"/>
       </p:ext>
     </p:extLst>
   </p:cSld>
@@ -6254,7 +6321,7 @@
           <a:p>
             <a:r>
               <a:rPr lang="en-CA" dirty="0"/>
-              <a:t>Machine learning might not be quite the right way to learn which observations are similar, depending on your philosophy . </a:t>
+              <a:t>If you leave out covariates, this gets worse (particularly for PSM – I trimmed out PSM with regression because there’s so much variation it’s impossible to see others)</a:t>
             </a:r>
           </a:p>
         </p:txBody>
@@ -6285,7 +6352,7 @@
     </p:spTree>
     <p:extLst>
       <p:ext uri="{BB962C8B-B14F-4D97-AF65-F5344CB8AC3E}">
-        <p14:creationId xmlns:p14="http://schemas.microsoft.com/office/powerpoint/2010/main" val="1430904467"/>
+        <p14:creationId xmlns:p14="http://schemas.microsoft.com/office/powerpoint/2010/main" val="2036240908"/>
       </p:ext>
     </p:extLst>
   </p:cSld>
@@ -6341,7 +6408,7 @@
           <a:p>
             <a:r>
               <a:rPr lang="en-CA" dirty="0"/>
-              <a:t>In addition, PS are everywhere, even in OLS – the only difference is that OLS adds assumptions to PS, just like PSM does. </a:t>
+              <a:t>PSM isn’t a great matching technique, because it’s trying to randomize in the wrong way. PSM wants to fully randomize the experiment by collapsing all covariates into a single estimator – you’re better off doing a blocked experiment by matching on multiple variables without collapsing them. This takes us back to NN matching. </a:t>
             </a:r>
           </a:p>
         </p:txBody>
@@ -6364,6 +6431,180 @@
             <a:fld id="{4AF79E1B-2C51-4B9B-8EA4-26DE9E345AFF}" type="slidenum">
               <a:rPr lang="en-US" smtClean="0"/>
               <a:t>72</a:t>
+            </a:fld>
+            <a:endParaRPr lang="en-US"/>
+          </a:p>
+        </p:txBody>
+      </p:sp>
+    </p:spTree>
+    <p:extLst>
+      <p:ext uri="{BB962C8B-B14F-4D97-AF65-F5344CB8AC3E}">
+        <p14:creationId xmlns:p14="http://schemas.microsoft.com/office/powerpoint/2010/main" val="396091186"/>
+      </p:ext>
+    </p:extLst>
+  </p:cSld>
+  <p:clrMapOvr>
+    <a:masterClrMapping/>
+  </p:clrMapOvr>
+</p:notes>
+</file>
+
+<file path=ppt/notesSlides/notesSlide63.xml><?xml version="1.0" encoding="utf-8"?>
+<p:notes xmlns:a="http://schemas.openxmlformats.org/drawingml/2006/main" xmlns:r="http://schemas.openxmlformats.org/officeDocument/2006/relationships" xmlns:p="http://schemas.openxmlformats.org/presentationml/2006/main">
+  <p:cSld>
+    <p:spTree>
+      <p:nvGrpSpPr>
+        <p:cNvPr id="1" name=""/>
+        <p:cNvGrpSpPr/>
+        <p:nvPr/>
+      </p:nvGrpSpPr>
+      <p:grpSpPr>
+        <a:xfrm>
+          <a:off x="0" y="0"/>
+          <a:ext cx="0" cy="0"/>
+          <a:chOff x="0" y="0"/>
+          <a:chExt cx="0" cy="0"/>
+        </a:xfrm>
+      </p:grpSpPr>
+      <p:sp>
+        <p:nvSpPr>
+          <p:cNvPr id="2" name="Slide Image Placeholder 1"/>
+          <p:cNvSpPr>
+            <a:spLocks noGrp="1" noRot="1" noChangeAspect="1"/>
+          </p:cNvSpPr>
+          <p:nvPr>
+            <p:ph type="sldImg"/>
+          </p:nvPr>
+        </p:nvSpPr>
+        <p:spPr/>
+      </p:sp>
+      <p:sp>
+        <p:nvSpPr>
+          <p:cNvPr id="3" name="Notes Placeholder 2"/>
+          <p:cNvSpPr>
+            <a:spLocks noGrp="1"/>
+          </p:cNvSpPr>
+          <p:nvPr>
+            <p:ph type="body" idx="1"/>
+          </p:nvPr>
+        </p:nvSpPr>
+        <p:spPr/>
+        <p:txBody>
+          <a:bodyPr/>
+          <a:lstStyle/>
+          <a:p>
+            <a:r>
+              <a:rPr lang="en-CA" dirty="0"/>
+              <a:t>Machine learning might not be quite the right way to learn which observations are similar, depending on your philosophy . </a:t>
+            </a:r>
+          </a:p>
+        </p:txBody>
+      </p:sp>
+      <p:sp>
+        <p:nvSpPr>
+          <p:cNvPr id="4" name="Slide Number Placeholder 3"/>
+          <p:cNvSpPr>
+            <a:spLocks noGrp="1"/>
+          </p:cNvSpPr>
+          <p:nvPr>
+            <p:ph type="sldNum" sz="quarter" idx="5"/>
+          </p:nvPr>
+        </p:nvSpPr>
+        <p:spPr/>
+        <p:txBody>
+          <a:bodyPr/>
+          <a:lstStyle/>
+          <a:p>
+            <a:fld id="{4AF79E1B-2C51-4B9B-8EA4-26DE9E345AFF}" type="slidenum">
+              <a:rPr lang="en-US" smtClean="0"/>
+              <a:t>73</a:t>
+            </a:fld>
+            <a:endParaRPr lang="en-US"/>
+          </a:p>
+        </p:txBody>
+      </p:sp>
+    </p:spTree>
+    <p:extLst>
+      <p:ext uri="{BB962C8B-B14F-4D97-AF65-F5344CB8AC3E}">
+        <p14:creationId xmlns:p14="http://schemas.microsoft.com/office/powerpoint/2010/main" val="1430904467"/>
+      </p:ext>
+    </p:extLst>
+  </p:cSld>
+  <p:clrMapOvr>
+    <a:masterClrMapping/>
+  </p:clrMapOvr>
+</p:notes>
+</file>
+
+<file path=ppt/notesSlides/notesSlide64.xml><?xml version="1.0" encoding="utf-8"?>
+<p:notes xmlns:a="http://schemas.openxmlformats.org/drawingml/2006/main" xmlns:r="http://schemas.openxmlformats.org/officeDocument/2006/relationships" xmlns:p="http://schemas.openxmlformats.org/presentationml/2006/main">
+  <p:cSld>
+    <p:spTree>
+      <p:nvGrpSpPr>
+        <p:cNvPr id="1" name=""/>
+        <p:cNvGrpSpPr/>
+        <p:nvPr/>
+      </p:nvGrpSpPr>
+      <p:grpSpPr>
+        <a:xfrm>
+          <a:off x="0" y="0"/>
+          <a:ext cx="0" cy="0"/>
+          <a:chOff x="0" y="0"/>
+          <a:chExt cx="0" cy="0"/>
+        </a:xfrm>
+      </p:grpSpPr>
+      <p:sp>
+        <p:nvSpPr>
+          <p:cNvPr id="2" name="Slide Image Placeholder 1"/>
+          <p:cNvSpPr>
+            <a:spLocks noGrp="1" noRot="1" noChangeAspect="1"/>
+          </p:cNvSpPr>
+          <p:nvPr>
+            <p:ph type="sldImg"/>
+          </p:nvPr>
+        </p:nvSpPr>
+        <p:spPr/>
+      </p:sp>
+      <p:sp>
+        <p:nvSpPr>
+          <p:cNvPr id="3" name="Notes Placeholder 2"/>
+          <p:cNvSpPr>
+            <a:spLocks noGrp="1"/>
+          </p:cNvSpPr>
+          <p:nvPr>
+            <p:ph type="body" idx="1"/>
+          </p:nvPr>
+        </p:nvSpPr>
+        <p:spPr/>
+        <p:txBody>
+          <a:bodyPr/>
+          <a:lstStyle/>
+          <a:p>
+            <a:r>
+              <a:rPr lang="en-CA" dirty="0"/>
+              <a:t>In addition, PS are everywhere, even in OLS – the only difference is that OLS adds assumptions to PS, just like PSM does. </a:t>
+            </a:r>
+          </a:p>
+        </p:txBody>
+      </p:sp>
+      <p:sp>
+        <p:nvSpPr>
+          <p:cNvPr id="4" name="Slide Number Placeholder 3"/>
+          <p:cNvSpPr>
+            <a:spLocks noGrp="1"/>
+          </p:cNvSpPr>
+          <p:nvPr>
+            <p:ph type="sldNum" sz="quarter" idx="5"/>
+          </p:nvPr>
+        </p:nvSpPr>
+        <p:spPr/>
+        <p:txBody>
+          <a:bodyPr/>
+          <a:lstStyle/>
+          <a:p>
+            <a:fld id="{4AF79E1B-2C51-4B9B-8EA4-26DE9E345AFF}" type="slidenum">
+              <a:rPr lang="en-US" smtClean="0"/>
+              <a:t>74</a:t>
             </a:fld>
             <a:endParaRPr lang="en-US"/>
           </a:p>
@@ -6382,7 +6623,7 @@
 </p:notes>
 </file>
 
-<file path=ppt/notesSlides/notesSlide63.xml><?xml version="1.0" encoding="utf-8"?>
+<file path=ppt/notesSlides/notesSlide65.xml><?xml version="1.0" encoding="utf-8"?>
 <p:notes xmlns:a="http://schemas.openxmlformats.org/drawingml/2006/main" xmlns:r="http://schemas.openxmlformats.org/officeDocument/2006/relationships" xmlns:p="http://schemas.openxmlformats.org/presentationml/2006/main">
   <p:cSld>
     <p:spTree>
@@ -6817,7 +7058,7 @@
           <a:p>
             <a:fld id="{4AF79E1B-2C51-4B9B-8EA4-26DE9E345AFF}" type="slidenum">
               <a:rPr lang="en-US" smtClean="0"/>
-              <a:t>73</a:t>
+              <a:t>75</a:t>
             </a:fld>
             <a:endParaRPr lang="en-US"/>
           </a:p>
@@ -6836,7 +7077,7 @@
 </p:notes>
 </file>
 
-<file path=ppt/notesSlides/notesSlide64.xml><?xml version="1.0" encoding="utf-8"?>
+<file path=ppt/notesSlides/notesSlide66.xml><?xml version="1.0" encoding="utf-8"?>
 <p:notes xmlns:a="http://schemas.openxmlformats.org/drawingml/2006/main" xmlns:r="http://schemas.openxmlformats.org/officeDocument/2006/relationships" xmlns:p="http://schemas.openxmlformats.org/presentationml/2006/main">
   <p:cSld>
     <p:spTree>
@@ -6904,7 +7145,7 @@
           <a:p>
             <a:fld id="{4AF79E1B-2C51-4B9B-8EA4-26DE9E345AFF}" type="slidenum">
               <a:rPr lang="en-US" smtClean="0"/>
-              <a:t>74</a:t>
+              <a:t>76</a:t>
             </a:fld>
             <a:endParaRPr lang="en-US"/>
           </a:p>
@@ -6923,7 +7164,7 @@
 </p:notes>
 </file>
 
-<file path=ppt/notesSlides/notesSlide65.xml><?xml version="1.0" encoding="utf-8"?>
+<file path=ppt/notesSlides/notesSlide67.xml><?xml version="1.0" encoding="utf-8"?>
 <p:notes xmlns:a="http://schemas.openxmlformats.org/drawingml/2006/main" xmlns:r="http://schemas.openxmlformats.org/officeDocument/2006/relationships" xmlns:p="http://schemas.openxmlformats.org/presentationml/2006/main">
   <p:cSld>
     <p:spTree>
@@ -6998,7 +7239,7 @@
           <a:p>
             <a:fld id="{4AF79E1B-2C51-4B9B-8EA4-26DE9E345AFF}" type="slidenum">
               <a:rPr lang="en-US" smtClean="0"/>
-              <a:t>75</a:t>
+              <a:t>77</a:t>
             </a:fld>
             <a:endParaRPr lang="en-US"/>
           </a:p>
@@ -7453,7 +7694,7 @@
             <a:fld id="{0972D05C-DCFB-4BB6-B49C-AC126BF3ED2C}" type="datetimeFigureOut">
               <a:rPr lang="en-US" smtClean="0"/>
               <a:pPr/>
-              <a:t>10/16/2025</a:t>
+              <a:t>10/20/2025</a:t>
             </a:fld>
             <a:endParaRPr lang="en-US"/>
           </a:p>
@@ -7690,7 +7931,7 @@
             <a:fld id="{0972D05C-DCFB-4BB6-B49C-AC126BF3ED2C}" type="datetimeFigureOut">
               <a:rPr lang="en-US" smtClean="0"/>
               <a:pPr/>
-              <a:t>10/16/2025</a:t>
+              <a:t>10/20/2025</a:t>
             </a:fld>
             <a:endParaRPr lang="en-US"/>
           </a:p>
@@ -7872,7 +8113,7 @@
             <a:fld id="{0972D05C-DCFB-4BB6-B49C-AC126BF3ED2C}" type="datetimeFigureOut">
               <a:rPr lang="en-US" smtClean="0"/>
               <a:pPr/>
-              <a:t>10/16/2025</a:t>
+              <a:t>10/20/2025</a:t>
             </a:fld>
             <a:endParaRPr lang="en-US"/>
           </a:p>
@@ -8044,7 +8285,7 @@
             <a:fld id="{0972D05C-DCFB-4BB6-B49C-AC126BF3ED2C}" type="datetimeFigureOut">
               <a:rPr lang="en-US" smtClean="0"/>
               <a:pPr/>
-              <a:t>10/16/2025</a:t>
+              <a:t>10/20/2025</a:t>
             </a:fld>
             <a:endParaRPr lang="en-US"/>
           </a:p>
@@ -8300,7 +8541,7 @@
             <a:fld id="{0972D05C-DCFB-4BB6-B49C-AC126BF3ED2C}" type="datetimeFigureOut">
               <a:rPr lang="en-US" smtClean="0"/>
               <a:pPr/>
-              <a:t>10/16/2025</a:t>
+              <a:t>10/20/2025</a:t>
             </a:fld>
             <a:endParaRPr lang="en-US"/>
           </a:p>
@@ -8628,7 +8869,7 @@
             <a:fld id="{0972D05C-DCFB-4BB6-B49C-AC126BF3ED2C}" type="datetimeFigureOut">
               <a:rPr lang="en-US" smtClean="0"/>
               <a:pPr/>
-              <a:t>10/16/2025</a:t>
+              <a:t>10/20/2025</a:t>
             </a:fld>
             <a:endParaRPr lang="en-US"/>
           </a:p>
@@ -9081,7 +9322,7 @@
             <a:fld id="{0972D05C-DCFB-4BB6-B49C-AC126BF3ED2C}" type="datetimeFigureOut">
               <a:rPr lang="en-US" smtClean="0"/>
               <a:pPr/>
-              <a:t>10/16/2025</a:t>
+              <a:t>10/20/2025</a:t>
             </a:fld>
             <a:endParaRPr lang="en-US"/>
           </a:p>
@@ -9201,7 +9442,7 @@
             <a:fld id="{0972D05C-DCFB-4BB6-B49C-AC126BF3ED2C}" type="datetimeFigureOut">
               <a:rPr lang="en-US" smtClean="0"/>
               <a:pPr/>
-              <a:t>10/16/2025</a:t>
+              <a:t>10/20/2025</a:t>
             </a:fld>
             <a:endParaRPr lang="en-US"/>
           </a:p>
@@ -9298,7 +9539,7 @@
             <a:fld id="{0972D05C-DCFB-4BB6-B49C-AC126BF3ED2C}" type="datetimeFigureOut">
               <a:rPr lang="en-US" smtClean="0"/>
               <a:pPr/>
-              <a:t>10/16/2025</a:t>
+              <a:t>10/20/2025</a:t>
             </a:fld>
             <a:endParaRPr lang="en-US"/>
           </a:p>
@@ -9587,7 +9828,7 @@
             <a:fld id="{0972D05C-DCFB-4BB6-B49C-AC126BF3ED2C}" type="datetimeFigureOut">
               <a:rPr lang="en-US" smtClean="0"/>
               <a:pPr/>
-              <a:t>10/16/2025</a:t>
+              <a:t>10/20/2025</a:t>
             </a:fld>
             <a:endParaRPr lang="en-US"/>
           </a:p>
@@ -9911,7 +10152,7 @@
             <a:fld id="{0972D05C-DCFB-4BB6-B49C-AC126BF3ED2C}" type="datetimeFigureOut">
               <a:rPr lang="en-US" smtClean="0"/>
               <a:pPr/>
-              <a:t>10/16/2025</a:t>
+              <a:t>10/20/2025</a:t>
             </a:fld>
             <a:endParaRPr lang="en-US"/>
           </a:p>
@@ -10173,7 +10414,7 @@
             <a:fld id="{0972D05C-DCFB-4BB6-B49C-AC126BF3ED2C}" type="datetimeFigureOut">
               <a:rPr lang="en-US" smtClean="0"/>
               <a:pPr/>
-              <a:t>10/16/2025</a:t>
+              <a:t>10/20/2025</a:t>
             </a:fld>
             <a:endParaRPr lang="en-US" dirty="0"/>
           </a:p>
@@ -14584,7 +14825,13 @@
   <p:cSld>
     <p:spTree>
       <p:nvGrpSpPr>
-        <p:cNvPr id="1" name=""/>
+        <p:cNvPr id="1" name="">
+          <a:extLst>
+            <a:ext uri="{FF2B5EF4-FFF2-40B4-BE49-F238E27FC236}">
+              <a16:creationId xmlns:a16="http://schemas.microsoft.com/office/drawing/2014/main" id="{D0FADC5A-2295-D9C7-3CFD-0618A3DF7B99}"/>
+            </a:ext>
+          </a:extLst>
+        </p:cNvPr>
         <p:cNvGrpSpPr/>
         <p:nvPr/>
       </p:nvGrpSpPr>
@@ -14601,7 +14848,7 @@
           <p:cNvPr id="2" name="Title 1">
             <a:extLst>
               <a:ext uri="{FF2B5EF4-FFF2-40B4-BE49-F238E27FC236}">
-                <a16:creationId xmlns:a16="http://schemas.microsoft.com/office/drawing/2014/main" id="{F6693EDF-660D-4391-A114-A6C54268E445}"/>
+                <a16:creationId xmlns:a16="http://schemas.microsoft.com/office/drawing/2014/main" id="{9E79FCDE-EECC-8640-78A7-CD9396297879}"/>
               </a:ext>
             </a:extLst>
           </p:cNvPr>
@@ -14609,34 +14856,57 @@
             <a:spLocks noGrp="1"/>
           </p:cNvSpPr>
           <p:nvPr>
-            <p:ph type="ctrTitle"/>
-          </p:nvPr>
-        </p:nvSpPr>
-        <p:spPr/>
-        <p:txBody>
-          <a:bodyPr/>
-          <a:lstStyle/>
-          <a:p>
-            <a:r>
-              <a:rPr lang="en-US" dirty="0"/>
-              <a:t>Matching Techniques: </a:t>
-            </a:r>
-            <a:br>
-              <a:rPr lang="en-US" dirty="0"/>
-            </a:br>
-            <a:r>
-              <a:rPr lang="en-US" dirty="0"/>
-              <a:t>Single Variable</a:t>
-            </a:r>
-          </a:p>
-        </p:txBody>
-      </p:sp>
-      <p:sp>
-        <p:nvSpPr>
-          <p:cNvPr id="3" name="Subtitle 2">
+            <p:ph type="title"/>
+          </p:nvPr>
+        </p:nvSpPr>
+        <p:spPr>
+          <a:xfrm>
+            <a:off x="1237489" y="640080"/>
+            <a:ext cx="2801111" cy="1325562"/>
+          </a:xfrm>
+        </p:spPr>
+        <p:txBody>
+          <a:bodyPr>
+            <a:normAutofit/>
+          </a:bodyPr>
+          <a:lstStyle/>
+          <a:p>
+            <a:r>
+              <a:rPr lang="en-US" sz="3200" b="1" dirty="0">
+                <a:solidFill>
+                  <a:schemeClr val="accent2">
+                    <a:lumMod val="75000"/>
+                  </a:schemeClr>
+                </a:solidFill>
+              </a:rPr>
+              <a:t>Problems of </a:t>
+            </a:r>
+            <a:r>
+              <a:rPr lang="en-US" sz="3200" b="1" dirty="0" err="1">
+                <a:solidFill>
+                  <a:schemeClr val="accent2">
+                    <a:lumMod val="75000"/>
+                  </a:schemeClr>
+                </a:solidFill>
+              </a:rPr>
+              <a:t>Unobservables</a:t>
+            </a:r>
+            <a:endParaRPr lang="en-US" sz="3200" b="1" dirty="0">
+              <a:solidFill>
+                <a:schemeClr val="accent2">
+                  <a:lumMod val="75000"/>
+                </a:schemeClr>
+              </a:solidFill>
+            </a:endParaRPr>
+          </a:p>
+        </p:txBody>
+      </p:sp>
+      <p:sp>
+        <p:nvSpPr>
+          <p:cNvPr id="3" name="Content Placeholder 2">
             <a:extLst>
               <a:ext uri="{FF2B5EF4-FFF2-40B4-BE49-F238E27FC236}">
-                <a16:creationId xmlns:a16="http://schemas.microsoft.com/office/drawing/2014/main" id="{9A7FADE3-4D7C-4B3A-B023-71CD85AECCCB}"/>
+                <a16:creationId xmlns:a16="http://schemas.microsoft.com/office/drawing/2014/main" id="{677670A4-BC28-124E-5D56-B2B2287E6077}"/>
               </a:ext>
             </a:extLst>
           </p:cNvPr>
@@ -14644,22 +14914,108 @@
             <a:spLocks noGrp="1"/>
           </p:cNvSpPr>
           <p:nvPr>
-            <p:ph type="subTitle" idx="1"/>
-          </p:nvPr>
-        </p:nvSpPr>
-        <p:spPr/>
-        <p:txBody>
-          <a:bodyPr/>
-          <a:lstStyle/>
-          <a:p>
-            <a:endParaRPr lang="en-US"/>
+            <p:ph idx="1"/>
+          </p:nvPr>
+        </p:nvSpPr>
+        <p:spPr>
+          <a:xfrm>
+            <a:off x="1237489" y="2301555"/>
+            <a:ext cx="3075836" cy="3878582"/>
+          </a:xfrm>
+        </p:spPr>
+        <p:txBody>
+          <a:bodyPr>
+            <a:normAutofit/>
+          </a:bodyPr>
+          <a:lstStyle/>
+          <a:p>
+            <a:endParaRPr lang="en-US" sz="1600"/>
+          </a:p>
+        </p:txBody>
+      </p:sp>
+      <p:pic>
+        <p:nvPicPr>
+          <p:cNvPr id="5" name="Picture 4">
+            <a:extLst>
+              <a:ext uri="{FF2B5EF4-FFF2-40B4-BE49-F238E27FC236}">
+                <a16:creationId xmlns:a16="http://schemas.microsoft.com/office/drawing/2014/main" id="{4FEAD752-C35F-C935-61A6-62B5BE177F95}"/>
+              </a:ext>
+            </a:extLst>
+          </p:cNvPr>
+          <p:cNvPicPr>
+            <a:picLocks noChangeAspect="1"/>
+          </p:cNvPicPr>
+          <p:nvPr/>
+        </p:nvPicPr>
+        <p:blipFill rotWithShape="1">
+          <a:blip r:embed="rId3"/>
+          <a:srcRect t="329" r="-2" b="49805"/>
+          <a:stretch/>
+        </p:blipFill>
+        <p:spPr>
+          <a:xfrm>
+            <a:off x="5105399" y="-5536"/>
+            <a:ext cx="7086601" cy="3739336"/>
+          </a:xfrm>
+          <a:prstGeom prst="rect">
+            <a:avLst/>
+          </a:prstGeom>
+        </p:spPr>
+      </p:pic>
+      <p:sp>
+        <p:nvSpPr>
+          <p:cNvPr id="4" name="TextBox 3">
+            <a:extLst>
+              <a:ext uri="{FF2B5EF4-FFF2-40B4-BE49-F238E27FC236}">
+                <a16:creationId xmlns:a16="http://schemas.microsoft.com/office/drawing/2014/main" id="{9BA56977-E7EF-ADF7-0D2D-EA8412832A21}"/>
+              </a:ext>
+            </a:extLst>
+          </p:cNvPr>
+          <p:cNvSpPr txBox="1"/>
+          <p:nvPr/>
+        </p:nvSpPr>
+        <p:spPr>
+          <a:xfrm>
+            <a:off x="8001000" y="0"/>
+            <a:ext cx="1143000" cy="369332"/>
+          </a:xfrm>
+          <a:prstGeom prst="rect">
+            <a:avLst/>
+          </a:prstGeom>
+          <a:solidFill>
+            <a:schemeClr val="accent2">
+              <a:lumMod val="75000"/>
+            </a:schemeClr>
+          </a:solidFill>
+          <a:ln>
+            <a:solidFill>
+              <a:schemeClr val="tx2">
+                <a:lumMod val="50000"/>
+              </a:schemeClr>
+            </a:solidFill>
+          </a:ln>
+        </p:spPr>
+        <p:txBody>
+          <a:bodyPr wrap="square" rtlCol="0">
+            <a:spAutoFit/>
+          </a:bodyPr>
+          <a:lstStyle/>
+          <a:p>
+            <a:r>
+              <a:rPr lang="en-US" b="1" dirty="0">
+                <a:solidFill>
+                  <a:schemeClr val="bg1"/>
+                </a:solidFill>
+              </a:rPr>
+              <a:t>King</a:t>
+            </a:r>
           </a:p>
         </p:txBody>
       </p:sp>
     </p:spTree>
     <p:extLst>
       <p:ext uri="{BB962C8B-B14F-4D97-AF65-F5344CB8AC3E}">
-        <p14:creationId xmlns:p14="http://schemas.microsoft.com/office/powerpoint/2010/main" val="1543526818"/>
+        <p14:creationId xmlns:p14="http://schemas.microsoft.com/office/powerpoint/2010/main" val="1159720225"/>
       </p:ext>
     </p:extLst>
   </p:cSld>
@@ -14674,7 +15030,13 @@
   <p:cSld>
     <p:spTree>
       <p:nvGrpSpPr>
-        <p:cNvPr id="1" name=""/>
+        <p:cNvPr id="1" name="">
+          <a:extLst>
+            <a:ext uri="{FF2B5EF4-FFF2-40B4-BE49-F238E27FC236}">
+              <a16:creationId xmlns:a16="http://schemas.microsoft.com/office/drawing/2014/main" id="{80C1E15B-E07C-0ED2-93A7-40279CE8AF29}"/>
+            </a:ext>
+          </a:extLst>
+        </p:cNvPr>
         <p:cNvGrpSpPr/>
         <p:nvPr/>
       </p:nvGrpSpPr>
@@ -14688,7 +15050,13 @@
       </p:grpSpPr>
       <p:sp>
         <p:nvSpPr>
-          <p:cNvPr id="2" name="Title 1"/>
+          <p:cNvPr id="2" name="Title 1">
+            <a:extLst>
+              <a:ext uri="{FF2B5EF4-FFF2-40B4-BE49-F238E27FC236}">
+                <a16:creationId xmlns:a16="http://schemas.microsoft.com/office/drawing/2014/main" id="{A2015D39-B52E-53B6-F56B-8E443D470054}"/>
+              </a:ext>
+            </a:extLst>
+          </p:cNvPr>
           <p:cNvSpPr>
             <a:spLocks noGrp="1"/>
           </p:cNvSpPr>
@@ -14698,108 +15066,153 @@
         </p:nvSpPr>
         <p:spPr>
           <a:xfrm>
-            <a:off x="609600" y="228600"/>
-            <a:ext cx="10439400" cy="624840"/>
+            <a:off x="1237489" y="640080"/>
+            <a:ext cx="2801111" cy="1325562"/>
           </a:xfrm>
         </p:spPr>
         <p:txBody>
           <a:bodyPr>
-            <a:noAutofit/>
+            <a:normAutofit/>
           </a:bodyPr>
           <a:lstStyle/>
           <a:p>
             <a:r>
-              <a:rPr lang="en-US" sz="3600" dirty="0">
-                <a:cs typeface="Times New Roman" panose="02020603050405020304" pitchFamily="18" charset="0"/>
-              </a:rPr>
-              <a:t>Subclassification</a:t>
-            </a:r>
-            <a:endParaRPr lang="en-US" sz="3600" dirty="0">
-              <a:latin typeface="Times New Roman" panose="02020603050405020304" pitchFamily="18" charset="0"/>
-              <a:cs typeface="Times New Roman" panose="02020603050405020304" pitchFamily="18" charset="0"/>
-            </a:endParaRPr>
-          </a:p>
-        </p:txBody>
-      </p:sp>
-      <p:sp>
-        <p:nvSpPr>
-          <p:cNvPr id="3" name="Content Placeholder 2"/>
-          <p:cNvSpPr>
-            <a:spLocks noGrp="1"/>
-          </p:cNvSpPr>
-          <p:nvPr>
-            <p:ph idx="1"/>
-          </p:nvPr>
-        </p:nvSpPr>
-        <p:spPr>
-          <a:xfrm>
-            <a:off x="609601" y="1066801"/>
-            <a:ext cx="10439400" cy="5141388"/>
-          </a:xfrm>
-        </p:spPr>
-        <p:txBody>
-          <a:bodyPr>
-            <a:noAutofit/>
-          </a:bodyPr>
-          <a:lstStyle/>
-          <a:p>
-            <a:r>
-              <a:rPr lang="en-US" sz="2400" dirty="0">
-                <a:cs typeface="Times New Roman" panose="02020603050405020304" pitchFamily="18" charset="0"/>
-              </a:rPr>
-              <a:t>We are worried about differences in </a:t>
-            </a:r>
-            <a:r>
-              <a:rPr lang="en-US" sz="2400" b="1" dirty="0">
-                <a:cs typeface="Times New Roman" panose="02020603050405020304" pitchFamily="18" charset="0"/>
-              </a:rPr>
-              <a:t>health status </a:t>
-            </a:r>
-            <a:r>
-              <a:rPr lang="en-US" sz="2400" dirty="0">
-                <a:cs typeface="Times New Roman" panose="02020603050405020304" pitchFamily="18" charset="0"/>
-              </a:rPr>
-              <a:t>affecting our estimates </a:t>
-            </a:r>
-          </a:p>
-          <a:p>
-            <a:pPr lvl="1"/>
-            <a:r>
-              <a:rPr lang="en-US" sz="2400" dirty="0">
-                <a:cs typeface="Times New Roman" panose="02020603050405020304" pitchFamily="18" charset="0"/>
-              </a:rPr>
-              <a:t>In practice, the treatment and control groups are</a:t>
-            </a:r>
-            <a:r>
-              <a:rPr lang="en-US" sz="2400" b="1" dirty="0">
+              <a:rPr lang="en-US" sz="3200" b="1" dirty="0">
                 <a:solidFill>
                   <a:schemeClr val="accent2">
                     <a:lumMod val="75000"/>
                   </a:schemeClr>
                 </a:solidFill>
-                <a:cs typeface="Times New Roman" panose="02020603050405020304" pitchFamily="18" charset="0"/>
-              </a:rPr>
-              <a:t> not balanced</a:t>
-            </a:r>
-            <a:r>
-              <a:rPr lang="en-US" sz="2400" dirty="0">
-                <a:cs typeface="Times New Roman" panose="02020603050405020304" pitchFamily="18" charset="0"/>
-              </a:rPr>
-              <a:t> </a:t>
-            </a:r>
-          </a:p>
-          <a:p>
-            <a:r>
-              <a:rPr lang="en-US" sz="2400" b="1" dirty="0">
-                <a:cs typeface="Times New Roman" panose="02020603050405020304" pitchFamily="18" charset="0"/>
-              </a:rPr>
-              <a:t>Subclassification </a:t>
-            </a:r>
-            <a:r>
-              <a:rPr lang="en-US" sz="2400" dirty="0">
-                <a:cs typeface="Times New Roman" panose="02020603050405020304" pitchFamily="18" charset="0"/>
-              </a:rPr>
-              <a:t>is a matching strategy to “smooth out” differences: </a:t>
+              </a:rPr>
+              <a:t>Problems of </a:t>
+            </a:r>
+            <a:r>
+              <a:rPr lang="en-US" sz="3200" b="1" dirty="0" err="1">
+                <a:solidFill>
+                  <a:schemeClr val="accent2">
+                    <a:lumMod val="75000"/>
+                  </a:schemeClr>
+                </a:solidFill>
+              </a:rPr>
+              <a:t>Unobservables</a:t>
+            </a:r>
+            <a:endParaRPr lang="en-US" sz="3200" b="1" dirty="0">
+              <a:solidFill>
+                <a:schemeClr val="accent2">
+                  <a:lumMod val="75000"/>
+                </a:schemeClr>
+              </a:solidFill>
+            </a:endParaRPr>
+          </a:p>
+        </p:txBody>
+      </p:sp>
+      <p:sp>
+        <p:nvSpPr>
+          <p:cNvPr id="3" name="Content Placeholder 2">
+            <a:extLst>
+              <a:ext uri="{FF2B5EF4-FFF2-40B4-BE49-F238E27FC236}">
+                <a16:creationId xmlns:a16="http://schemas.microsoft.com/office/drawing/2014/main" id="{BD07F450-93C0-2DC9-59A8-625D58882E4C}"/>
+              </a:ext>
+            </a:extLst>
+          </p:cNvPr>
+          <p:cNvSpPr>
+            <a:spLocks noGrp="1"/>
+          </p:cNvSpPr>
+          <p:nvPr>
+            <p:ph idx="1"/>
+          </p:nvPr>
+        </p:nvSpPr>
+        <p:spPr>
+          <a:xfrm>
+            <a:off x="1237489" y="2301555"/>
+            <a:ext cx="3075836" cy="3878582"/>
+          </a:xfrm>
+        </p:spPr>
+        <p:txBody>
+          <a:bodyPr>
+            <a:normAutofit/>
+          </a:bodyPr>
+          <a:lstStyle/>
+          <a:p>
+            <a:endParaRPr lang="en-US" sz="1600"/>
+          </a:p>
+        </p:txBody>
+      </p:sp>
+      <p:pic>
+        <p:nvPicPr>
+          <p:cNvPr id="5" name="Picture 4">
+            <a:extLst>
+              <a:ext uri="{FF2B5EF4-FFF2-40B4-BE49-F238E27FC236}">
+                <a16:creationId xmlns:a16="http://schemas.microsoft.com/office/drawing/2014/main" id="{8890F41B-F93F-E207-7735-5E6FFBF28DF8}"/>
+              </a:ext>
+            </a:extLst>
+          </p:cNvPr>
+          <p:cNvPicPr>
+            <a:picLocks noChangeAspect="1"/>
+          </p:cNvPicPr>
+          <p:nvPr/>
+        </p:nvPicPr>
+        <p:blipFill rotWithShape="1">
+          <a:blip r:embed="rId3"/>
+          <a:srcRect t="330" r="-2" b="8141"/>
+          <a:stretch/>
+        </p:blipFill>
+        <p:spPr>
+          <a:xfrm>
+            <a:off x="5105399" y="-5536"/>
+            <a:ext cx="7086601" cy="6863536"/>
+          </a:xfrm>
+          <a:prstGeom prst="rect">
+            <a:avLst/>
+          </a:prstGeom>
+        </p:spPr>
+      </p:pic>
+      <p:sp>
+        <p:nvSpPr>
+          <p:cNvPr id="4" name="TextBox 3">
+            <a:extLst>
+              <a:ext uri="{FF2B5EF4-FFF2-40B4-BE49-F238E27FC236}">
+                <a16:creationId xmlns:a16="http://schemas.microsoft.com/office/drawing/2014/main" id="{8FA766A9-6C20-1C0C-C299-D56397C34A2F}"/>
+              </a:ext>
+            </a:extLst>
+          </p:cNvPr>
+          <p:cNvSpPr txBox="1"/>
+          <p:nvPr/>
+        </p:nvSpPr>
+        <p:spPr>
+          <a:xfrm>
+            <a:off x="8001000" y="0"/>
+            <a:ext cx="1143000" cy="369332"/>
+          </a:xfrm>
+          <a:prstGeom prst="rect">
+            <a:avLst/>
+          </a:prstGeom>
+          <a:solidFill>
+            <a:schemeClr val="accent2">
+              <a:lumMod val="75000"/>
+            </a:schemeClr>
+          </a:solidFill>
+          <a:ln>
+            <a:solidFill>
+              <a:schemeClr val="tx2">
+                <a:lumMod val="50000"/>
+              </a:schemeClr>
+            </a:solidFill>
+          </a:ln>
+        </p:spPr>
+        <p:txBody>
+          <a:bodyPr wrap="square" rtlCol="0">
+            <a:spAutoFit/>
+          </a:bodyPr>
+          <a:lstStyle/>
+          <a:p>
+            <a:r>
+              <a:rPr lang="en-US" b="1" dirty="0">
+                <a:solidFill>
+                  <a:schemeClr val="bg1"/>
+                </a:solidFill>
+              </a:rPr>
+              <a:t>King</a:t>
             </a:r>
           </a:p>
         </p:txBody>
@@ -14807,7 +15220,7 @@
     </p:spTree>
     <p:extLst>
       <p:ext uri="{BB962C8B-B14F-4D97-AF65-F5344CB8AC3E}">
-        <p14:creationId xmlns:p14="http://schemas.microsoft.com/office/powerpoint/2010/main" val="2597052156"/>
+        <p14:creationId xmlns:p14="http://schemas.microsoft.com/office/powerpoint/2010/main" val="977677977"/>
       </p:ext>
     </p:extLst>
   </p:cSld>
@@ -15103,6 +15516,244 @@
       </p:grpSpPr>
       <p:sp>
         <p:nvSpPr>
+          <p:cNvPr id="2" name="Title 1">
+            <a:extLst>
+              <a:ext uri="{FF2B5EF4-FFF2-40B4-BE49-F238E27FC236}">
+                <a16:creationId xmlns:a16="http://schemas.microsoft.com/office/drawing/2014/main" id="{F6693EDF-660D-4391-A114-A6C54268E445}"/>
+              </a:ext>
+            </a:extLst>
+          </p:cNvPr>
+          <p:cNvSpPr>
+            <a:spLocks noGrp="1"/>
+          </p:cNvSpPr>
+          <p:nvPr>
+            <p:ph type="ctrTitle"/>
+          </p:nvPr>
+        </p:nvSpPr>
+        <p:spPr/>
+        <p:txBody>
+          <a:bodyPr/>
+          <a:lstStyle/>
+          <a:p>
+            <a:r>
+              <a:rPr lang="en-US" dirty="0"/>
+              <a:t>Matching Techniques: </a:t>
+            </a:r>
+            <a:br>
+              <a:rPr lang="en-US" dirty="0"/>
+            </a:br>
+            <a:r>
+              <a:rPr lang="en-US" dirty="0"/>
+              <a:t>Single Variable</a:t>
+            </a:r>
+          </a:p>
+        </p:txBody>
+      </p:sp>
+      <p:sp>
+        <p:nvSpPr>
+          <p:cNvPr id="3" name="Subtitle 2">
+            <a:extLst>
+              <a:ext uri="{FF2B5EF4-FFF2-40B4-BE49-F238E27FC236}">
+                <a16:creationId xmlns:a16="http://schemas.microsoft.com/office/drawing/2014/main" id="{9A7FADE3-4D7C-4B3A-B023-71CD85AECCCB}"/>
+              </a:ext>
+            </a:extLst>
+          </p:cNvPr>
+          <p:cNvSpPr>
+            <a:spLocks noGrp="1"/>
+          </p:cNvSpPr>
+          <p:nvPr>
+            <p:ph type="subTitle" idx="1"/>
+          </p:nvPr>
+        </p:nvSpPr>
+        <p:spPr/>
+        <p:txBody>
+          <a:bodyPr/>
+          <a:lstStyle/>
+          <a:p>
+            <a:endParaRPr lang="en-US"/>
+          </a:p>
+        </p:txBody>
+      </p:sp>
+    </p:spTree>
+    <p:extLst>
+      <p:ext uri="{BB962C8B-B14F-4D97-AF65-F5344CB8AC3E}">
+        <p14:creationId xmlns:p14="http://schemas.microsoft.com/office/powerpoint/2010/main" val="1543526818"/>
+      </p:ext>
+    </p:extLst>
+  </p:cSld>
+  <p:clrMapOvr>
+    <a:masterClrMapping/>
+  </p:clrMapOvr>
+</p:sld>
+</file>
+
+<file path=ppt/slides/slide31.xml><?xml version="1.0" encoding="utf-8"?>
+<p:sld xmlns:a="http://schemas.openxmlformats.org/drawingml/2006/main" xmlns:r="http://schemas.openxmlformats.org/officeDocument/2006/relationships" xmlns:p="http://schemas.openxmlformats.org/presentationml/2006/main">
+  <p:cSld>
+    <p:spTree>
+      <p:nvGrpSpPr>
+        <p:cNvPr id="1" name=""/>
+        <p:cNvGrpSpPr/>
+        <p:nvPr/>
+      </p:nvGrpSpPr>
+      <p:grpSpPr>
+        <a:xfrm>
+          <a:off x="0" y="0"/>
+          <a:ext cx="0" cy="0"/>
+          <a:chOff x="0" y="0"/>
+          <a:chExt cx="0" cy="0"/>
+        </a:xfrm>
+      </p:grpSpPr>
+      <p:sp>
+        <p:nvSpPr>
+          <p:cNvPr id="2" name="Title 1"/>
+          <p:cNvSpPr>
+            <a:spLocks noGrp="1"/>
+          </p:cNvSpPr>
+          <p:nvPr>
+            <p:ph type="title"/>
+          </p:nvPr>
+        </p:nvSpPr>
+        <p:spPr>
+          <a:xfrm>
+            <a:off x="609600" y="228600"/>
+            <a:ext cx="10439400" cy="624840"/>
+          </a:xfrm>
+        </p:spPr>
+        <p:txBody>
+          <a:bodyPr>
+            <a:noAutofit/>
+          </a:bodyPr>
+          <a:lstStyle/>
+          <a:p>
+            <a:r>
+              <a:rPr lang="en-US" sz="3600" dirty="0">
+                <a:cs typeface="Times New Roman" panose="02020603050405020304" pitchFamily="18" charset="0"/>
+              </a:rPr>
+              <a:t>Subclassification</a:t>
+            </a:r>
+            <a:endParaRPr lang="en-US" sz="3600" dirty="0">
+              <a:latin typeface="Times New Roman" panose="02020603050405020304" pitchFamily="18" charset="0"/>
+              <a:cs typeface="Times New Roman" panose="02020603050405020304" pitchFamily="18" charset="0"/>
+            </a:endParaRPr>
+          </a:p>
+        </p:txBody>
+      </p:sp>
+      <p:sp>
+        <p:nvSpPr>
+          <p:cNvPr id="3" name="Content Placeholder 2"/>
+          <p:cNvSpPr>
+            <a:spLocks noGrp="1"/>
+          </p:cNvSpPr>
+          <p:nvPr>
+            <p:ph idx="1"/>
+          </p:nvPr>
+        </p:nvSpPr>
+        <p:spPr>
+          <a:xfrm>
+            <a:off x="609601" y="1066801"/>
+            <a:ext cx="10439400" cy="5141388"/>
+          </a:xfrm>
+        </p:spPr>
+        <p:txBody>
+          <a:bodyPr>
+            <a:noAutofit/>
+          </a:bodyPr>
+          <a:lstStyle/>
+          <a:p>
+            <a:r>
+              <a:rPr lang="en-US" sz="2400" dirty="0">
+                <a:cs typeface="Times New Roman" panose="02020603050405020304" pitchFamily="18" charset="0"/>
+              </a:rPr>
+              <a:t>We are worried about differences in </a:t>
+            </a:r>
+            <a:r>
+              <a:rPr lang="en-US" sz="2400" b="1" dirty="0">
+                <a:cs typeface="Times New Roman" panose="02020603050405020304" pitchFamily="18" charset="0"/>
+              </a:rPr>
+              <a:t>health status </a:t>
+            </a:r>
+            <a:r>
+              <a:rPr lang="en-US" sz="2400" dirty="0">
+                <a:cs typeface="Times New Roman" panose="02020603050405020304" pitchFamily="18" charset="0"/>
+              </a:rPr>
+              <a:t>affecting our estimates </a:t>
+            </a:r>
+          </a:p>
+          <a:p>
+            <a:pPr lvl="1"/>
+            <a:r>
+              <a:rPr lang="en-US" sz="2400" dirty="0">
+                <a:cs typeface="Times New Roman" panose="02020603050405020304" pitchFamily="18" charset="0"/>
+              </a:rPr>
+              <a:t>In practice, the treatment and control groups are</a:t>
+            </a:r>
+            <a:r>
+              <a:rPr lang="en-US" sz="2400" b="1" dirty="0">
+                <a:solidFill>
+                  <a:schemeClr val="accent2">
+                    <a:lumMod val="75000"/>
+                  </a:schemeClr>
+                </a:solidFill>
+                <a:cs typeface="Times New Roman" panose="02020603050405020304" pitchFamily="18" charset="0"/>
+              </a:rPr>
+              <a:t> not balanced</a:t>
+            </a:r>
+            <a:r>
+              <a:rPr lang="en-US" sz="2400" dirty="0">
+                <a:cs typeface="Times New Roman" panose="02020603050405020304" pitchFamily="18" charset="0"/>
+              </a:rPr>
+              <a:t> </a:t>
+            </a:r>
+          </a:p>
+          <a:p>
+            <a:r>
+              <a:rPr lang="en-US" sz="2400" b="1" dirty="0">
+                <a:cs typeface="Times New Roman" panose="02020603050405020304" pitchFamily="18" charset="0"/>
+              </a:rPr>
+              <a:t>Subclassification </a:t>
+            </a:r>
+            <a:r>
+              <a:rPr lang="en-US" sz="2400" dirty="0">
+                <a:cs typeface="Times New Roman" panose="02020603050405020304" pitchFamily="18" charset="0"/>
+              </a:rPr>
+              <a:t>is a matching strategy to “smooth out” differences: </a:t>
+            </a:r>
+          </a:p>
+        </p:txBody>
+      </p:sp>
+    </p:spTree>
+    <p:extLst>
+      <p:ext uri="{BB962C8B-B14F-4D97-AF65-F5344CB8AC3E}">
+        <p14:creationId xmlns:p14="http://schemas.microsoft.com/office/powerpoint/2010/main" val="2597052156"/>
+      </p:ext>
+    </p:extLst>
+  </p:cSld>
+  <p:clrMapOvr>
+    <a:masterClrMapping/>
+  </p:clrMapOvr>
+</p:sld>
+</file>
+
+<file path=ppt/slides/slide32.xml><?xml version="1.0" encoding="utf-8"?>
+<p:sld xmlns:a="http://schemas.openxmlformats.org/drawingml/2006/main" xmlns:r="http://schemas.openxmlformats.org/officeDocument/2006/relationships" xmlns:p="http://schemas.openxmlformats.org/presentationml/2006/main">
+  <p:cSld>
+    <p:spTree>
+      <p:nvGrpSpPr>
+        <p:cNvPr id="1" name=""/>
+        <p:cNvGrpSpPr/>
+        <p:nvPr/>
+      </p:nvGrpSpPr>
+      <p:grpSpPr>
+        <a:xfrm>
+          <a:off x="0" y="0"/>
+          <a:ext cx="0" cy="0"/>
+          <a:chOff x="0" y="0"/>
+          <a:chExt cx="0" cy="0"/>
+        </a:xfrm>
+      </p:grpSpPr>
+      <p:sp>
+        <p:nvSpPr>
           <p:cNvPr id="2" name="Title 1"/>
           <p:cNvSpPr>
             <a:spLocks noGrp="1"/>
@@ -15351,7 +16002,7 @@
 </p:sld>
 </file>
 
-<file path=ppt/slides/slide31.xml><?xml version="1.0" encoding="utf-8"?>
+<file path=ppt/slides/slide33.xml><?xml version="1.0" encoding="utf-8"?>
 <p:sld xmlns:a="http://schemas.openxmlformats.org/drawingml/2006/main" xmlns:r="http://schemas.openxmlformats.org/officeDocument/2006/relationships" xmlns:p="http://schemas.openxmlformats.org/presentationml/2006/main">
   <p:cSld>
     <p:spTree>
@@ -15620,7 +16271,7 @@
 </p:sld>
 </file>
 
-<file path=ppt/slides/slide32.xml><?xml version="1.0" encoding="utf-8"?>
+<file path=ppt/slides/slide34.xml><?xml version="1.0" encoding="utf-8"?>
 <p:sld xmlns:a="http://schemas.openxmlformats.org/drawingml/2006/main" xmlns:r="http://schemas.openxmlformats.org/officeDocument/2006/relationships" xmlns:p="http://schemas.openxmlformats.org/presentationml/2006/main">
   <p:cSld>
     <p:spTree>
@@ -15780,7 +16431,7 @@
 </p:sld>
 </file>
 
-<file path=ppt/slides/slide33.xml><?xml version="1.0" encoding="utf-8"?>
+<file path=ppt/slides/slide35.xml><?xml version="1.0" encoding="utf-8"?>
 <p:sld xmlns:a="http://schemas.openxmlformats.org/drawingml/2006/main" xmlns:r="http://schemas.openxmlformats.org/officeDocument/2006/relationships" xmlns:p="http://schemas.openxmlformats.org/presentationml/2006/main">
   <p:cSld>
     <p:spTree>
@@ -16116,7 +16767,7 @@
 </p:sld>
 </file>
 
-<file path=ppt/slides/slide34.xml><?xml version="1.0" encoding="utf-8"?>
+<file path=ppt/slides/slide36.xml><?xml version="1.0" encoding="utf-8"?>
 <p:sld xmlns:a="http://schemas.openxmlformats.org/drawingml/2006/main" xmlns:r="http://schemas.openxmlformats.org/officeDocument/2006/relationships" xmlns:p="http://schemas.openxmlformats.org/presentationml/2006/main">
   <p:cSld>
     <p:spTree>
@@ -16206,7 +16857,7 @@
 </p:sld>
 </file>
 
-<file path=ppt/slides/slide35.xml><?xml version="1.0" encoding="utf-8"?>
+<file path=ppt/slides/slide37.xml><?xml version="1.0" encoding="utf-8"?>
 <p:sld xmlns:a="http://schemas.openxmlformats.org/drawingml/2006/main" xmlns:r="http://schemas.openxmlformats.org/officeDocument/2006/relationships" xmlns:p="http://schemas.openxmlformats.org/presentationml/2006/main">
   <p:cSld>
     <p:spTree>
@@ -16337,7 +16988,7 @@
 </p:sld>
 </file>
 
-<file path=ppt/slides/slide36.xml><?xml version="1.0" encoding="utf-8"?>
+<file path=ppt/slides/slide38.xml><?xml version="1.0" encoding="utf-8"?>
 <p:sld xmlns:a="http://schemas.openxmlformats.org/drawingml/2006/main" xmlns:r="http://schemas.openxmlformats.org/officeDocument/2006/relationships" xmlns:p="http://schemas.openxmlformats.org/presentationml/2006/main">
   <p:cSld>
     <p:spTree>
@@ -16887,7 +17538,7 @@
 </p:sld>
 </file>
 
-<file path=ppt/slides/slide37.xml><?xml version="1.0" encoding="utf-8"?>
+<file path=ppt/slides/slide39.xml><?xml version="1.0" encoding="utf-8"?>
 <p:sld xmlns:a="http://schemas.openxmlformats.org/drawingml/2006/main" xmlns:r="http://schemas.openxmlformats.org/officeDocument/2006/relationships" xmlns:p="http://schemas.openxmlformats.org/presentationml/2006/main">
   <p:cSld>
     <p:spTree>
@@ -17511,362 +18162,6 @@
 </p:sld>
 </file>
 
-<file path=ppt/slides/slide38.xml><?xml version="1.0" encoding="utf-8"?>
-<p:sld xmlns:a="http://schemas.openxmlformats.org/drawingml/2006/main" xmlns:r="http://schemas.openxmlformats.org/officeDocument/2006/relationships" xmlns:p="http://schemas.openxmlformats.org/presentationml/2006/main">
-  <p:cSld>
-    <p:spTree>
-      <p:nvGrpSpPr>
-        <p:cNvPr id="1" name=""/>
-        <p:cNvGrpSpPr/>
-        <p:nvPr/>
-      </p:nvGrpSpPr>
-      <p:grpSpPr>
-        <a:xfrm>
-          <a:off x="0" y="0"/>
-          <a:ext cx="0" cy="0"/>
-          <a:chOff x="0" y="0"/>
-          <a:chExt cx="0" cy="0"/>
-        </a:xfrm>
-      </p:grpSpPr>
-      <p:sp>
-        <p:nvSpPr>
-          <p:cNvPr id="2" name="Title 1"/>
-          <p:cNvSpPr>
-            <a:spLocks noGrp="1"/>
-          </p:cNvSpPr>
-          <p:nvPr>
-            <p:ph type="title"/>
-          </p:nvPr>
-        </p:nvSpPr>
-        <p:spPr>
-          <a:xfrm>
-            <a:off x="609600" y="228600"/>
-            <a:ext cx="10439400" cy="624840"/>
-          </a:xfrm>
-        </p:spPr>
-        <p:txBody>
-          <a:bodyPr>
-            <a:noAutofit/>
-          </a:bodyPr>
-          <a:lstStyle/>
-          <a:p>
-            <a:r>
-              <a:rPr lang="en-US" sz="3600" dirty="0">
-                <a:cs typeface="Times New Roman" panose="02020603050405020304" pitchFamily="18" charset="0"/>
-              </a:rPr>
-              <a:t>Exact Matching: Problems</a:t>
-            </a:r>
-            <a:endParaRPr lang="en-US" sz="3600" dirty="0">
-              <a:latin typeface="Times New Roman" panose="02020603050405020304" pitchFamily="18" charset="0"/>
-              <a:cs typeface="Times New Roman" panose="02020603050405020304" pitchFamily="18" charset="0"/>
-            </a:endParaRPr>
-          </a:p>
-        </p:txBody>
-      </p:sp>
-      <p:sp>
-        <p:nvSpPr>
-          <p:cNvPr id="3" name="Content Placeholder 2"/>
-          <p:cNvSpPr>
-            <a:spLocks noGrp="1"/>
-          </p:cNvSpPr>
-          <p:nvPr>
-            <p:ph idx="1"/>
-          </p:nvPr>
-        </p:nvSpPr>
-        <p:spPr>
-          <a:xfrm>
-            <a:off x="685801" y="1066801"/>
-            <a:ext cx="10363200" cy="5141388"/>
-          </a:xfrm>
-        </p:spPr>
-        <p:txBody>
-          <a:bodyPr>
-            <a:noAutofit/>
-          </a:bodyPr>
-          <a:lstStyle/>
-          <a:p>
-            <a:pPr marL="274320" lvl="1" indent="0">
-              <a:buNone/>
-            </a:pPr>
-            <a:r>
-              <a:rPr lang="en-US" sz="2400" dirty="0">
-                <a:cs typeface="Times New Roman" panose="02020603050405020304" pitchFamily="18" charset="0"/>
-              </a:rPr>
-              <a:t>Exact matching has its own problems: </a:t>
-            </a:r>
-          </a:p>
-          <a:p>
-            <a:pPr lvl="1"/>
-            <a:r>
-              <a:rPr lang="en-US" sz="2400" dirty="0">
-                <a:cs typeface="Times New Roman" panose="02020603050405020304" pitchFamily="18" charset="0"/>
-              </a:rPr>
-              <a:t>Small sample sizes (few matches)</a:t>
-            </a:r>
-          </a:p>
-          <a:p>
-            <a:pPr lvl="1"/>
-            <a:r>
-              <a:rPr lang="en-US" sz="2400" dirty="0">
-                <a:cs typeface="Times New Roman" panose="02020603050405020304" pitchFamily="18" charset="0"/>
-              </a:rPr>
-              <a:t>Continuous matching variables</a:t>
-            </a:r>
-          </a:p>
-          <a:p>
-            <a:pPr lvl="1"/>
-            <a:r>
-              <a:rPr lang="en-US" sz="2400" dirty="0">
-                <a:cs typeface="Times New Roman" panose="02020603050405020304" pitchFamily="18" charset="0"/>
-              </a:rPr>
-              <a:t>Inconsistent averages over a few observations (within cells) </a:t>
-            </a:r>
-          </a:p>
-          <a:p>
-            <a:pPr lvl="1"/>
-            <a:r>
-              <a:rPr lang="en-US" sz="2400" dirty="0">
-                <a:cs typeface="Times New Roman" panose="02020603050405020304" pitchFamily="18" charset="0"/>
-              </a:rPr>
-              <a:t>What if the people you are throwing out matter? </a:t>
-            </a:r>
-          </a:p>
-          <a:p>
-            <a:pPr marL="0" indent="0">
-              <a:buNone/>
-            </a:pPr>
-            <a:r>
-              <a:rPr lang="en-US" sz="2600" dirty="0">
-                <a:cs typeface="Times New Roman" panose="02020603050405020304" pitchFamily="18" charset="0"/>
-              </a:rPr>
-              <a:t>Generalize again! This time to</a:t>
-            </a:r>
-            <a:r>
-              <a:rPr lang="en-US" sz="2600" b="1" dirty="0">
-                <a:cs typeface="Times New Roman" panose="02020603050405020304" pitchFamily="18" charset="0"/>
-              </a:rPr>
-              <a:t> </a:t>
-            </a:r>
-            <a:r>
-              <a:rPr lang="en-US" sz="2600" b="1" dirty="0">
-                <a:solidFill>
-                  <a:schemeClr val="accent2">
-                    <a:lumMod val="75000"/>
-                  </a:schemeClr>
-                </a:solidFill>
-                <a:cs typeface="Times New Roman" panose="02020603050405020304" pitchFamily="18" charset="0"/>
-              </a:rPr>
-              <a:t>approximate matching: </a:t>
-            </a:r>
-          </a:p>
-          <a:p>
-            <a:pPr marL="514350" indent="-514350">
-              <a:buFont typeface="+mj-lt"/>
-              <a:buAutoNum type="arabicPeriod"/>
-            </a:pPr>
-            <a:r>
-              <a:rPr lang="en-US" sz="2600" b="1" dirty="0">
-                <a:solidFill>
-                  <a:schemeClr val="accent2">
-                    <a:lumMod val="75000"/>
-                  </a:schemeClr>
-                </a:solidFill>
-                <a:cs typeface="Times New Roman" panose="02020603050405020304" pitchFamily="18" charset="0"/>
-              </a:rPr>
-              <a:t>Nearest Neighbor Methods (NN)</a:t>
-            </a:r>
-          </a:p>
-          <a:p>
-            <a:pPr marL="514350" indent="-514350">
-              <a:buFont typeface="+mj-lt"/>
-              <a:buAutoNum type="arabicPeriod"/>
-            </a:pPr>
-            <a:r>
-              <a:rPr lang="en-US" sz="2600" b="1" dirty="0">
-                <a:solidFill>
-                  <a:schemeClr val="accent2">
-                    <a:lumMod val="75000"/>
-                  </a:schemeClr>
-                </a:solidFill>
-                <a:cs typeface="Times New Roman" panose="02020603050405020304" pitchFamily="18" charset="0"/>
-              </a:rPr>
-              <a:t>Propensity Score Matching (PSM)</a:t>
-            </a:r>
-          </a:p>
-          <a:p>
-            <a:pPr marL="514350" indent="-514350">
-              <a:buFont typeface="+mj-lt"/>
-              <a:buAutoNum type="arabicPeriod"/>
-            </a:pPr>
-            <a:r>
-              <a:rPr lang="en-US" sz="2600" b="1" dirty="0">
-                <a:solidFill>
-                  <a:schemeClr val="accent2">
-                    <a:lumMod val="75000"/>
-                  </a:schemeClr>
-                </a:solidFill>
-                <a:cs typeface="Times New Roman" panose="02020603050405020304" pitchFamily="18" charset="0"/>
-              </a:rPr>
-              <a:t>Inverse Probability Weighting (IPW)</a:t>
-            </a:r>
-            <a:endParaRPr lang="en-US" sz="2600" dirty="0">
-              <a:solidFill>
-                <a:schemeClr val="accent2">
-                  <a:lumMod val="75000"/>
-                </a:schemeClr>
-              </a:solidFill>
-              <a:cs typeface="Times New Roman" panose="02020603050405020304" pitchFamily="18" charset="0"/>
-            </a:endParaRPr>
-          </a:p>
-          <a:p>
-            <a:pPr marL="274320" lvl="1" indent="0">
-              <a:buNone/>
-            </a:pPr>
-            <a:endParaRPr lang="en-US" sz="2400" dirty="0">
-              <a:cs typeface="Times New Roman" panose="02020603050405020304" pitchFamily="18" charset="0"/>
-            </a:endParaRPr>
-          </a:p>
-        </p:txBody>
-      </p:sp>
-    </p:spTree>
-    <p:extLst>
-      <p:ext uri="{BB962C8B-B14F-4D97-AF65-F5344CB8AC3E}">
-        <p14:creationId xmlns:p14="http://schemas.microsoft.com/office/powerpoint/2010/main" val="1977658110"/>
-      </p:ext>
-    </p:extLst>
-  </p:cSld>
-  <p:clrMapOvr>
-    <a:masterClrMapping/>
-  </p:clrMapOvr>
-</p:sld>
-</file>
-
-<file path=ppt/slides/slide39.xml><?xml version="1.0" encoding="utf-8"?>
-<p:sld xmlns:a="http://schemas.openxmlformats.org/drawingml/2006/main" xmlns:r="http://schemas.openxmlformats.org/officeDocument/2006/relationships" xmlns:p="http://schemas.openxmlformats.org/presentationml/2006/main">
-  <p:cSld>
-    <p:spTree>
-      <p:nvGrpSpPr>
-        <p:cNvPr id="1" name=""/>
-        <p:cNvGrpSpPr/>
-        <p:nvPr/>
-      </p:nvGrpSpPr>
-      <p:grpSpPr>
-        <a:xfrm>
-          <a:off x="0" y="0"/>
-          <a:ext cx="0" cy="0"/>
-          <a:chOff x="0" y="0"/>
-          <a:chExt cx="0" cy="0"/>
-        </a:xfrm>
-      </p:grpSpPr>
-      <p:sp>
-        <p:nvSpPr>
-          <p:cNvPr id="2" name="Title 1"/>
-          <p:cNvSpPr>
-            <a:spLocks noGrp="1"/>
-          </p:cNvSpPr>
-          <p:nvPr>
-            <p:ph type="title"/>
-          </p:nvPr>
-        </p:nvSpPr>
-        <p:spPr>
-          <a:xfrm>
-            <a:off x="609600" y="228600"/>
-            <a:ext cx="10439400" cy="624840"/>
-          </a:xfrm>
-        </p:spPr>
-        <p:txBody>
-          <a:bodyPr>
-            <a:noAutofit/>
-          </a:bodyPr>
-          <a:lstStyle/>
-          <a:p>
-            <a:r>
-              <a:rPr lang="en-US" sz="3600" dirty="0">
-                <a:cs typeface="Times New Roman" panose="02020603050405020304" pitchFamily="18" charset="0"/>
-              </a:rPr>
-              <a:t>Approximate Matching: Nearest Neighbor</a:t>
-            </a:r>
-            <a:endParaRPr lang="en-US" sz="3600" dirty="0">
-              <a:latin typeface="Times New Roman" panose="02020603050405020304" pitchFamily="18" charset="0"/>
-              <a:cs typeface="Times New Roman" panose="02020603050405020304" pitchFamily="18" charset="0"/>
-            </a:endParaRPr>
-          </a:p>
-        </p:txBody>
-      </p:sp>
-      <p:sp>
-        <p:nvSpPr>
-          <p:cNvPr id="3" name="Content Placeholder 2"/>
-          <p:cNvSpPr>
-            <a:spLocks noGrp="1"/>
-          </p:cNvSpPr>
-          <p:nvPr>
-            <p:ph idx="1"/>
-          </p:nvPr>
-        </p:nvSpPr>
-        <p:spPr>
-          <a:xfrm>
-            <a:off x="609601" y="1066801"/>
-            <a:ext cx="10439400" cy="5141388"/>
-          </a:xfrm>
-        </p:spPr>
-        <p:txBody>
-          <a:bodyPr>
-            <a:noAutofit/>
-          </a:bodyPr>
-          <a:lstStyle/>
-          <a:p>
-            <a:pPr lvl="1"/>
-            <a:r>
-              <a:rPr lang="en-US" sz="2400" dirty="0">
-                <a:cs typeface="Times New Roman" panose="02020603050405020304" pitchFamily="18" charset="0"/>
-              </a:rPr>
-              <a:t>When exact matches aren’t possible, rely on </a:t>
-            </a:r>
-            <a:r>
-              <a:rPr lang="en-US" sz="2400" b="1" dirty="0">
-                <a:solidFill>
-                  <a:schemeClr val="accent2">
-                    <a:lumMod val="75000"/>
-                  </a:schemeClr>
-                </a:solidFill>
-                <a:cs typeface="Times New Roman" panose="02020603050405020304" pitchFamily="18" charset="0"/>
-              </a:rPr>
-              <a:t>collection of neighbors</a:t>
-            </a:r>
-          </a:p>
-          <a:p>
-            <a:pPr lvl="1"/>
-            <a:r>
-              <a:rPr lang="en-US" sz="2400" dirty="0">
-                <a:solidFill>
-                  <a:schemeClr val="tx1"/>
-                </a:solidFill>
-                <a:cs typeface="Times New Roman" panose="02020603050405020304" pitchFamily="18" charset="0"/>
-              </a:rPr>
-              <a:t>What does it mean to be a neighbor with multiple variables? </a:t>
-            </a:r>
-            <a:endParaRPr lang="en-US" sz="2200" dirty="0">
-              <a:solidFill>
-                <a:schemeClr val="tx1"/>
-              </a:solidFill>
-              <a:cs typeface="Times New Roman" panose="02020603050405020304" pitchFamily="18" charset="0"/>
-            </a:endParaRPr>
-          </a:p>
-        </p:txBody>
-      </p:sp>
-    </p:spTree>
-    <p:extLst>
-      <p:ext uri="{BB962C8B-B14F-4D97-AF65-F5344CB8AC3E}">
-        <p14:creationId xmlns:p14="http://schemas.microsoft.com/office/powerpoint/2010/main" val="1962400605"/>
-      </p:ext>
-    </p:extLst>
-  </p:cSld>
-  <p:clrMapOvr>
-    <a:masterClrMapping/>
-  </p:clrMapOvr>
-</p:sld>
-</file>
-
 <file path=ppt/slides/slide4.xml><?xml version="1.0" encoding="utf-8"?>
 <p:sld xmlns:a="http://schemas.openxmlformats.org/drawingml/2006/main" xmlns:r="http://schemas.openxmlformats.org/officeDocument/2006/relationships" xmlns:p="http://schemas.openxmlformats.org/presentationml/2006/main">
   <p:cSld>
@@ -18234,6 +18529,362 @@
 </file>
 
 <file path=ppt/slides/slide40.xml><?xml version="1.0" encoding="utf-8"?>
+<p:sld xmlns:a="http://schemas.openxmlformats.org/drawingml/2006/main" xmlns:r="http://schemas.openxmlformats.org/officeDocument/2006/relationships" xmlns:p="http://schemas.openxmlformats.org/presentationml/2006/main">
+  <p:cSld>
+    <p:spTree>
+      <p:nvGrpSpPr>
+        <p:cNvPr id="1" name=""/>
+        <p:cNvGrpSpPr/>
+        <p:nvPr/>
+      </p:nvGrpSpPr>
+      <p:grpSpPr>
+        <a:xfrm>
+          <a:off x="0" y="0"/>
+          <a:ext cx="0" cy="0"/>
+          <a:chOff x="0" y="0"/>
+          <a:chExt cx="0" cy="0"/>
+        </a:xfrm>
+      </p:grpSpPr>
+      <p:sp>
+        <p:nvSpPr>
+          <p:cNvPr id="2" name="Title 1"/>
+          <p:cNvSpPr>
+            <a:spLocks noGrp="1"/>
+          </p:cNvSpPr>
+          <p:nvPr>
+            <p:ph type="title"/>
+          </p:nvPr>
+        </p:nvSpPr>
+        <p:spPr>
+          <a:xfrm>
+            <a:off x="609600" y="228600"/>
+            <a:ext cx="10439400" cy="624840"/>
+          </a:xfrm>
+        </p:spPr>
+        <p:txBody>
+          <a:bodyPr>
+            <a:noAutofit/>
+          </a:bodyPr>
+          <a:lstStyle/>
+          <a:p>
+            <a:r>
+              <a:rPr lang="en-US" sz="3600" dirty="0">
+                <a:cs typeface="Times New Roman" panose="02020603050405020304" pitchFamily="18" charset="0"/>
+              </a:rPr>
+              <a:t>Exact Matching: Problems</a:t>
+            </a:r>
+            <a:endParaRPr lang="en-US" sz="3600" dirty="0">
+              <a:latin typeface="Times New Roman" panose="02020603050405020304" pitchFamily="18" charset="0"/>
+              <a:cs typeface="Times New Roman" panose="02020603050405020304" pitchFamily="18" charset="0"/>
+            </a:endParaRPr>
+          </a:p>
+        </p:txBody>
+      </p:sp>
+      <p:sp>
+        <p:nvSpPr>
+          <p:cNvPr id="3" name="Content Placeholder 2"/>
+          <p:cNvSpPr>
+            <a:spLocks noGrp="1"/>
+          </p:cNvSpPr>
+          <p:nvPr>
+            <p:ph idx="1"/>
+          </p:nvPr>
+        </p:nvSpPr>
+        <p:spPr>
+          <a:xfrm>
+            <a:off x="685801" y="1066801"/>
+            <a:ext cx="10363200" cy="5141388"/>
+          </a:xfrm>
+        </p:spPr>
+        <p:txBody>
+          <a:bodyPr>
+            <a:noAutofit/>
+          </a:bodyPr>
+          <a:lstStyle/>
+          <a:p>
+            <a:pPr marL="274320" lvl="1" indent="0">
+              <a:buNone/>
+            </a:pPr>
+            <a:r>
+              <a:rPr lang="en-US" sz="2400" dirty="0">
+                <a:cs typeface="Times New Roman" panose="02020603050405020304" pitchFamily="18" charset="0"/>
+              </a:rPr>
+              <a:t>Exact matching has its own problems: </a:t>
+            </a:r>
+          </a:p>
+          <a:p>
+            <a:pPr lvl="1"/>
+            <a:r>
+              <a:rPr lang="en-US" sz="2400" dirty="0">
+                <a:cs typeface="Times New Roman" panose="02020603050405020304" pitchFamily="18" charset="0"/>
+              </a:rPr>
+              <a:t>Small sample sizes (few matches)</a:t>
+            </a:r>
+          </a:p>
+          <a:p>
+            <a:pPr lvl="1"/>
+            <a:r>
+              <a:rPr lang="en-US" sz="2400" dirty="0">
+                <a:cs typeface="Times New Roman" panose="02020603050405020304" pitchFamily="18" charset="0"/>
+              </a:rPr>
+              <a:t>Continuous matching variables</a:t>
+            </a:r>
+          </a:p>
+          <a:p>
+            <a:pPr lvl="1"/>
+            <a:r>
+              <a:rPr lang="en-US" sz="2400" dirty="0">
+                <a:cs typeface="Times New Roman" panose="02020603050405020304" pitchFamily="18" charset="0"/>
+              </a:rPr>
+              <a:t>Inconsistent averages over a few observations (within cells) </a:t>
+            </a:r>
+          </a:p>
+          <a:p>
+            <a:pPr lvl="1"/>
+            <a:r>
+              <a:rPr lang="en-US" sz="2400" dirty="0">
+                <a:cs typeface="Times New Roman" panose="02020603050405020304" pitchFamily="18" charset="0"/>
+              </a:rPr>
+              <a:t>What if the people you are throwing out matter? </a:t>
+            </a:r>
+          </a:p>
+          <a:p>
+            <a:pPr marL="0" indent="0">
+              <a:buNone/>
+            </a:pPr>
+            <a:r>
+              <a:rPr lang="en-US" sz="2600" dirty="0">
+                <a:cs typeface="Times New Roman" panose="02020603050405020304" pitchFamily="18" charset="0"/>
+              </a:rPr>
+              <a:t>Generalize again! This time to</a:t>
+            </a:r>
+            <a:r>
+              <a:rPr lang="en-US" sz="2600" b="1" dirty="0">
+                <a:cs typeface="Times New Roman" panose="02020603050405020304" pitchFamily="18" charset="0"/>
+              </a:rPr>
+              <a:t> </a:t>
+            </a:r>
+            <a:r>
+              <a:rPr lang="en-US" sz="2600" b="1" dirty="0">
+                <a:solidFill>
+                  <a:schemeClr val="accent2">
+                    <a:lumMod val="75000"/>
+                  </a:schemeClr>
+                </a:solidFill>
+                <a:cs typeface="Times New Roman" panose="02020603050405020304" pitchFamily="18" charset="0"/>
+              </a:rPr>
+              <a:t>approximate matching: </a:t>
+            </a:r>
+          </a:p>
+          <a:p>
+            <a:pPr marL="514350" indent="-514350">
+              <a:buFont typeface="+mj-lt"/>
+              <a:buAutoNum type="arabicPeriod"/>
+            </a:pPr>
+            <a:r>
+              <a:rPr lang="en-US" sz="2600" b="1" dirty="0">
+                <a:solidFill>
+                  <a:schemeClr val="accent2">
+                    <a:lumMod val="75000"/>
+                  </a:schemeClr>
+                </a:solidFill>
+                <a:cs typeface="Times New Roman" panose="02020603050405020304" pitchFamily="18" charset="0"/>
+              </a:rPr>
+              <a:t>Nearest Neighbor Methods (NN)</a:t>
+            </a:r>
+          </a:p>
+          <a:p>
+            <a:pPr marL="514350" indent="-514350">
+              <a:buFont typeface="+mj-lt"/>
+              <a:buAutoNum type="arabicPeriod"/>
+            </a:pPr>
+            <a:r>
+              <a:rPr lang="en-US" sz="2600" b="1" dirty="0">
+                <a:solidFill>
+                  <a:schemeClr val="accent2">
+                    <a:lumMod val="75000"/>
+                  </a:schemeClr>
+                </a:solidFill>
+                <a:cs typeface="Times New Roman" panose="02020603050405020304" pitchFamily="18" charset="0"/>
+              </a:rPr>
+              <a:t>Propensity Score Matching (PSM)</a:t>
+            </a:r>
+          </a:p>
+          <a:p>
+            <a:pPr marL="514350" indent="-514350">
+              <a:buFont typeface="+mj-lt"/>
+              <a:buAutoNum type="arabicPeriod"/>
+            </a:pPr>
+            <a:r>
+              <a:rPr lang="en-US" sz="2600" b="1" dirty="0">
+                <a:solidFill>
+                  <a:schemeClr val="accent2">
+                    <a:lumMod val="75000"/>
+                  </a:schemeClr>
+                </a:solidFill>
+                <a:cs typeface="Times New Roman" panose="02020603050405020304" pitchFamily="18" charset="0"/>
+              </a:rPr>
+              <a:t>Inverse Probability Weighting (IPW)</a:t>
+            </a:r>
+            <a:endParaRPr lang="en-US" sz="2600" dirty="0">
+              <a:solidFill>
+                <a:schemeClr val="accent2">
+                  <a:lumMod val="75000"/>
+                </a:schemeClr>
+              </a:solidFill>
+              <a:cs typeface="Times New Roman" panose="02020603050405020304" pitchFamily="18" charset="0"/>
+            </a:endParaRPr>
+          </a:p>
+          <a:p>
+            <a:pPr marL="274320" lvl="1" indent="0">
+              <a:buNone/>
+            </a:pPr>
+            <a:endParaRPr lang="en-US" sz="2400" dirty="0">
+              <a:cs typeface="Times New Roman" panose="02020603050405020304" pitchFamily="18" charset="0"/>
+            </a:endParaRPr>
+          </a:p>
+        </p:txBody>
+      </p:sp>
+    </p:spTree>
+    <p:extLst>
+      <p:ext uri="{BB962C8B-B14F-4D97-AF65-F5344CB8AC3E}">
+        <p14:creationId xmlns:p14="http://schemas.microsoft.com/office/powerpoint/2010/main" val="1977658110"/>
+      </p:ext>
+    </p:extLst>
+  </p:cSld>
+  <p:clrMapOvr>
+    <a:masterClrMapping/>
+  </p:clrMapOvr>
+</p:sld>
+</file>
+
+<file path=ppt/slides/slide41.xml><?xml version="1.0" encoding="utf-8"?>
+<p:sld xmlns:a="http://schemas.openxmlformats.org/drawingml/2006/main" xmlns:r="http://schemas.openxmlformats.org/officeDocument/2006/relationships" xmlns:p="http://schemas.openxmlformats.org/presentationml/2006/main">
+  <p:cSld>
+    <p:spTree>
+      <p:nvGrpSpPr>
+        <p:cNvPr id="1" name=""/>
+        <p:cNvGrpSpPr/>
+        <p:nvPr/>
+      </p:nvGrpSpPr>
+      <p:grpSpPr>
+        <a:xfrm>
+          <a:off x="0" y="0"/>
+          <a:ext cx="0" cy="0"/>
+          <a:chOff x="0" y="0"/>
+          <a:chExt cx="0" cy="0"/>
+        </a:xfrm>
+      </p:grpSpPr>
+      <p:sp>
+        <p:nvSpPr>
+          <p:cNvPr id="2" name="Title 1"/>
+          <p:cNvSpPr>
+            <a:spLocks noGrp="1"/>
+          </p:cNvSpPr>
+          <p:nvPr>
+            <p:ph type="title"/>
+          </p:nvPr>
+        </p:nvSpPr>
+        <p:spPr>
+          <a:xfrm>
+            <a:off x="609600" y="228600"/>
+            <a:ext cx="10439400" cy="624840"/>
+          </a:xfrm>
+        </p:spPr>
+        <p:txBody>
+          <a:bodyPr>
+            <a:noAutofit/>
+          </a:bodyPr>
+          <a:lstStyle/>
+          <a:p>
+            <a:r>
+              <a:rPr lang="en-US" sz="3600" dirty="0">
+                <a:cs typeface="Times New Roman" panose="02020603050405020304" pitchFamily="18" charset="0"/>
+              </a:rPr>
+              <a:t>Approximate Matching: Nearest Neighbor</a:t>
+            </a:r>
+            <a:endParaRPr lang="en-US" sz="3600" dirty="0">
+              <a:latin typeface="Times New Roman" panose="02020603050405020304" pitchFamily="18" charset="0"/>
+              <a:cs typeface="Times New Roman" panose="02020603050405020304" pitchFamily="18" charset="0"/>
+            </a:endParaRPr>
+          </a:p>
+        </p:txBody>
+      </p:sp>
+      <p:sp>
+        <p:nvSpPr>
+          <p:cNvPr id="3" name="Content Placeholder 2"/>
+          <p:cNvSpPr>
+            <a:spLocks noGrp="1"/>
+          </p:cNvSpPr>
+          <p:nvPr>
+            <p:ph idx="1"/>
+          </p:nvPr>
+        </p:nvSpPr>
+        <p:spPr>
+          <a:xfrm>
+            <a:off x="609601" y="1066801"/>
+            <a:ext cx="10439400" cy="5141388"/>
+          </a:xfrm>
+        </p:spPr>
+        <p:txBody>
+          <a:bodyPr>
+            <a:noAutofit/>
+          </a:bodyPr>
+          <a:lstStyle/>
+          <a:p>
+            <a:pPr lvl="1"/>
+            <a:r>
+              <a:rPr lang="en-US" sz="2400" dirty="0">
+                <a:cs typeface="Times New Roman" panose="02020603050405020304" pitchFamily="18" charset="0"/>
+              </a:rPr>
+              <a:t>When exact matches aren’t possible, rely on </a:t>
+            </a:r>
+            <a:r>
+              <a:rPr lang="en-US" sz="2400" b="1" dirty="0">
+                <a:solidFill>
+                  <a:schemeClr val="accent2">
+                    <a:lumMod val="75000"/>
+                  </a:schemeClr>
+                </a:solidFill>
+                <a:cs typeface="Times New Roman" panose="02020603050405020304" pitchFamily="18" charset="0"/>
+              </a:rPr>
+              <a:t>collection of neighbors</a:t>
+            </a:r>
+          </a:p>
+          <a:p>
+            <a:pPr lvl="1"/>
+            <a:r>
+              <a:rPr lang="en-US" sz="2400" dirty="0">
+                <a:solidFill>
+                  <a:schemeClr val="tx1"/>
+                </a:solidFill>
+                <a:cs typeface="Times New Roman" panose="02020603050405020304" pitchFamily="18" charset="0"/>
+              </a:rPr>
+              <a:t>What does it mean to be a neighbor with multiple variables? </a:t>
+            </a:r>
+            <a:endParaRPr lang="en-US" sz="2200" dirty="0">
+              <a:solidFill>
+                <a:schemeClr val="tx1"/>
+              </a:solidFill>
+              <a:cs typeface="Times New Roman" panose="02020603050405020304" pitchFamily="18" charset="0"/>
+            </a:endParaRPr>
+          </a:p>
+        </p:txBody>
+      </p:sp>
+    </p:spTree>
+    <p:extLst>
+      <p:ext uri="{BB962C8B-B14F-4D97-AF65-F5344CB8AC3E}">
+        <p14:creationId xmlns:p14="http://schemas.microsoft.com/office/powerpoint/2010/main" val="1962400605"/>
+      </p:ext>
+    </p:extLst>
+  </p:cSld>
+  <p:clrMapOvr>
+    <a:masterClrMapping/>
+  </p:clrMapOvr>
+</p:sld>
+</file>
+
+<file path=ppt/slides/slide42.xml><?xml version="1.0" encoding="utf-8"?>
 <p:sld xmlns:a="http://schemas.openxmlformats.org/drawingml/2006/main" xmlns:r="http://schemas.openxmlformats.org/officeDocument/2006/relationships" xmlns:p="http://schemas.openxmlformats.org/presentationml/2006/main">
   <p:cSld>
     <p:spTree>
@@ -18884,7 +19535,7 @@
 </p:sld>
 </file>
 
-<file path=ppt/slides/slide41.xml><?xml version="1.0" encoding="utf-8"?>
+<file path=ppt/slides/slide43.xml><?xml version="1.0" encoding="utf-8"?>
 <p:sld xmlns:a="http://schemas.openxmlformats.org/drawingml/2006/main" xmlns:r="http://schemas.openxmlformats.org/officeDocument/2006/relationships" xmlns:p="http://schemas.openxmlformats.org/presentationml/2006/main">
   <p:cSld>
     <p:spTree>
@@ -19575,7 +20226,7 @@
 </p:sld>
 </file>
 
-<file path=ppt/slides/slide42.xml><?xml version="1.0" encoding="utf-8"?>
+<file path=ppt/slides/slide44.xml><?xml version="1.0" encoding="utf-8"?>
 <p:sld xmlns:a="http://schemas.openxmlformats.org/drawingml/2006/main" xmlns:r="http://schemas.openxmlformats.org/officeDocument/2006/relationships" xmlns:p="http://schemas.openxmlformats.org/presentationml/2006/main">
   <p:cSld>
     <p:spTree>
@@ -19701,7 +20352,7 @@
 </p:sld>
 </file>
 
-<file path=ppt/slides/slide43.xml><?xml version="1.0" encoding="utf-8"?>
+<file path=ppt/slides/slide45.xml><?xml version="1.0" encoding="utf-8"?>
 <p:sld xmlns:a="http://schemas.openxmlformats.org/drawingml/2006/main" xmlns:r="http://schemas.openxmlformats.org/officeDocument/2006/relationships" xmlns:p="http://schemas.openxmlformats.org/presentationml/2006/main">
   <p:cSld>
     <p:spTree>
@@ -19881,7 +20532,7 @@
 </p:sld>
 </file>
 
-<file path=ppt/slides/slide44.xml><?xml version="1.0" encoding="utf-8"?>
+<file path=ppt/slides/slide46.xml><?xml version="1.0" encoding="utf-8"?>
 <p:sld xmlns:a="http://schemas.openxmlformats.org/drawingml/2006/main" xmlns:r="http://schemas.openxmlformats.org/officeDocument/2006/relationships" xmlns:p="http://schemas.openxmlformats.org/presentationml/2006/main">
   <p:cSld>
     <p:spTree>
@@ -20113,7 +20764,7 @@
 </p:sld>
 </file>
 
-<file path=ppt/slides/slide45.xml><?xml version="1.0" encoding="utf-8"?>
+<file path=ppt/slides/slide47.xml><?xml version="1.0" encoding="utf-8"?>
 <p:sld xmlns:a="http://schemas.openxmlformats.org/drawingml/2006/main" xmlns:r="http://schemas.openxmlformats.org/officeDocument/2006/relationships" xmlns:p="http://schemas.openxmlformats.org/presentationml/2006/main">
   <p:cSld>
     <p:spTree>
@@ -20345,7 +20996,7 @@
 </p:sld>
 </file>
 
-<file path=ppt/slides/slide46.xml><?xml version="1.0" encoding="utf-8"?>
+<file path=ppt/slides/slide48.xml><?xml version="1.0" encoding="utf-8"?>
 <p:sld xmlns:a="http://schemas.openxmlformats.org/drawingml/2006/main" xmlns:r="http://schemas.openxmlformats.org/officeDocument/2006/relationships" xmlns:p="http://schemas.openxmlformats.org/presentationml/2006/main">
   <p:cSld>
     <p:spTree>
@@ -20666,7 +21317,7 @@
 </p:sld>
 </file>
 
-<file path=ppt/slides/slide47.xml><?xml version="1.0" encoding="utf-8"?>
+<file path=ppt/slides/slide49.xml><?xml version="1.0" encoding="utf-8"?>
 <p:sld xmlns:a="http://schemas.openxmlformats.org/drawingml/2006/main" xmlns:r="http://schemas.openxmlformats.org/officeDocument/2006/relationships" xmlns:p="http://schemas.openxmlformats.org/presentationml/2006/main">
   <p:cSld>
     <p:spTree>
@@ -21007,7 +21658,334 @@
 </p:sld>
 </file>
 
-<file path=ppt/slides/slide48.xml><?xml version="1.0" encoding="utf-8"?>
+<file path=ppt/slides/slide5.xml><?xml version="1.0" encoding="utf-8"?>
+<p:sld xmlns:a="http://schemas.openxmlformats.org/drawingml/2006/main" xmlns:r="http://schemas.openxmlformats.org/officeDocument/2006/relationships" xmlns:p="http://schemas.openxmlformats.org/presentationml/2006/main">
+  <p:cSld>
+    <p:spTree>
+      <p:nvGrpSpPr>
+        <p:cNvPr id="1" name=""/>
+        <p:cNvGrpSpPr/>
+        <p:nvPr/>
+      </p:nvGrpSpPr>
+      <p:grpSpPr>
+        <a:xfrm>
+          <a:off x="0" y="0"/>
+          <a:ext cx="0" cy="0"/>
+          <a:chOff x="0" y="0"/>
+          <a:chExt cx="0" cy="0"/>
+        </a:xfrm>
+      </p:grpSpPr>
+      <p:sp>
+        <p:nvSpPr>
+          <p:cNvPr id="2" name="Title 1"/>
+          <p:cNvSpPr>
+            <a:spLocks noGrp="1"/>
+          </p:cNvSpPr>
+          <p:nvPr>
+            <p:ph type="title"/>
+          </p:nvPr>
+        </p:nvSpPr>
+        <p:spPr>
+          <a:xfrm>
+            <a:off x="609600" y="337392"/>
+            <a:ext cx="10439400" cy="624840"/>
+          </a:xfrm>
+        </p:spPr>
+        <p:txBody>
+          <a:bodyPr>
+            <a:noAutofit/>
+          </a:bodyPr>
+          <a:lstStyle/>
+          <a:p>
+            <a:r>
+              <a:rPr lang="en-US" sz="3600" dirty="0">
+                <a:cs typeface="Times New Roman" panose="02020603050405020304" pitchFamily="18" charset="0"/>
+              </a:rPr>
+              <a:t>Causal Inference: Satisfying the Backdoor Criterion</a:t>
+            </a:r>
+            <a:endParaRPr lang="en-US" sz="3600" dirty="0">
+              <a:latin typeface="Times New Roman" panose="02020603050405020304" pitchFamily="18" charset="0"/>
+              <a:cs typeface="Times New Roman" panose="02020603050405020304" pitchFamily="18" charset="0"/>
+            </a:endParaRPr>
+          </a:p>
+        </p:txBody>
+      </p:sp>
+      <mc:AlternateContent xmlns:mc="http://schemas.openxmlformats.org/markup-compatibility/2006" xmlns:a14="http://schemas.microsoft.com/office/drawing/2010/main">
+        <mc:Choice Requires="a14">
+          <p:sp>
+            <p:nvSpPr>
+              <p:cNvPr id="3" name="Content Placeholder 2"/>
+              <p:cNvSpPr>
+                <a:spLocks noGrp="1"/>
+              </p:cNvSpPr>
+              <p:nvPr>
+                <p:ph idx="1"/>
+              </p:nvPr>
+            </p:nvSpPr>
+            <p:spPr>
+              <a:xfrm>
+                <a:off x="1219199" y="1066801"/>
+                <a:ext cx="9829801" cy="5141388"/>
+              </a:xfrm>
+            </p:spPr>
+            <p:txBody>
+              <a:bodyPr>
+                <a:noAutofit/>
+              </a:bodyPr>
+              <a:lstStyle/>
+              <a:p>
+                <a:r>
+                  <a:rPr lang="en-US" sz="2400" dirty="0">
+                    <a:cs typeface="Times New Roman" panose="02020603050405020304" pitchFamily="18" charset="0"/>
+                  </a:rPr>
+                  <a:t>If we want the effect of </a:t>
+                </a:r>
+                <a14:m>
+                  <m:oMath xmlns:m="http://schemas.openxmlformats.org/officeDocument/2006/math">
+                    <m:r>
+                      <a:rPr lang="en-US" sz="2400" b="0" i="1" smtClean="0">
+                        <a:latin typeface="Cambria Math" panose="02040503050406030204" pitchFamily="18" charset="0"/>
+                        <a:cs typeface="Times New Roman" panose="02020603050405020304" pitchFamily="18" charset="0"/>
+                      </a:rPr>
+                      <m:t>𝑋</m:t>
+                    </m:r>
+                  </m:oMath>
+                </a14:m>
+                <a:r>
+                  <a:rPr lang="en-US" sz="2400" dirty="0">
+                    <a:cs typeface="Times New Roman" panose="02020603050405020304" pitchFamily="18" charset="0"/>
+                  </a:rPr>
+                  <a:t> on </a:t>
+                </a:r>
+                <a14:m>
+                  <m:oMath xmlns:m="http://schemas.openxmlformats.org/officeDocument/2006/math">
+                    <m:r>
+                      <a:rPr lang="en-US" sz="2400" b="0" i="1" smtClean="0">
+                        <a:latin typeface="Cambria Math" panose="02040503050406030204" pitchFamily="18" charset="0"/>
+                        <a:cs typeface="Times New Roman" panose="02020603050405020304" pitchFamily="18" charset="0"/>
+                      </a:rPr>
+                      <m:t>𝑌</m:t>
+                    </m:r>
+                  </m:oMath>
+                </a14:m>
+                <a:r>
+                  <a:rPr lang="en-US" sz="2400" dirty="0">
+                    <a:cs typeface="Times New Roman" panose="02020603050405020304" pitchFamily="18" charset="0"/>
+                  </a:rPr>
+                  <a:t>, we need to satisfy </a:t>
+                </a:r>
+                <a:r>
+                  <a:rPr lang="en-US" sz="2400" b="1" dirty="0">
+                    <a:solidFill>
+                      <a:schemeClr val="accent2">
+                        <a:lumMod val="75000"/>
+                      </a:schemeClr>
+                    </a:solidFill>
+                    <a:cs typeface="Times New Roman" panose="02020603050405020304" pitchFamily="18" charset="0"/>
+                  </a:rPr>
+                  <a:t>the backdoor criterion</a:t>
+                </a:r>
+              </a:p>
+              <a:p>
+                <a:endParaRPr lang="en-US" sz="2400" b="1" dirty="0">
+                  <a:cs typeface="Times New Roman" panose="02020603050405020304" pitchFamily="18" charset="0"/>
+                </a:endParaRPr>
+              </a:p>
+              <a:p>
+                <a:endParaRPr lang="en-US" sz="2400" b="1" dirty="0">
+                  <a:cs typeface="Times New Roman" panose="02020603050405020304" pitchFamily="18" charset="0"/>
+                </a:endParaRPr>
+              </a:p>
+              <a:p>
+                <a:endParaRPr lang="en-US" sz="2400" b="1" dirty="0">
+                  <a:cs typeface="Times New Roman" panose="02020603050405020304" pitchFamily="18" charset="0"/>
+                </a:endParaRPr>
+              </a:p>
+              <a:p>
+                <a:endParaRPr lang="en-US" sz="2400" b="1" dirty="0">
+                  <a:cs typeface="Times New Roman" panose="02020603050405020304" pitchFamily="18" charset="0"/>
+                </a:endParaRPr>
+              </a:p>
+              <a:p>
+                <a:endParaRPr lang="en-US" sz="2400" b="1" dirty="0">
+                  <a:cs typeface="Times New Roman" panose="02020603050405020304" pitchFamily="18" charset="0"/>
+                </a:endParaRPr>
+              </a:p>
+              <a:p>
+                <a:pPr marL="0" indent="0">
+                  <a:buNone/>
+                </a:pPr>
+                <a:endParaRPr lang="en-US" sz="2400" b="1" dirty="0">
+                  <a:cs typeface="Times New Roman" panose="02020603050405020304" pitchFamily="18" charset="0"/>
+                </a:endParaRPr>
+              </a:p>
+              <a:p>
+                <a:r>
+                  <a:rPr lang="en-US" sz="2400" b="1" dirty="0">
+                    <a:solidFill>
+                      <a:schemeClr val="accent2">
+                        <a:lumMod val="75000"/>
+                      </a:schemeClr>
+                    </a:solidFill>
+                    <a:cs typeface="Times New Roman" panose="02020603050405020304" pitchFamily="18" charset="0"/>
+                  </a:rPr>
+                  <a:t>Key for today: </a:t>
+                </a:r>
+                <a:r>
+                  <a:rPr lang="en-US" sz="2400" dirty="0">
+                    <a:solidFill>
+                      <a:schemeClr val="accent2">
+                        <a:lumMod val="75000"/>
+                      </a:schemeClr>
+                    </a:solidFill>
+                    <a:cs typeface="Times New Roman" panose="02020603050405020304" pitchFamily="18" charset="0"/>
+                  </a:rPr>
+                  <a:t>if there isn’t variation in </a:t>
+                </a:r>
+                <a14:m>
+                  <m:oMath xmlns:m="http://schemas.openxmlformats.org/officeDocument/2006/math">
+                    <m:r>
+                      <a:rPr lang="en-US" sz="2400" b="0" i="1" smtClean="0">
+                        <a:solidFill>
+                          <a:schemeClr val="accent2">
+                            <a:lumMod val="75000"/>
+                          </a:schemeClr>
+                        </a:solidFill>
+                        <a:latin typeface="Cambria Math" panose="02040503050406030204" pitchFamily="18" charset="0"/>
+                        <a:cs typeface="Times New Roman" panose="02020603050405020304" pitchFamily="18" charset="0"/>
+                      </a:rPr>
+                      <m:t>𝑊</m:t>
+                    </m:r>
+                  </m:oMath>
+                </a14:m>
+                <a:r>
+                  <a:rPr lang="en-US" sz="2400" dirty="0">
+                    <a:solidFill>
+                      <a:schemeClr val="accent2">
+                        <a:lumMod val="75000"/>
+                      </a:schemeClr>
+                    </a:solidFill>
+                    <a:cs typeface="Times New Roman" panose="02020603050405020304" pitchFamily="18" charset="0"/>
+                  </a:rPr>
+                  <a:t>, then no backdoors through </a:t>
+                </a:r>
+                <a14:m>
+                  <m:oMath xmlns:m="http://schemas.openxmlformats.org/officeDocument/2006/math">
+                    <m:r>
+                      <a:rPr lang="en-US" sz="2400" b="0" i="1" smtClean="0">
+                        <a:solidFill>
+                          <a:schemeClr val="accent2">
+                            <a:lumMod val="75000"/>
+                          </a:schemeClr>
+                        </a:solidFill>
+                        <a:latin typeface="Cambria Math" panose="02040503050406030204" pitchFamily="18" charset="0"/>
+                        <a:cs typeface="Times New Roman" panose="02020603050405020304" pitchFamily="18" charset="0"/>
+                      </a:rPr>
+                      <m:t>𝑊</m:t>
+                    </m:r>
+                    <m:r>
+                      <a:rPr lang="en-US" sz="2400" b="0" i="1" smtClean="0">
+                        <a:solidFill>
+                          <a:schemeClr val="accent2">
+                            <a:lumMod val="75000"/>
+                          </a:schemeClr>
+                        </a:solidFill>
+                        <a:latin typeface="Cambria Math" panose="02040503050406030204" pitchFamily="18" charset="0"/>
+                        <a:cs typeface="Times New Roman" panose="02020603050405020304" pitchFamily="18" charset="0"/>
+                      </a:rPr>
+                      <m:t>!</m:t>
+                    </m:r>
+                  </m:oMath>
+                </a14:m>
+                <a:endParaRPr lang="en-US" sz="2400" dirty="0">
+                  <a:cs typeface="Times New Roman" panose="02020603050405020304" pitchFamily="18" charset="0"/>
+                </a:endParaRPr>
+              </a:p>
+            </p:txBody>
+          </p:sp>
+        </mc:Choice>
+        <mc:Fallback xmlns="">
+          <p:sp>
+            <p:nvSpPr>
+              <p:cNvPr id="3" name="Content Placeholder 2"/>
+              <p:cNvSpPr>
+                <a:spLocks noGrp="1" noRot="1" noChangeAspect="1" noMove="1" noResize="1" noEditPoints="1" noAdjustHandles="1" noChangeArrowheads="1" noChangeShapeType="1" noTextEdit="1"/>
+              </p:cNvSpPr>
+              <p:nvPr>
+                <p:ph idx="1"/>
+              </p:nvPr>
+            </p:nvSpPr>
+            <p:spPr>
+              <a:xfrm>
+                <a:off x="1219199" y="1066801"/>
+                <a:ext cx="9829801" cy="5141388"/>
+              </a:xfrm>
+              <a:blipFill>
+                <a:blip r:embed="rId3"/>
+                <a:stretch>
+                  <a:fillRect l="-434" t="-1305"/>
+                </a:stretch>
+              </a:blipFill>
+            </p:spPr>
+            <p:txBody>
+              <a:bodyPr/>
+              <a:lstStyle/>
+              <a:p>
+                <a:r>
+                  <a:rPr lang="en-CA">
+                    <a:noFill/>
+                  </a:rPr>
+                  <a:t> </a:t>
+                </a:r>
+              </a:p>
+            </p:txBody>
+          </p:sp>
+        </mc:Fallback>
+      </mc:AlternateContent>
+      <p:pic>
+        <p:nvPicPr>
+          <p:cNvPr id="5" name="Picture 4">
+            <a:extLst>
+              <a:ext uri="{FF2B5EF4-FFF2-40B4-BE49-F238E27FC236}">
+                <a16:creationId xmlns:a16="http://schemas.microsoft.com/office/drawing/2014/main" id="{AC97B542-F4FC-0526-2803-160792BE6C9F}"/>
+              </a:ext>
+            </a:extLst>
+          </p:cNvPr>
+          <p:cNvPicPr>
+            <a:picLocks noChangeAspect="1"/>
+          </p:cNvPicPr>
+          <p:nvPr/>
+        </p:nvPicPr>
+        <p:blipFill>
+          <a:blip r:embed="rId4"/>
+          <a:stretch>
+            <a:fillRect/>
+          </a:stretch>
+        </p:blipFill>
+        <p:spPr>
+          <a:xfrm>
+            <a:off x="1143000" y="1066801"/>
+            <a:ext cx="9772246" cy="3457368"/>
+          </a:xfrm>
+          <a:prstGeom prst="rect">
+            <a:avLst/>
+          </a:prstGeom>
+        </p:spPr>
+      </p:pic>
+    </p:spTree>
+    <p:extLst>
+      <p:ext uri="{BB962C8B-B14F-4D97-AF65-F5344CB8AC3E}">
+        <p14:creationId xmlns:p14="http://schemas.microsoft.com/office/powerpoint/2010/main" val="1218761096"/>
+      </p:ext>
+    </p:extLst>
+  </p:cSld>
+  <p:clrMapOvr>
+    <a:masterClrMapping/>
+  </p:clrMapOvr>
+</p:sld>
+</file>
+
+<file path=ppt/slides/slide50.xml><?xml version="1.0" encoding="utf-8"?>
 <p:sld xmlns:a="http://schemas.openxmlformats.org/drawingml/2006/main" xmlns:r="http://schemas.openxmlformats.org/officeDocument/2006/relationships" xmlns:p="http://schemas.openxmlformats.org/presentationml/2006/main">
   <p:cSld>
     <p:spTree>
@@ -21378,7 +22356,7 @@
 </p:sld>
 </file>
 
-<file path=ppt/slides/slide49.xml><?xml version="1.0" encoding="utf-8"?>
+<file path=ppt/slides/slide51.xml><?xml version="1.0" encoding="utf-8"?>
 <p:sld xmlns:a="http://schemas.openxmlformats.org/drawingml/2006/main" xmlns:r="http://schemas.openxmlformats.org/officeDocument/2006/relationships" xmlns:p="http://schemas.openxmlformats.org/presentationml/2006/main">
   <p:cSld>
     <p:spTree>
@@ -21876,334 +22854,7 @@
 </p:sld>
 </file>
 
-<file path=ppt/slides/slide5.xml><?xml version="1.0" encoding="utf-8"?>
-<p:sld xmlns:a="http://schemas.openxmlformats.org/drawingml/2006/main" xmlns:r="http://schemas.openxmlformats.org/officeDocument/2006/relationships" xmlns:p="http://schemas.openxmlformats.org/presentationml/2006/main">
-  <p:cSld>
-    <p:spTree>
-      <p:nvGrpSpPr>
-        <p:cNvPr id="1" name=""/>
-        <p:cNvGrpSpPr/>
-        <p:nvPr/>
-      </p:nvGrpSpPr>
-      <p:grpSpPr>
-        <a:xfrm>
-          <a:off x="0" y="0"/>
-          <a:ext cx="0" cy="0"/>
-          <a:chOff x="0" y="0"/>
-          <a:chExt cx="0" cy="0"/>
-        </a:xfrm>
-      </p:grpSpPr>
-      <p:sp>
-        <p:nvSpPr>
-          <p:cNvPr id="2" name="Title 1"/>
-          <p:cNvSpPr>
-            <a:spLocks noGrp="1"/>
-          </p:cNvSpPr>
-          <p:nvPr>
-            <p:ph type="title"/>
-          </p:nvPr>
-        </p:nvSpPr>
-        <p:spPr>
-          <a:xfrm>
-            <a:off x="609600" y="337392"/>
-            <a:ext cx="10439400" cy="624840"/>
-          </a:xfrm>
-        </p:spPr>
-        <p:txBody>
-          <a:bodyPr>
-            <a:noAutofit/>
-          </a:bodyPr>
-          <a:lstStyle/>
-          <a:p>
-            <a:r>
-              <a:rPr lang="en-US" sz="3600" dirty="0">
-                <a:cs typeface="Times New Roman" panose="02020603050405020304" pitchFamily="18" charset="0"/>
-              </a:rPr>
-              <a:t>Causal Inference: Satisfying the Backdoor Criterion</a:t>
-            </a:r>
-            <a:endParaRPr lang="en-US" sz="3600" dirty="0">
-              <a:latin typeface="Times New Roman" panose="02020603050405020304" pitchFamily="18" charset="0"/>
-              <a:cs typeface="Times New Roman" panose="02020603050405020304" pitchFamily="18" charset="0"/>
-            </a:endParaRPr>
-          </a:p>
-        </p:txBody>
-      </p:sp>
-      <mc:AlternateContent xmlns:mc="http://schemas.openxmlformats.org/markup-compatibility/2006" xmlns:a14="http://schemas.microsoft.com/office/drawing/2010/main">
-        <mc:Choice Requires="a14">
-          <p:sp>
-            <p:nvSpPr>
-              <p:cNvPr id="3" name="Content Placeholder 2"/>
-              <p:cNvSpPr>
-                <a:spLocks noGrp="1"/>
-              </p:cNvSpPr>
-              <p:nvPr>
-                <p:ph idx="1"/>
-              </p:nvPr>
-            </p:nvSpPr>
-            <p:spPr>
-              <a:xfrm>
-                <a:off x="1219199" y="1066801"/>
-                <a:ext cx="9829801" cy="5141388"/>
-              </a:xfrm>
-            </p:spPr>
-            <p:txBody>
-              <a:bodyPr>
-                <a:noAutofit/>
-              </a:bodyPr>
-              <a:lstStyle/>
-              <a:p>
-                <a:r>
-                  <a:rPr lang="en-US" sz="2400" dirty="0">
-                    <a:cs typeface="Times New Roman" panose="02020603050405020304" pitchFamily="18" charset="0"/>
-                  </a:rPr>
-                  <a:t>If we want the effect of </a:t>
-                </a:r>
-                <a14:m>
-                  <m:oMath xmlns:m="http://schemas.openxmlformats.org/officeDocument/2006/math">
-                    <m:r>
-                      <a:rPr lang="en-US" sz="2400" b="0" i="1" smtClean="0">
-                        <a:latin typeface="Cambria Math" panose="02040503050406030204" pitchFamily="18" charset="0"/>
-                        <a:cs typeface="Times New Roman" panose="02020603050405020304" pitchFamily="18" charset="0"/>
-                      </a:rPr>
-                      <m:t>𝑋</m:t>
-                    </m:r>
-                  </m:oMath>
-                </a14:m>
-                <a:r>
-                  <a:rPr lang="en-US" sz="2400" dirty="0">
-                    <a:cs typeface="Times New Roman" panose="02020603050405020304" pitchFamily="18" charset="0"/>
-                  </a:rPr>
-                  <a:t> on </a:t>
-                </a:r>
-                <a14:m>
-                  <m:oMath xmlns:m="http://schemas.openxmlformats.org/officeDocument/2006/math">
-                    <m:r>
-                      <a:rPr lang="en-US" sz="2400" b="0" i="1" smtClean="0">
-                        <a:latin typeface="Cambria Math" panose="02040503050406030204" pitchFamily="18" charset="0"/>
-                        <a:cs typeface="Times New Roman" panose="02020603050405020304" pitchFamily="18" charset="0"/>
-                      </a:rPr>
-                      <m:t>𝑌</m:t>
-                    </m:r>
-                  </m:oMath>
-                </a14:m>
-                <a:r>
-                  <a:rPr lang="en-US" sz="2400" dirty="0">
-                    <a:cs typeface="Times New Roman" panose="02020603050405020304" pitchFamily="18" charset="0"/>
-                  </a:rPr>
-                  <a:t>, we need to satisfy </a:t>
-                </a:r>
-                <a:r>
-                  <a:rPr lang="en-US" sz="2400" b="1" dirty="0">
-                    <a:solidFill>
-                      <a:schemeClr val="accent2">
-                        <a:lumMod val="75000"/>
-                      </a:schemeClr>
-                    </a:solidFill>
-                    <a:cs typeface="Times New Roman" panose="02020603050405020304" pitchFamily="18" charset="0"/>
-                  </a:rPr>
-                  <a:t>the backdoor criterion</a:t>
-                </a:r>
-              </a:p>
-              <a:p>
-                <a:endParaRPr lang="en-US" sz="2400" b="1" dirty="0">
-                  <a:cs typeface="Times New Roman" panose="02020603050405020304" pitchFamily="18" charset="0"/>
-                </a:endParaRPr>
-              </a:p>
-              <a:p>
-                <a:endParaRPr lang="en-US" sz="2400" b="1" dirty="0">
-                  <a:cs typeface="Times New Roman" panose="02020603050405020304" pitchFamily="18" charset="0"/>
-                </a:endParaRPr>
-              </a:p>
-              <a:p>
-                <a:endParaRPr lang="en-US" sz="2400" b="1" dirty="0">
-                  <a:cs typeface="Times New Roman" panose="02020603050405020304" pitchFamily="18" charset="0"/>
-                </a:endParaRPr>
-              </a:p>
-              <a:p>
-                <a:endParaRPr lang="en-US" sz="2400" b="1" dirty="0">
-                  <a:cs typeface="Times New Roman" panose="02020603050405020304" pitchFamily="18" charset="0"/>
-                </a:endParaRPr>
-              </a:p>
-              <a:p>
-                <a:endParaRPr lang="en-US" sz="2400" b="1" dirty="0">
-                  <a:cs typeface="Times New Roman" panose="02020603050405020304" pitchFamily="18" charset="0"/>
-                </a:endParaRPr>
-              </a:p>
-              <a:p>
-                <a:pPr marL="0" indent="0">
-                  <a:buNone/>
-                </a:pPr>
-                <a:endParaRPr lang="en-US" sz="2400" b="1" dirty="0">
-                  <a:cs typeface="Times New Roman" panose="02020603050405020304" pitchFamily="18" charset="0"/>
-                </a:endParaRPr>
-              </a:p>
-              <a:p>
-                <a:r>
-                  <a:rPr lang="en-US" sz="2400" b="1" dirty="0">
-                    <a:solidFill>
-                      <a:schemeClr val="accent2">
-                        <a:lumMod val="75000"/>
-                      </a:schemeClr>
-                    </a:solidFill>
-                    <a:cs typeface="Times New Roman" panose="02020603050405020304" pitchFamily="18" charset="0"/>
-                  </a:rPr>
-                  <a:t>Key for today: </a:t>
-                </a:r>
-                <a:r>
-                  <a:rPr lang="en-US" sz="2400" dirty="0">
-                    <a:solidFill>
-                      <a:schemeClr val="accent2">
-                        <a:lumMod val="75000"/>
-                      </a:schemeClr>
-                    </a:solidFill>
-                    <a:cs typeface="Times New Roman" panose="02020603050405020304" pitchFamily="18" charset="0"/>
-                  </a:rPr>
-                  <a:t>if there isn’t variation in </a:t>
-                </a:r>
-                <a14:m>
-                  <m:oMath xmlns:m="http://schemas.openxmlformats.org/officeDocument/2006/math">
-                    <m:r>
-                      <a:rPr lang="en-US" sz="2400" b="0" i="1" smtClean="0">
-                        <a:solidFill>
-                          <a:schemeClr val="accent2">
-                            <a:lumMod val="75000"/>
-                          </a:schemeClr>
-                        </a:solidFill>
-                        <a:latin typeface="Cambria Math" panose="02040503050406030204" pitchFamily="18" charset="0"/>
-                        <a:cs typeface="Times New Roman" panose="02020603050405020304" pitchFamily="18" charset="0"/>
-                      </a:rPr>
-                      <m:t>𝑊</m:t>
-                    </m:r>
-                  </m:oMath>
-                </a14:m>
-                <a:r>
-                  <a:rPr lang="en-US" sz="2400" dirty="0">
-                    <a:solidFill>
-                      <a:schemeClr val="accent2">
-                        <a:lumMod val="75000"/>
-                      </a:schemeClr>
-                    </a:solidFill>
-                    <a:cs typeface="Times New Roman" panose="02020603050405020304" pitchFamily="18" charset="0"/>
-                  </a:rPr>
-                  <a:t>, then no backdoors through </a:t>
-                </a:r>
-                <a14:m>
-                  <m:oMath xmlns:m="http://schemas.openxmlformats.org/officeDocument/2006/math">
-                    <m:r>
-                      <a:rPr lang="en-US" sz="2400" b="0" i="1" smtClean="0">
-                        <a:solidFill>
-                          <a:schemeClr val="accent2">
-                            <a:lumMod val="75000"/>
-                          </a:schemeClr>
-                        </a:solidFill>
-                        <a:latin typeface="Cambria Math" panose="02040503050406030204" pitchFamily="18" charset="0"/>
-                        <a:cs typeface="Times New Roman" panose="02020603050405020304" pitchFamily="18" charset="0"/>
-                      </a:rPr>
-                      <m:t>𝑊</m:t>
-                    </m:r>
-                    <m:r>
-                      <a:rPr lang="en-US" sz="2400" b="0" i="1" smtClean="0">
-                        <a:solidFill>
-                          <a:schemeClr val="accent2">
-                            <a:lumMod val="75000"/>
-                          </a:schemeClr>
-                        </a:solidFill>
-                        <a:latin typeface="Cambria Math" panose="02040503050406030204" pitchFamily="18" charset="0"/>
-                        <a:cs typeface="Times New Roman" panose="02020603050405020304" pitchFamily="18" charset="0"/>
-                      </a:rPr>
-                      <m:t>!</m:t>
-                    </m:r>
-                  </m:oMath>
-                </a14:m>
-                <a:endParaRPr lang="en-US" sz="2400" dirty="0">
-                  <a:cs typeface="Times New Roman" panose="02020603050405020304" pitchFamily="18" charset="0"/>
-                </a:endParaRPr>
-              </a:p>
-            </p:txBody>
-          </p:sp>
-        </mc:Choice>
-        <mc:Fallback xmlns="">
-          <p:sp>
-            <p:nvSpPr>
-              <p:cNvPr id="3" name="Content Placeholder 2"/>
-              <p:cNvSpPr>
-                <a:spLocks noGrp="1" noRot="1" noChangeAspect="1" noMove="1" noResize="1" noEditPoints="1" noAdjustHandles="1" noChangeArrowheads="1" noChangeShapeType="1" noTextEdit="1"/>
-              </p:cNvSpPr>
-              <p:nvPr>
-                <p:ph idx="1"/>
-              </p:nvPr>
-            </p:nvSpPr>
-            <p:spPr>
-              <a:xfrm>
-                <a:off x="1219199" y="1066801"/>
-                <a:ext cx="9829801" cy="5141388"/>
-              </a:xfrm>
-              <a:blipFill>
-                <a:blip r:embed="rId3"/>
-                <a:stretch>
-                  <a:fillRect l="-434" t="-1305"/>
-                </a:stretch>
-              </a:blipFill>
-            </p:spPr>
-            <p:txBody>
-              <a:bodyPr/>
-              <a:lstStyle/>
-              <a:p>
-                <a:r>
-                  <a:rPr lang="en-CA">
-                    <a:noFill/>
-                  </a:rPr>
-                  <a:t> </a:t>
-                </a:r>
-              </a:p>
-            </p:txBody>
-          </p:sp>
-        </mc:Fallback>
-      </mc:AlternateContent>
-      <p:pic>
-        <p:nvPicPr>
-          <p:cNvPr id="5" name="Picture 4">
-            <a:extLst>
-              <a:ext uri="{FF2B5EF4-FFF2-40B4-BE49-F238E27FC236}">
-                <a16:creationId xmlns:a16="http://schemas.microsoft.com/office/drawing/2014/main" id="{AC97B542-F4FC-0526-2803-160792BE6C9F}"/>
-              </a:ext>
-            </a:extLst>
-          </p:cNvPr>
-          <p:cNvPicPr>
-            <a:picLocks noChangeAspect="1"/>
-          </p:cNvPicPr>
-          <p:nvPr/>
-        </p:nvPicPr>
-        <p:blipFill>
-          <a:blip r:embed="rId4"/>
-          <a:stretch>
-            <a:fillRect/>
-          </a:stretch>
-        </p:blipFill>
-        <p:spPr>
-          <a:xfrm>
-            <a:off x="1143000" y="1066801"/>
-            <a:ext cx="9772246" cy="3457368"/>
-          </a:xfrm>
-          <a:prstGeom prst="rect">
-            <a:avLst/>
-          </a:prstGeom>
-        </p:spPr>
-      </p:pic>
-    </p:spTree>
-    <p:extLst>
-      <p:ext uri="{BB962C8B-B14F-4D97-AF65-F5344CB8AC3E}">
-        <p14:creationId xmlns:p14="http://schemas.microsoft.com/office/powerpoint/2010/main" val="1218761096"/>
-      </p:ext>
-    </p:extLst>
-  </p:cSld>
-  <p:clrMapOvr>
-    <a:masterClrMapping/>
-  </p:clrMapOvr>
-</p:sld>
-</file>
-
-<file path=ppt/slides/slide50.xml><?xml version="1.0" encoding="utf-8"?>
+<file path=ppt/slides/slide52.xml><?xml version="1.0" encoding="utf-8"?>
 <p:sld xmlns:a="http://schemas.openxmlformats.org/drawingml/2006/main" xmlns:r="http://schemas.openxmlformats.org/officeDocument/2006/relationships" xmlns:p="http://schemas.openxmlformats.org/presentationml/2006/main">
   <p:cSld>
     <p:spTree>
@@ -22661,7 +23312,7 @@
 </p:sld>
 </file>
 
-<file path=ppt/slides/slide51.xml><?xml version="1.0" encoding="utf-8"?>
+<file path=ppt/slides/slide53.xml><?xml version="1.0" encoding="utf-8"?>
 <p:sld xmlns:a="http://schemas.openxmlformats.org/drawingml/2006/main" xmlns:r="http://schemas.openxmlformats.org/officeDocument/2006/relationships" xmlns:p="http://schemas.openxmlformats.org/presentationml/2006/main">
   <p:cSld>
     <p:spTree>
@@ -23208,7 +23859,7 @@
 </p:sld>
 </file>
 
-<file path=ppt/slides/slide52.xml><?xml version="1.0" encoding="utf-8"?>
+<file path=ppt/slides/slide54.xml><?xml version="1.0" encoding="utf-8"?>
 <p:sld xmlns:a="http://schemas.openxmlformats.org/drawingml/2006/main" xmlns:r="http://schemas.openxmlformats.org/officeDocument/2006/relationships" xmlns:p="http://schemas.openxmlformats.org/presentationml/2006/main">
   <p:cSld>
     <p:spTree>
@@ -23328,7 +23979,7 @@
 </p:sld>
 </file>
 
-<file path=ppt/slides/slide53.xml><?xml version="1.0" encoding="utf-8"?>
+<file path=ppt/slides/slide55.xml><?xml version="1.0" encoding="utf-8"?>
 <p:sld xmlns:a="http://schemas.openxmlformats.org/drawingml/2006/main" xmlns:r="http://schemas.openxmlformats.org/officeDocument/2006/relationships" xmlns:p="http://schemas.openxmlformats.org/presentationml/2006/main">
   <p:cSld>
     <p:spTree>
@@ -23536,7 +24187,7 @@
 </p:sld>
 </file>
 
-<file path=ppt/slides/slide54.xml><?xml version="1.0" encoding="utf-8"?>
+<file path=ppt/slides/slide56.xml><?xml version="1.0" encoding="utf-8"?>
 <p:sld xmlns:a="http://schemas.openxmlformats.org/drawingml/2006/main" xmlns:r="http://schemas.openxmlformats.org/officeDocument/2006/relationships" xmlns:p="http://schemas.openxmlformats.org/presentationml/2006/main">
   <p:cSld>
     <p:spTree>
@@ -23619,7 +24270,7 @@
 </p:sld>
 </file>
 
-<file path=ppt/slides/slide55.xml><?xml version="1.0" encoding="utf-8"?>
+<file path=ppt/slides/slide57.xml><?xml version="1.0" encoding="utf-8"?>
 <p:sld xmlns:a="http://schemas.openxmlformats.org/drawingml/2006/main" xmlns:r="http://schemas.openxmlformats.org/officeDocument/2006/relationships" xmlns:p="http://schemas.openxmlformats.org/presentationml/2006/main">
   <p:cSld>
     <p:spTree>
@@ -23755,7 +24406,7 @@
 </p:sld>
 </file>
 
-<file path=ppt/slides/slide56.xml><?xml version="1.0" encoding="utf-8"?>
+<file path=ppt/slides/slide58.xml><?xml version="1.0" encoding="utf-8"?>
 <p:sld xmlns:a="http://schemas.openxmlformats.org/drawingml/2006/main" xmlns:r="http://schemas.openxmlformats.org/officeDocument/2006/relationships" xmlns:p="http://schemas.openxmlformats.org/presentationml/2006/main">
   <p:cSld>
     <p:spTree>
@@ -23868,7 +24519,7 @@
 </p:sld>
 </file>
 
-<file path=ppt/slides/slide57.xml><?xml version="1.0" encoding="utf-8"?>
+<file path=ppt/slides/slide59.xml><?xml version="1.0" encoding="utf-8"?>
 <p:sld xmlns:a="http://schemas.openxmlformats.org/drawingml/2006/main" xmlns:r="http://schemas.openxmlformats.org/officeDocument/2006/relationships" xmlns:p="http://schemas.openxmlformats.org/presentationml/2006/main">
   <p:cSld>
     <p:spTree>
@@ -23954,294 +24605,6 @@
     <p:extLst>
       <p:ext uri="{BB962C8B-B14F-4D97-AF65-F5344CB8AC3E}">
         <p14:creationId xmlns:p14="http://schemas.microsoft.com/office/powerpoint/2010/main" val="545971058"/>
-      </p:ext>
-    </p:extLst>
-  </p:cSld>
-  <p:clrMapOvr>
-    <a:masterClrMapping/>
-  </p:clrMapOvr>
-</p:sld>
-</file>
-
-<file path=ppt/slides/slide58.xml><?xml version="1.0" encoding="utf-8"?>
-<p:sld xmlns:a="http://schemas.openxmlformats.org/drawingml/2006/main" xmlns:r="http://schemas.openxmlformats.org/officeDocument/2006/relationships" xmlns:p="http://schemas.openxmlformats.org/presentationml/2006/main">
-  <p:cSld>
-    <p:spTree>
-      <p:nvGrpSpPr>
-        <p:cNvPr id="1" name=""/>
-        <p:cNvGrpSpPr/>
-        <p:nvPr/>
-      </p:nvGrpSpPr>
-      <p:grpSpPr>
-        <a:xfrm>
-          <a:off x="0" y="0"/>
-          <a:ext cx="0" cy="0"/>
-          <a:chOff x="0" y="0"/>
-          <a:chExt cx="0" cy="0"/>
-        </a:xfrm>
-      </p:grpSpPr>
-      <p:sp>
-        <p:nvSpPr>
-          <p:cNvPr id="2" name="Title 1"/>
-          <p:cNvSpPr>
-            <a:spLocks noGrp="1"/>
-          </p:cNvSpPr>
-          <p:nvPr>
-            <p:ph type="title"/>
-          </p:nvPr>
-        </p:nvSpPr>
-        <p:spPr>
-          <a:xfrm>
-            <a:off x="609600" y="228600"/>
-            <a:ext cx="10439400" cy="624840"/>
-          </a:xfrm>
-        </p:spPr>
-        <p:txBody>
-          <a:bodyPr>
-            <a:noAutofit/>
-          </a:bodyPr>
-          <a:lstStyle/>
-          <a:p>
-            <a:r>
-              <a:rPr lang="en-US" sz="3600" dirty="0">
-                <a:latin typeface="Times New Roman" panose="02020603050405020304" pitchFamily="18" charset="0"/>
-                <a:cs typeface="Times New Roman" panose="02020603050405020304" pitchFamily="18" charset="0"/>
-              </a:rPr>
-              <a:t>Outcome Measurement Concerns</a:t>
-            </a:r>
-          </a:p>
-        </p:txBody>
-      </p:sp>
-      <p:pic>
-        <p:nvPicPr>
-          <p:cNvPr id="7" name="Content Placeholder 6">
-            <a:extLst>
-              <a:ext uri="{FF2B5EF4-FFF2-40B4-BE49-F238E27FC236}">
-                <a16:creationId xmlns:a16="http://schemas.microsoft.com/office/drawing/2014/main" id="{CB9AD0DF-3A50-BFBA-5F68-D923630870C0}"/>
-              </a:ext>
-            </a:extLst>
-          </p:cNvPr>
-          <p:cNvPicPr>
-            <a:picLocks noGrp="1" noChangeAspect="1"/>
-          </p:cNvPicPr>
-          <p:nvPr>
-            <p:ph idx="1"/>
-          </p:nvPr>
-        </p:nvPicPr>
-        <p:blipFill>
-          <a:blip r:embed="rId3"/>
-          <a:stretch>
-            <a:fillRect/>
-          </a:stretch>
-        </p:blipFill>
-        <p:spPr>
-          <a:xfrm>
-            <a:off x="762000" y="853439"/>
-            <a:ext cx="7696200" cy="4301539"/>
-          </a:xfrm>
-        </p:spPr>
-      </p:pic>
-      <p:sp>
-        <p:nvSpPr>
-          <p:cNvPr id="5" name="TextBox 4">
-            <a:extLst>
-              <a:ext uri="{FF2B5EF4-FFF2-40B4-BE49-F238E27FC236}">
-                <a16:creationId xmlns:a16="http://schemas.microsoft.com/office/drawing/2014/main" id="{281F5245-C1C6-DCB7-0125-947B6698E4A9}"/>
-              </a:ext>
-            </a:extLst>
-          </p:cNvPr>
-          <p:cNvSpPr txBox="1"/>
-          <p:nvPr/>
-        </p:nvSpPr>
-        <p:spPr>
-          <a:xfrm>
-            <a:off x="4915990" y="5181600"/>
-            <a:ext cx="6106884" cy="1292662"/>
-          </a:xfrm>
-          <a:prstGeom prst="rect">
-            <a:avLst/>
-          </a:prstGeom>
-          <a:solidFill>
-            <a:schemeClr val="accent2"/>
-          </a:solidFill>
-          <a:ln>
-            <a:solidFill>
-              <a:schemeClr val="accent1"/>
-            </a:solidFill>
-          </a:ln>
-        </p:spPr>
-        <p:txBody>
-          <a:bodyPr wrap="square">
-            <a:spAutoFit/>
-          </a:bodyPr>
-          <a:lstStyle/>
-          <a:p>
-            <a:pPr marL="0" indent="0">
-              <a:buNone/>
-            </a:pPr>
-            <a:r>
-              <a:rPr lang="en-US" sz="2600" dirty="0"/>
-              <a:t>How do these affect the reported results? How do they affect what you think of the paper? </a:t>
-            </a:r>
-          </a:p>
-        </p:txBody>
-      </p:sp>
-    </p:spTree>
-    <p:extLst>
-      <p:ext uri="{BB962C8B-B14F-4D97-AF65-F5344CB8AC3E}">
-        <p14:creationId xmlns:p14="http://schemas.microsoft.com/office/powerpoint/2010/main" val="1410180954"/>
-      </p:ext>
-    </p:extLst>
-  </p:cSld>
-  <p:clrMapOvr>
-    <a:masterClrMapping/>
-  </p:clrMapOvr>
-</p:sld>
-</file>
-
-<file path=ppt/slides/slide59.xml><?xml version="1.0" encoding="utf-8"?>
-<p:sld xmlns:a="http://schemas.openxmlformats.org/drawingml/2006/main" xmlns:r="http://schemas.openxmlformats.org/officeDocument/2006/relationships" xmlns:p="http://schemas.openxmlformats.org/presentationml/2006/main">
-  <p:cSld>
-    <p:spTree>
-      <p:nvGrpSpPr>
-        <p:cNvPr id="1" name=""/>
-        <p:cNvGrpSpPr/>
-        <p:nvPr/>
-      </p:nvGrpSpPr>
-      <p:grpSpPr>
-        <a:xfrm>
-          <a:off x="0" y="0"/>
-          <a:ext cx="0" cy="0"/>
-          <a:chOff x="0" y="0"/>
-          <a:chExt cx="0" cy="0"/>
-        </a:xfrm>
-      </p:grpSpPr>
-      <p:sp>
-        <p:nvSpPr>
-          <p:cNvPr id="2" name="Title 1"/>
-          <p:cNvSpPr>
-            <a:spLocks noGrp="1"/>
-          </p:cNvSpPr>
-          <p:nvPr>
-            <p:ph type="title"/>
-          </p:nvPr>
-        </p:nvSpPr>
-        <p:spPr>
-          <a:xfrm>
-            <a:off x="609600" y="228600"/>
-            <a:ext cx="10439400" cy="624840"/>
-          </a:xfrm>
-        </p:spPr>
-        <p:txBody>
-          <a:bodyPr>
-            <a:noAutofit/>
-          </a:bodyPr>
-          <a:lstStyle/>
-          <a:p>
-            <a:r>
-              <a:rPr lang="en-US" sz="3200" dirty="0">
-                <a:latin typeface="Times New Roman" panose="02020603050405020304" pitchFamily="18" charset="0"/>
-                <a:cs typeface="Times New Roman" panose="02020603050405020304" pitchFamily="18" charset="0"/>
-              </a:rPr>
-              <a:t>Identification Concerns and Interpretation/Policy Implications</a:t>
-            </a:r>
-          </a:p>
-        </p:txBody>
-      </p:sp>
-      <p:sp>
-        <p:nvSpPr>
-          <p:cNvPr id="4" name="Content Placeholder 3">
-            <a:extLst>
-              <a:ext uri="{FF2B5EF4-FFF2-40B4-BE49-F238E27FC236}">
-                <a16:creationId xmlns:a16="http://schemas.microsoft.com/office/drawing/2014/main" id="{2237AF9E-7447-969B-46EC-461FC8693B8E}"/>
-              </a:ext>
-            </a:extLst>
-          </p:cNvPr>
-          <p:cNvSpPr>
-            <a:spLocks noGrp="1"/>
-          </p:cNvSpPr>
-          <p:nvPr>
-            <p:ph idx="1"/>
-          </p:nvPr>
-        </p:nvSpPr>
-        <p:spPr>
-          <a:xfrm>
-            <a:off x="609600" y="853440"/>
-            <a:ext cx="10439400" cy="5326697"/>
-          </a:xfrm>
-        </p:spPr>
-        <p:txBody>
-          <a:bodyPr>
-            <a:normAutofit/>
-          </a:bodyPr>
-          <a:lstStyle/>
-          <a:p>
-            <a:pPr marL="457200" indent="-457200">
-              <a:buFont typeface="+mj-lt"/>
-              <a:buAutoNum type="arabicPeriod"/>
-            </a:pPr>
-            <a:r>
-              <a:rPr lang="en-US" sz="2600" dirty="0"/>
-              <a:t>What did they do about income? </a:t>
-            </a:r>
-          </a:p>
-          <a:p>
-            <a:pPr marL="457200" indent="-457200">
-              <a:buFont typeface="+mj-lt"/>
-              <a:buAutoNum type="arabicPeriod"/>
-            </a:pPr>
-            <a:r>
-              <a:rPr lang="en-US" sz="2600" dirty="0"/>
-              <a:t>What did they do about </a:t>
-            </a:r>
-            <a:r>
-              <a:rPr lang="en-US" sz="2600" dirty="0" err="1"/>
-              <a:t>labour</a:t>
-            </a:r>
-            <a:r>
-              <a:rPr lang="en-US" sz="2600" dirty="0"/>
-              <a:t> force participation? </a:t>
-            </a:r>
-          </a:p>
-          <a:p>
-            <a:pPr marL="457200" indent="-457200">
-              <a:buFont typeface="+mj-lt"/>
-              <a:buAutoNum type="arabicPeriod"/>
-            </a:pPr>
-            <a:r>
-              <a:rPr lang="en-US" sz="2600" dirty="0"/>
-              <a:t>What about stratification? Where are the effects strongest?</a:t>
-            </a:r>
-          </a:p>
-          <a:p>
-            <a:pPr marL="457200" indent="-457200">
-              <a:buFont typeface="+mj-lt"/>
-              <a:buAutoNum type="arabicPeriod"/>
-            </a:pPr>
-            <a:endParaRPr lang="en-US" sz="2600" dirty="0"/>
-          </a:p>
-          <a:p>
-            <a:pPr marL="0" indent="0">
-              <a:buNone/>
-            </a:pPr>
-            <a:r>
-              <a:rPr lang="en-US" sz="2600" dirty="0"/>
-              <a:t>How do these affect the reported results? How do they affect what you think of the paper? </a:t>
-            </a:r>
-          </a:p>
-          <a:p>
-            <a:pPr marL="457200" indent="-457200">
-              <a:buFont typeface="+mj-lt"/>
-              <a:buAutoNum type="arabicPeriod"/>
-            </a:pPr>
-            <a:endParaRPr lang="en-US" sz="2600" dirty="0"/>
-          </a:p>
-        </p:txBody>
-      </p:sp>
-    </p:spTree>
-    <p:extLst>
-      <p:ext uri="{BB962C8B-B14F-4D97-AF65-F5344CB8AC3E}">
-        <p14:creationId xmlns:p14="http://schemas.microsoft.com/office/powerpoint/2010/main" val="2345075395"/>
       </p:ext>
     </p:extLst>
   </p:cSld>
@@ -24679,81 +25042,84 @@
           <a:p>
             <a:r>
               <a:rPr lang="en-US" sz="3600" dirty="0">
+                <a:latin typeface="Times New Roman" panose="02020603050405020304" pitchFamily="18" charset="0"/>
                 <a:cs typeface="Times New Roman" panose="02020603050405020304" pitchFamily="18" charset="0"/>
               </a:rPr>
-              <a:t>Interpretation and Limitations of Analysis </a:t>
-            </a:r>
-            <a:endParaRPr lang="en-US" sz="3600" dirty="0">
-              <a:latin typeface="Times New Roman" panose="02020603050405020304" pitchFamily="18" charset="0"/>
-              <a:cs typeface="Times New Roman" panose="02020603050405020304" pitchFamily="18" charset="0"/>
-            </a:endParaRPr>
-          </a:p>
-        </p:txBody>
-      </p:sp>
-      <p:sp>
-        <p:nvSpPr>
-          <p:cNvPr id="3" name="Content Placeholder 2"/>
-          <p:cNvSpPr>
-            <a:spLocks noGrp="1"/>
-          </p:cNvSpPr>
+              <a:t>Outcome Measurement Concerns</a:t>
+            </a:r>
+          </a:p>
+        </p:txBody>
+      </p:sp>
+      <p:pic>
+        <p:nvPicPr>
+          <p:cNvPr id="7" name="Content Placeholder 6">
+            <a:extLst>
+              <a:ext uri="{FF2B5EF4-FFF2-40B4-BE49-F238E27FC236}">
+                <a16:creationId xmlns:a16="http://schemas.microsoft.com/office/drawing/2014/main" id="{CB9AD0DF-3A50-BFBA-5F68-D923630870C0}"/>
+              </a:ext>
+            </a:extLst>
+          </p:cNvPr>
+          <p:cNvPicPr>
+            <a:picLocks noGrp="1" noChangeAspect="1"/>
+          </p:cNvPicPr>
           <p:nvPr>
             <p:ph idx="1"/>
           </p:nvPr>
-        </p:nvSpPr>
+        </p:nvPicPr>
+        <p:blipFill>
+          <a:blip r:embed="rId3"/>
+          <a:stretch>
+            <a:fillRect/>
+          </a:stretch>
+        </p:blipFill>
         <p:spPr>
           <a:xfrm>
-            <a:off x="609601" y="1066801"/>
-            <a:ext cx="10439400" cy="5141388"/>
+            <a:off x="762000" y="853439"/>
+            <a:ext cx="7696200" cy="4301539"/>
           </a:xfrm>
         </p:spPr>
-        <p:txBody>
-          <a:bodyPr>
-            <a:noAutofit/>
+      </p:pic>
+      <p:sp>
+        <p:nvSpPr>
+          <p:cNvPr id="5" name="TextBox 4">
+            <a:extLst>
+              <a:ext uri="{FF2B5EF4-FFF2-40B4-BE49-F238E27FC236}">
+                <a16:creationId xmlns:a16="http://schemas.microsoft.com/office/drawing/2014/main" id="{281F5245-C1C6-DCB7-0125-947B6698E4A9}"/>
+              </a:ext>
+            </a:extLst>
+          </p:cNvPr>
+          <p:cNvSpPr txBox="1"/>
+          <p:nvPr/>
+        </p:nvSpPr>
+        <p:spPr>
+          <a:xfrm>
+            <a:off x="4915990" y="5181600"/>
+            <a:ext cx="6106884" cy="1292662"/>
+          </a:xfrm>
+          <a:prstGeom prst="rect">
+            <a:avLst/>
+          </a:prstGeom>
+          <a:solidFill>
+            <a:schemeClr val="accent2"/>
+          </a:solidFill>
+          <a:ln>
+            <a:solidFill>
+              <a:schemeClr val="accent1"/>
+            </a:solidFill>
+          </a:ln>
+        </p:spPr>
+        <p:txBody>
+          <a:bodyPr wrap="square">
+            <a:spAutoFit/>
           </a:bodyPr>
           <a:lstStyle/>
           <a:p>
-            <a:pPr lvl="1"/>
-            <a:r>
-              <a:rPr lang="en-US" sz="2400" dirty="0">
-                <a:cs typeface="Times New Roman" panose="02020603050405020304" pitchFamily="18" charset="0"/>
-              </a:rPr>
-              <a:t>What worked well in this analysis? </a:t>
-            </a:r>
-          </a:p>
-          <a:p>
-            <a:pPr lvl="1"/>
-            <a:r>
-              <a:rPr lang="en-US" sz="2400" dirty="0">
-                <a:cs typeface="Times New Roman" panose="02020603050405020304" pitchFamily="18" charset="0"/>
-              </a:rPr>
-              <a:t>What was lacking? </a:t>
-            </a:r>
-          </a:p>
-          <a:p>
-            <a:pPr lvl="1"/>
-            <a:r>
-              <a:rPr lang="en-US" sz="2400" dirty="0">
-                <a:cs typeface="Times New Roman" panose="02020603050405020304" pitchFamily="18" charset="0"/>
-              </a:rPr>
-              <a:t>What are the takeaways for you? </a:t>
-            </a:r>
-          </a:p>
-          <a:p>
-            <a:pPr lvl="1"/>
-            <a:r>
-              <a:rPr lang="en-US" sz="2400" dirty="0">
-                <a:cs typeface="Times New Roman" panose="02020603050405020304" pitchFamily="18" charset="0"/>
-              </a:rPr>
-              <a:t>What might limit the takeaways? What hinders your approach to thinking of this as causal? </a:t>
-            </a:r>
-          </a:p>
-          <a:p>
-            <a:pPr lvl="1"/>
-            <a:r>
-              <a:rPr lang="en-US" sz="2400" dirty="0">
-                <a:cs typeface="Times New Roman" panose="02020603050405020304" pitchFamily="18" charset="0"/>
-              </a:rPr>
-              <a:t>Any other thoughts? </a:t>
+            <a:pPr marL="0" indent="0">
+              <a:buNone/>
+            </a:pPr>
+            <a:r>
+              <a:rPr lang="en-US" sz="2600" dirty="0"/>
+              <a:t>How do these affect the reported results? How do they affect what you think of the paper? </a:t>
             </a:r>
           </a:p>
         </p:txBody>
@@ -24761,7 +25127,7 @@
     </p:spTree>
     <p:extLst>
       <p:ext uri="{BB962C8B-B14F-4D97-AF65-F5344CB8AC3E}">
-        <p14:creationId xmlns:p14="http://schemas.microsoft.com/office/powerpoint/2010/main" val="62032694"/>
+        <p14:creationId xmlns:p14="http://schemas.microsoft.com/office/powerpoint/2010/main" val="1410180954"/>
       </p:ext>
     </p:extLst>
   </p:cSld>
@@ -24790,6 +25156,291 @@
       </p:grpSpPr>
       <p:sp>
         <p:nvSpPr>
+          <p:cNvPr id="2" name="Title 1"/>
+          <p:cNvSpPr>
+            <a:spLocks noGrp="1"/>
+          </p:cNvSpPr>
+          <p:nvPr>
+            <p:ph type="title"/>
+          </p:nvPr>
+        </p:nvSpPr>
+        <p:spPr>
+          <a:xfrm>
+            <a:off x="609600" y="228600"/>
+            <a:ext cx="10439400" cy="624840"/>
+          </a:xfrm>
+        </p:spPr>
+        <p:txBody>
+          <a:bodyPr>
+            <a:noAutofit/>
+          </a:bodyPr>
+          <a:lstStyle/>
+          <a:p>
+            <a:r>
+              <a:rPr lang="en-US" sz="3200" dirty="0">
+                <a:latin typeface="Times New Roman" panose="02020603050405020304" pitchFamily="18" charset="0"/>
+                <a:cs typeface="Times New Roman" panose="02020603050405020304" pitchFamily="18" charset="0"/>
+              </a:rPr>
+              <a:t>Identification Concerns and Interpretation/Policy Implications</a:t>
+            </a:r>
+          </a:p>
+        </p:txBody>
+      </p:sp>
+      <p:sp>
+        <p:nvSpPr>
+          <p:cNvPr id="4" name="Content Placeholder 3">
+            <a:extLst>
+              <a:ext uri="{FF2B5EF4-FFF2-40B4-BE49-F238E27FC236}">
+                <a16:creationId xmlns:a16="http://schemas.microsoft.com/office/drawing/2014/main" id="{2237AF9E-7447-969B-46EC-461FC8693B8E}"/>
+              </a:ext>
+            </a:extLst>
+          </p:cNvPr>
+          <p:cNvSpPr>
+            <a:spLocks noGrp="1"/>
+          </p:cNvSpPr>
+          <p:nvPr>
+            <p:ph idx="1"/>
+          </p:nvPr>
+        </p:nvSpPr>
+        <p:spPr>
+          <a:xfrm>
+            <a:off x="609600" y="853440"/>
+            <a:ext cx="10439400" cy="5326697"/>
+          </a:xfrm>
+        </p:spPr>
+        <p:txBody>
+          <a:bodyPr>
+            <a:normAutofit/>
+          </a:bodyPr>
+          <a:lstStyle/>
+          <a:p>
+            <a:pPr marL="457200" indent="-457200">
+              <a:buFont typeface="+mj-lt"/>
+              <a:buAutoNum type="arabicPeriod"/>
+            </a:pPr>
+            <a:r>
+              <a:rPr lang="en-US" sz="2600" dirty="0"/>
+              <a:t>What did they do about income? </a:t>
+            </a:r>
+          </a:p>
+          <a:p>
+            <a:pPr marL="457200" indent="-457200">
+              <a:buFont typeface="+mj-lt"/>
+              <a:buAutoNum type="arabicPeriod"/>
+            </a:pPr>
+            <a:r>
+              <a:rPr lang="en-US" sz="2600" dirty="0"/>
+              <a:t>What did they do about </a:t>
+            </a:r>
+            <a:r>
+              <a:rPr lang="en-US" sz="2600" dirty="0" err="1"/>
+              <a:t>labour</a:t>
+            </a:r>
+            <a:r>
+              <a:rPr lang="en-US" sz="2600" dirty="0"/>
+              <a:t> force participation? </a:t>
+            </a:r>
+          </a:p>
+          <a:p>
+            <a:pPr marL="457200" indent="-457200">
+              <a:buFont typeface="+mj-lt"/>
+              <a:buAutoNum type="arabicPeriod"/>
+            </a:pPr>
+            <a:r>
+              <a:rPr lang="en-US" sz="2600" dirty="0"/>
+              <a:t>What about stratification? Where are the effects strongest?</a:t>
+            </a:r>
+          </a:p>
+          <a:p>
+            <a:pPr marL="457200" indent="-457200">
+              <a:buFont typeface="+mj-lt"/>
+              <a:buAutoNum type="arabicPeriod"/>
+            </a:pPr>
+            <a:endParaRPr lang="en-US" sz="2600" dirty="0"/>
+          </a:p>
+          <a:p>
+            <a:pPr marL="0" indent="0">
+              <a:buNone/>
+            </a:pPr>
+            <a:r>
+              <a:rPr lang="en-US" sz="2600" dirty="0"/>
+              <a:t>How do these affect the reported results? How do they affect what you think of the paper? </a:t>
+            </a:r>
+          </a:p>
+          <a:p>
+            <a:pPr marL="457200" indent="-457200">
+              <a:buFont typeface="+mj-lt"/>
+              <a:buAutoNum type="arabicPeriod"/>
+            </a:pPr>
+            <a:endParaRPr lang="en-US" sz="2600" dirty="0"/>
+          </a:p>
+        </p:txBody>
+      </p:sp>
+    </p:spTree>
+    <p:extLst>
+      <p:ext uri="{BB962C8B-B14F-4D97-AF65-F5344CB8AC3E}">
+        <p14:creationId xmlns:p14="http://schemas.microsoft.com/office/powerpoint/2010/main" val="2345075395"/>
+      </p:ext>
+    </p:extLst>
+  </p:cSld>
+  <p:clrMapOvr>
+    <a:masterClrMapping/>
+  </p:clrMapOvr>
+</p:sld>
+</file>
+
+<file path=ppt/slides/slide62.xml><?xml version="1.0" encoding="utf-8"?>
+<p:sld xmlns:a="http://schemas.openxmlformats.org/drawingml/2006/main" xmlns:r="http://schemas.openxmlformats.org/officeDocument/2006/relationships" xmlns:p="http://schemas.openxmlformats.org/presentationml/2006/main">
+  <p:cSld>
+    <p:spTree>
+      <p:nvGrpSpPr>
+        <p:cNvPr id="1" name=""/>
+        <p:cNvGrpSpPr/>
+        <p:nvPr/>
+      </p:nvGrpSpPr>
+      <p:grpSpPr>
+        <a:xfrm>
+          <a:off x="0" y="0"/>
+          <a:ext cx="0" cy="0"/>
+          <a:chOff x="0" y="0"/>
+          <a:chExt cx="0" cy="0"/>
+        </a:xfrm>
+      </p:grpSpPr>
+      <p:sp>
+        <p:nvSpPr>
+          <p:cNvPr id="2" name="Title 1"/>
+          <p:cNvSpPr>
+            <a:spLocks noGrp="1"/>
+          </p:cNvSpPr>
+          <p:nvPr>
+            <p:ph type="title"/>
+          </p:nvPr>
+        </p:nvSpPr>
+        <p:spPr>
+          <a:xfrm>
+            <a:off x="609600" y="228600"/>
+            <a:ext cx="10439400" cy="624840"/>
+          </a:xfrm>
+        </p:spPr>
+        <p:txBody>
+          <a:bodyPr>
+            <a:noAutofit/>
+          </a:bodyPr>
+          <a:lstStyle/>
+          <a:p>
+            <a:r>
+              <a:rPr lang="en-US" sz="3600" dirty="0">
+                <a:cs typeface="Times New Roman" panose="02020603050405020304" pitchFamily="18" charset="0"/>
+              </a:rPr>
+              <a:t>Interpretation and Limitations of Analysis </a:t>
+            </a:r>
+            <a:endParaRPr lang="en-US" sz="3600" dirty="0">
+              <a:latin typeface="Times New Roman" panose="02020603050405020304" pitchFamily="18" charset="0"/>
+              <a:cs typeface="Times New Roman" panose="02020603050405020304" pitchFamily="18" charset="0"/>
+            </a:endParaRPr>
+          </a:p>
+        </p:txBody>
+      </p:sp>
+      <p:sp>
+        <p:nvSpPr>
+          <p:cNvPr id="3" name="Content Placeholder 2"/>
+          <p:cNvSpPr>
+            <a:spLocks noGrp="1"/>
+          </p:cNvSpPr>
+          <p:nvPr>
+            <p:ph idx="1"/>
+          </p:nvPr>
+        </p:nvSpPr>
+        <p:spPr>
+          <a:xfrm>
+            <a:off x="609601" y="1066801"/>
+            <a:ext cx="10439400" cy="5141388"/>
+          </a:xfrm>
+        </p:spPr>
+        <p:txBody>
+          <a:bodyPr>
+            <a:noAutofit/>
+          </a:bodyPr>
+          <a:lstStyle/>
+          <a:p>
+            <a:pPr lvl="1"/>
+            <a:r>
+              <a:rPr lang="en-US" sz="2400" dirty="0">
+                <a:cs typeface="Times New Roman" panose="02020603050405020304" pitchFamily="18" charset="0"/>
+              </a:rPr>
+              <a:t>What worked well in this analysis? </a:t>
+            </a:r>
+          </a:p>
+          <a:p>
+            <a:pPr lvl="1"/>
+            <a:r>
+              <a:rPr lang="en-US" sz="2400" dirty="0">
+                <a:cs typeface="Times New Roman" panose="02020603050405020304" pitchFamily="18" charset="0"/>
+              </a:rPr>
+              <a:t>What was lacking? </a:t>
+            </a:r>
+          </a:p>
+          <a:p>
+            <a:pPr lvl="1"/>
+            <a:r>
+              <a:rPr lang="en-US" sz="2400" dirty="0">
+                <a:cs typeface="Times New Roman" panose="02020603050405020304" pitchFamily="18" charset="0"/>
+              </a:rPr>
+              <a:t>What are the takeaways for you? </a:t>
+            </a:r>
+          </a:p>
+          <a:p>
+            <a:pPr lvl="1"/>
+            <a:r>
+              <a:rPr lang="en-US" sz="2400" dirty="0">
+                <a:cs typeface="Times New Roman" panose="02020603050405020304" pitchFamily="18" charset="0"/>
+              </a:rPr>
+              <a:t>What might limit the takeaways? What hinders your approach to thinking of this as causal? </a:t>
+            </a:r>
+          </a:p>
+          <a:p>
+            <a:pPr lvl="1"/>
+            <a:r>
+              <a:rPr lang="en-US" sz="2400" dirty="0">
+                <a:cs typeface="Times New Roman" panose="02020603050405020304" pitchFamily="18" charset="0"/>
+              </a:rPr>
+              <a:t>Any other thoughts? </a:t>
+            </a:r>
+          </a:p>
+        </p:txBody>
+      </p:sp>
+    </p:spTree>
+    <p:extLst>
+      <p:ext uri="{BB962C8B-B14F-4D97-AF65-F5344CB8AC3E}">
+        <p14:creationId xmlns:p14="http://schemas.microsoft.com/office/powerpoint/2010/main" val="62032694"/>
+      </p:ext>
+    </p:extLst>
+  </p:cSld>
+  <p:clrMapOvr>
+    <a:masterClrMapping/>
+  </p:clrMapOvr>
+</p:sld>
+</file>
+
+<file path=ppt/slides/slide63.xml><?xml version="1.0" encoding="utf-8"?>
+<p:sld xmlns:a="http://schemas.openxmlformats.org/drawingml/2006/main" xmlns:r="http://schemas.openxmlformats.org/officeDocument/2006/relationships" xmlns:p="http://schemas.openxmlformats.org/presentationml/2006/main">
+  <p:cSld>
+    <p:spTree>
+      <p:nvGrpSpPr>
+        <p:cNvPr id="1" name=""/>
+        <p:cNvGrpSpPr/>
+        <p:nvPr/>
+      </p:nvGrpSpPr>
+      <p:grpSpPr>
+        <a:xfrm>
+          <a:off x="0" y="0"/>
+          <a:ext cx="0" cy="0"/>
+          <a:chOff x="0" y="0"/>
+          <a:chExt cx="0" cy="0"/>
+        </a:xfrm>
+      </p:grpSpPr>
+      <p:sp>
+        <p:nvSpPr>
           <p:cNvPr id="2" name="Title 1">
             <a:extLst>
               <a:ext uri="{FF2B5EF4-FFF2-40B4-BE49-F238E27FC236}">
@@ -24854,7 +25505,7 @@
 </p:sld>
 </file>
 
-<file path=ppt/slides/slide62.xml><?xml version="1.0" encoding="utf-8"?>
+<file path=ppt/slides/slide64.xml><?xml version="1.0" encoding="utf-8"?>
 <p:sld xmlns:a="http://schemas.openxmlformats.org/drawingml/2006/main" xmlns:r="http://schemas.openxmlformats.org/officeDocument/2006/relationships" xmlns:p="http://schemas.openxmlformats.org/presentationml/2006/main">
   <p:cSld>
     <p:spTree>
@@ -25057,7 +25708,7 @@
 </p:sld>
 </file>
 
-<file path=ppt/slides/slide63.xml><?xml version="1.0" encoding="utf-8"?>
+<file path=ppt/slides/slide65.xml><?xml version="1.0" encoding="utf-8"?>
 <p:sld xmlns:a="http://schemas.openxmlformats.org/drawingml/2006/main" xmlns:r="http://schemas.openxmlformats.org/officeDocument/2006/relationships" xmlns:p="http://schemas.openxmlformats.org/presentationml/2006/main">
   <p:cSld>
     <p:spTree>
@@ -25240,7 +25891,7 @@
 </p:sld>
 </file>
 
-<file path=ppt/slides/slide64.xml><?xml version="1.0" encoding="utf-8"?>
+<file path=ppt/slides/slide66.xml><?xml version="1.0" encoding="utf-8"?>
 <p:sld xmlns:a="http://schemas.openxmlformats.org/drawingml/2006/main" xmlns:r="http://schemas.openxmlformats.org/officeDocument/2006/relationships" xmlns:p="http://schemas.openxmlformats.org/presentationml/2006/main">
   <p:cSld>
     <p:spTree>
@@ -25561,7 +26212,7 @@
 </p:sld>
 </file>
 
-<file path=ppt/slides/slide65.xml><?xml version="1.0" encoding="utf-8"?>
+<file path=ppt/slides/slide67.xml><?xml version="1.0" encoding="utf-8"?>
 <p:sld xmlns:a="http://schemas.openxmlformats.org/drawingml/2006/main" xmlns:r="http://schemas.openxmlformats.org/officeDocument/2006/relationships" xmlns:p="http://schemas.openxmlformats.org/presentationml/2006/main">
   <p:cSld>
     <p:spTree>
@@ -25960,7 +26611,7 @@
 </p:sld>
 </file>
 
-<file path=ppt/slides/slide66.xml><?xml version="1.0" encoding="utf-8"?>
+<file path=ppt/slides/slide68.xml><?xml version="1.0" encoding="utf-8"?>
 <p:sld xmlns:a="http://schemas.openxmlformats.org/drawingml/2006/main" xmlns:r="http://schemas.openxmlformats.org/officeDocument/2006/relationships" xmlns:p="http://schemas.openxmlformats.org/presentationml/2006/main">
   <p:cSld>
     <p:spTree>
@@ -26159,7 +26810,7 @@
 </p:sld>
 </file>
 
-<file path=ppt/slides/slide67.xml><?xml version="1.0" encoding="utf-8"?>
+<file path=ppt/slides/slide69.xml><?xml version="1.0" encoding="utf-8"?>
 <p:sld xmlns:a="http://schemas.openxmlformats.org/drawingml/2006/main" xmlns:r="http://schemas.openxmlformats.org/officeDocument/2006/relationships" xmlns:p="http://schemas.openxmlformats.org/presentationml/2006/main">
   <p:cSld>
     <p:spTree>
@@ -26358,7 +27009,101 @@
 </p:sld>
 </file>
 
-<file path=ppt/slides/slide68.xml><?xml version="1.0" encoding="utf-8"?>
+<file path=ppt/slides/slide7.xml><?xml version="1.0" encoding="utf-8"?>
+<p:sld xmlns:a="http://schemas.openxmlformats.org/drawingml/2006/main" xmlns:r="http://schemas.openxmlformats.org/officeDocument/2006/relationships" xmlns:p="http://schemas.openxmlformats.org/presentationml/2006/main">
+  <p:cSld>
+    <p:spTree>
+      <p:nvGrpSpPr>
+        <p:cNvPr id="1" name=""/>
+        <p:cNvGrpSpPr/>
+        <p:nvPr/>
+      </p:nvGrpSpPr>
+      <p:grpSpPr>
+        <a:xfrm>
+          <a:off x="0" y="0"/>
+          <a:ext cx="0" cy="0"/>
+          <a:chOff x="0" y="0"/>
+          <a:chExt cx="0" cy="0"/>
+        </a:xfrm>
+      </p:grpSpPr>
+      <p:sp>
+        <p:nvSpPr>
+          <p:cNvPr id="2" name="Title 1"/>
+          <p:cNvSpPr>
+            <a:spLocks noGrp="1"/>
+          </p:cNvSpPr>
+          <p:nvPr>
+            <p:ph type="title"/>
+          </p:nvPr>
+        </p:nvSpPr>
+        <p:spPr>
+          <a:xfrm>
+            <a:off x="609600" y="272078"/>
+            <a:ext cx="10439400" cy="624840"/>
+          </a:xfrm>
+        </p:spPr>
+        <p:txBody>
+          <a:bodyPr>
+            <a:noAutofit/>
+          </a:bodyPr>
+          <a:lstStyle/>
+          <a:p>
+            <a:r>
+              <a:rPr lang="en-US" sz="3600" dirty="0">
+                <a:cs typeface="Times New Roman" panose="02020603050405020304" pitchFamily="18" charset="0"/>
+              </a:rPr>
+              <a:t>Matching reduces model dependence</a:t>
+            </a:r>
+            <a:endParaRPr lang="en-US" sz="3600" dirty="0">
+              <a:latin typeface="Times New Roman" panose="02020603050405020304" pitchFamily="18" charset="0"/>
+              <a:cs typeface="Times New Roman" panose="02020603050405020304" pitchFamily="18" charset="0"/>
+            </a:endParaRPr>
+          </a:p>
+        </p:txBody>
+      </p:sp>
+      <p:pic>
+        <p:nvPicPr>
+          <p:cNvPr id="5" name="Content Placeholder 4">
+            <a:extLst>
+              <a:ext uri="{FF2B5EF4-FFF2-40B4-BE49-F238E27FC236}">
+                <a16:creationId xmlns:a16="http://schemas.microsoft.com/office/drawing/2014/main" id="{72EC37A5-7217-D178-6839-8C40C6A093D6}"/>
+              </a:ext>
+            </a:extLst>
+          </p:cNvPr>
+          <p:cNvPicPr>
+            <a:picLocks noGrp="1" noChangeAspect="1"/>
+          </p:cNvPicPr>
+          <p:nvPr>
+            <p:ph idx="1"/>
+          </p:nvPr>
+        </p:nvPicPr>
+        <p:blipFill>
+          <a:blip r:embed="rId3"/>
+          <a:stretch>
+            <a:fillRect/>
+          </a:stretch>
+        </p:blipFill>
+        <p:spPr>
+          <a:xfrm>
+            <a:off x="609600" y="1196946"/>
+            <a:ext cx="10287000" cy="4822854"/>
+          </a:xfrm>
+        </p:spPr>
+      </p:pic>
+    </p:spTree>
+    <p:extLst>
+      <p:ext uri="{BB962C8B-B14F-4D97-AF65-F5344CB8AC3E}">
+        <p14:creationId xmlns:p14="http://schemas.microsoft.com/office/powerpoint/2010/main" val="578261057"/>
+      </p:ext>
+    </p:extLst>
+  </p:cSld>
+  <p:clrMapOvr>
+    <a:masterClrMapping/>
+  </p:clrMapOvr>
+</p:sld>
+</file>
+
+<file path=ppt/slides/slide70.xml><?xml version="1.0" encoding="utf-8"?>
 <p:sld xmlns:a="http://schemas.openxmlformats.org/drawingml/2006/main" xmlns:r="http://schemas.openxmlformats.org/officeDocument/2006/relationships" xmlns:p="http://schemas.openxmlformats.org/presentationml/2006/main" show="0">
   <p:cSld>
     <p:spTree>
@@ -26497,7 +27242,7 @@
 </p:sld>
 </file>
 
-<file path=ppt/slides/slide69.xml><?xml version="1.0" encoding="utf-8"?>
+<file path=ppt/slides/slide71.xml><?xml version="1.0" encoding="utf-8"?>
 <p:sld xmlns:a="http://schemas.openxmlformats.org/drawingml/2006/main" xmlns:r="http://schemas.openxmlformats.org/officeDocument/2006/relationships" xmlns:p="http://schemas.openxmlformats.org/presentationml/2006/main" show="0">
   <p:cSld>
     <p:spTree>
@@ -26636,101 +27381,7 @@
 </p:sld>
 </file>
 
-<file path=ppt/slides/slide7.xml><?xml version="1.0" encoding="utf-8"?>
-<p:sld xmlns:a="http://schemas.openxmlformats.org/drawingml/2006/main" xmlns:r="http://schemas.openxmlformats.org/officeDocument/2006/relationships" xmlns:p="http://schemas.openxmlformats.org/presentationml/2006/main">
-  <p:cSld>
-    <p:spTree>
-      <p:nvGrpSpPr>
-        <p:cNvPr id="1" name=""/>
-        <p:cNvGrpSpPr/>
-        <p:nvPr/>
-      </p:nvGrpSpPr>
-      <p:grpSpPr>
-        <a:xfrm>
-          <a:off x="0" y="0"/>
-          <a:ext cx="0" cy="0"/>
-          <a:chOff x="0" y="0"/>
-          <a:chExt cx="0" cy="0"/>
-        </a:xfrm>
-      </p:grpSpPr>
-      <p:sp>
-        <p:nvSpPr>
-          <p:cNvPr id="2" name="Title 1"/>
-          <p:cNvSpPr>
-            <a:spLocks noGrp="1"/>
-          </p:cNvSpPr>
-          <p:nvPr>
-            <p:ph type="title"/>
-          </p:nvPr>
-        </p:nvSpPr>
-        <p:spPr>
-          <a:xfrm>
-            <a:off x="609600" y="272078"/>
-            <a:ext cx="10439400" cy="624840"/>
-          </a:xfrm>
-        </p:spPr>
-        <p:txBody>
-          <a:bodyPr>
-            <a:noAutofit/>
-          </a:bodyPr>
-          <a:lstStyle/>
-          <a:p>
-            <a:r>
-              <a:rPr lang="en-US" sz="3600" dirty="0">
-                <a:cs typeface="Times New Roman" panose="02020603050405020304" pitchFamily="18" charset="0"/>
-              </a:rPr>
-              <a:t>Matching reduces model dependence</a:t>
-            </a:r>
-            <a:endParaRPr lang="en-US" sz="3600" dirty="0">
-              <a:latin typeface="Times New Roman" panose="02020603050405020304" pitchFamily="18" charset="0"/>
-              <a:cs typeface="Times New Roman" panose="02020603050405020304" pitchFamily="18" charset="0"/>
-            </a:endParaRPr>
-          </a:p>
-        </p:txBody>
-      </p:sp>
-      <p:pic>
-        <p:nvPicPr>
-          <p:cNvPr id="5" name="Content Placeholder 4">
-            <a:extLst>
-              <a:ext uri="{FF2B5EF4-FFF2-40B4-BE49-F238E27FC236}">
-                <a16:creationId xmlns:a16="http://schemas.microsoft.com/office/drawing/2014/main" id="{72EC37A5-7217-D178-6839-8C40C6A093D6}"/>
-              </a:ext>
-            </a:extLst>
-          </p:cNvPr>
-          <p:cNvPicPr>
-            <a:picLocks noGrp="1" noChangeAspect="1"/>
-          </p:cNvPicPr>
-          <p:nvPr>
-            <p:ph idx="1"/>
-          </p:nvPr>
-        </p:nvPicPr>
-        <p:blipFill>
-          <a:blip r:embed="rId3"/>
-          <a:stretch>
-            <a:fillRect/>
-          </a:stretch>
-        </p:blipFill>
-        <p:spPr>
-          <a:xfrm>
-            <a:off x="609600" y="1196946"/>
-            <a:ext cx="10287000" cy="4822854"/>
-          </a:xfrm>
-        </p:spPr>
-      </p:pic>
-    </p:spTree>
-    <p:extLst>
-      <p:ext uri="{BB962C8B-B14F-4D97-AF65-F5344CB8AC3E}">
-        <p14:creationId xmlns:p14="http://schemas.microsoft.com/office/powerpoint/2010/main" val="578261057"/>
-      </p:ext>
-    </p:extLst>
-  </p:cSld>
-  <p:clrMapOvr>
-    <a:masterClrMapping/>
-  </p:clrMapOvr>
-</p:sld>
-</file>
-
-<file path=ppt/slides/slide70.xml><?xml version="1.0" encoding="utf-8"?>
+<file path=ppt/slides/slide72.xml><?xml version="1.0" encoding="utf-8"?>
 <p:sld xmlns:a="http://schemas.openxmlformats.org/drawingml/2006/main" xmlns:r="http://schemas.openxmlformats.org/officeDocument/2006/relationships" xmlns:p="http://schemas.openxmlformats.org/presentationml/2006/main">
   <p:cSld>
     <p:spTree>
@@ -27231,7 +27882,7 @@
 </p:sld>
 </file>
 
-<file path=ppt/slides/slide71.xml><?xml version="1.0" encoding="utf-8"?>
+<file path=ppt/slides/slide73.xml><?xml version="1.0" encoding="utf-8"?>
 <p:sld xmlns:a="http://schemas.openxmlformats.org/drawingml/2006/main" xmlns:r="http://schemas.openxmlformats.org/officeDocument/2006/relationships" xmlns:p="http://schemas.openxmlformats.org/presentationml/2006/main">
   <p:cSld>
     <p:spTree>
@@ -27425,7 +28076,7 @@
 </p:sld>
 </file>
 
-<file path=ppt/slides/slide72.xml><?xml version="1.0" encoding="utf-8"?>
+<file path=ppt/slides/slide74.xml><?xml version="1.0" encoding="utf-8"?>
 <p:sld xmlns:a="http://schemas.openxmlformats.org/drawingml/2006/main" xmlns:r="http://schemas.openxmlformats.org/officeDocument/2006/relationships" xmlns:p="http://schemas.openxmlformats.org/presentationml/2006/main">
   <p:cSld>
     <p:spTree>
@@ -27691,7 +28342,7 @@
 </p:sld>
 </file>
 
-<file path=ppt/slides/slide73.xml><?xml version="1.0" encoding="utf-8"?>
+<file path=ppt/slides/slide75.xml><?xml version="1.0" encoding="utf-8"?>
 <p:sld xmlns:a="http://schemas.openxmlformats.org/drawingml/2006/main" xmlns:r="http://schemas.openxmlformats.org/officeDocument/2006/relationships" xmlns:p="http://schemas.openxmlformats.org/presentationml/2006/main">
   <p:cSld>
     <p:spTree>
@@ -27972,7 +28623,7 @@
 </p:sld>
 </file>
 
-<file path=ppt/slides/slide74.xml><?xml version="1.0" encoding="utf-8"?>
+<file path=ppt/slides/slide76.xml><?xml version="1.0" encoding="utf-8"?>
 <p:sld xmlns:a="http://schemas.openxmlformats.org/drawingml/2006/main" xmlns:r="http://schemas.openxmlformats.org/officeDocument/2006/relationships" xmlns:p="http://schemas.openxmlformats.org/presentationml/2006/main">
   <p:cSld>
     <p:spTree>
@@ -28368,7 +29019,7 @@
 </p:sld>
 </file>
 
-<file path=ppt/slides/slide75.xml><?xml version="1.0" encoding="utf-8"?>
+<file path=ppt/slides/slide77.xml><?xml version="1.0" encoding="utf-8"?>
 <p:sld xmlns:a="http://schemas.openxmlformats.org/drawingml/2006/main" xmlns:r="http://schemas.openxmlformats.org/officeDocument/2006/relationships" xmlns:p="http://schemas.openxmlformats.org/presentationml/2006/main">
   <p:cSld>
     <p:spTree>
@@ -28709,7 +29360,7 @@
 </p:sld>
 </file>
 
-<file path=ppt/slides/slide76.xml><?xml version="1.0" encoding="utf-8"?>
+<file path=ppt/slides/slide78.xml><?xml version="1.0" encoding="utf-8"?>
 <p:sld xmlns:a="http://schemas.openxmlformats.org/drawingml/2006/main" xmlns:r="http://schemas.openxmlformats.org/officeDocument/2006/relationships" xmlns:p="http://schemas.openxmlformats.org/presentationml/2006/main">
   <p:cSld>
     <p:spTree>
@@ -28935,7 +29586,7 @@
 </p:sld>
 </file>
 
-<file path=ppt/slides/slide77.xml><?xml version="1.0" encoding="utf-8"?>
+<file path=ppt/slides/slide79.xml><?xml version="1.0" encoding="utf-8"?>
 <p:sld xmlns:a="http://schemas.openxmlformats.org/drawingml/2006/main" xmlns:r="http://schemas.openxmlformats.org/officeDocument/2006/relationships" xmlns:p="http://schemas.openxmlformats.org/presentationml/2006/main">
   <p:cSld>
     <p:spTree>
